--- a/presentation.pptx
+++ b/presentation.pptx
@@ -3,28 +3,28 @@
 <p:presentation xmlns:a="http://schemas.openxmlformats.org/drawingml/2006/main" xmlns:r="http://schemas.openxmlformats.org/officeDocument/2006/relationships" xmlns:p="http://schemas.openxmlformats.org/presentationml/2006/main">
   <p:sldMasterIdLst>
     <p:sldMasterId id="2147483648" r:id="rId1"/>
-    <p:sldMasterId id="2147483661" r:id="rId3"/>
+    <p:sldMasterId id="2147483661" r:id="rId2"/>
   </p:sldMasterIdLst>
   <p:notesMasterIdLst>
-    <p:notesMasterId r:id="rId5"/>
+    <p:notesMasterId r:id="rId14"/>
   </p:notesMasterIdLst>
   <p:sldIdLst>
-    <p:sldId id="256" r:id="rId4"/>
-    <p:sldId id="258" r:id="rId6"/>
-    <p:sldId id="268" r:id="rId7"/>
-    <p:sldId id="318" r:id="rId8"/>
-    <p:sldId id="259" r:id="rId9"/>
-    <p:sldId id="317" r:id="rId10"/>
-    <p:sldId id="327" r:id="rId11"/>
-    <p:sldId id="260" r:id="rId12"/>
-    <p:sldId id="328" r:id="rId13"/>
-    <p:sldId id="329" r:id="rId14"/>
-    <p:sldId id="275" r:id="rId15"/>
+    <p:sldId id="256" r:id="rId3"/>
+    <p:sldId id="258" r:id="rId4"/>
+    <p:sldId id="268" r:id="rId5"/>
+    <p:sldId id="318" r:id="rId6"/>
+    <p:sldId id="259" r:id="rId7"/>
+    <p:sldId id="317" r:id="rId8"/>
+    <p:sldId id="327" r:id="rId9"/>
+    <p:sldId id="260" r:id="rId10"/>
+    <p:sldId id="328" r:id="rId11"/>
+    <p:sldId id="329" r:id="rId12"/>
+    <p:sldId id="275" r:id="rId13"/>
   </p:sldIdLst>
   <p:sldSz cx="12192000" cy="6858000"/>
   <p:notesSz cx="6858000" cy="9144000"/>
   <p:custDataLst>
-    <p:tags r:id="rId19"/>
+    <p:tags r:id="rId15"/>
   </p:custDataLst>
   <p:defaultTextStyle>
     <a:defPPr>
@@ -121,6 +121,11 @@
       </a:defRPr>
     </a:lvl9pPr>
   </p:defaultTextStyle>
+  <p:extLst>
+    <p:ext uri="{EFAFB233-063F-42B5-8137-9DF3F51BA10A}">
+      <p15:sldGuideLst xmlns:p15="http://schemas.microsoft.com/office/powerpoint/2012/main"/>
+    </p:ext>
+  </p:extLst>
 </p:presentation>
 </file>
 
@@ -206,6 +211,7 @@
           <a:p>
             <a:fld id="{D9C8FC51-CCFD-4D5D-AC41-6BB322F8FED2}" type="datetimeFigureOut">
               <a:rPr lang="zh-CN" altLang="en-US" smtClean="0"/>
+              <a:t>2022/10/2</a:t>
             </a:fld>
             <a:endParaRPr lang="zh-CN" altLang="en-US"/>
           </a:p>
@@ -272,7 +278,6 @@
               <a:rPr lang="zh-CN" altLang="en-US"/>
               <a:t>编辑母版文本样式</a:t>
             </a:r>
-            <a:endParaRPr lang="zh-CN" altLang="en-US"/>
           </a:p>
           <a:p>
             <a:pPr lvl="1"/>
@@ -280,7 +285,6 @@
               <a:rPr lang="zh-CN" altLang="en-US"/>
               <a:t>第二级</a:t>
             </a:r>
-            <a:endParaRPr lang="zh-CN" altLang="en-US"/>
           </a:p>
           <a:p>
             <a:pPr lvl="2"/>
@@ -288,7 +292,6 @@
               <a:rPr lang="zh-CN" altLang="en-US"/>
               <a:t>第三级</a:t>
             </a:r>
-            <a:endParaRPr lang="zh-CN" altLang="en-US"/>
           </a:p>
           <a:p>
             <a:pPr lvl="3"/>
@@ -296,7 +299,6 @@
               <a:rPr lang="zh-CN" altLang="en-US"/>
               <a:t>第四级</a:t>
             </a:r>
-            <a:endParaRPr lang="zh-CN" altLang="en-US"/>
           </a:p>
           <a:p>
             <a:pPr lvl="4"/>
@@ -304,7 +306,6 @@
               <a:rPr lang="zh-CN" altLang="en-US"/>
               <a:t>第五级</a:t>
             </a:r>
-            <a:endParaRPr lang="zh-CN" altLang="en-US"/>
           </a:p>
         </p:txBody>
       </p:sp>
@@ -368,6 +369,7 @@
           <a:p>
             <a:fld id="{BE783421-80D6-41F7-9E94-B95E75280EBC}" type="slidenum">
               <a:rPr lang="zh-CN" altLang="en-US" smtClean="0"/>
+              <a:t>‹#›</a:t>
             </a:fld>
             <a:endParaRPr lang="zh-CN" altLang="en-US"/>
           </a:p>
@@ -536,6 +538,7 @@
           <a:p>
             <a:fld id="{BE783421-80D6-41F7-9E94-B95E75280EBC}" type="slidenum">
               <a:rPr lang="zh-CN" altLang="en-US" smtClean="0"/>
+              <a:t>1</a:t>
             </a:fld>
             <a:endParaRPr lang="zh-CN" altLang="en-US"/>
           </a:p>
@@ -614,6 +617,7 @@
           <a:p>
             <a:fld id="{BE783421-80D6-41F7-9E94-B95E75280EBC}" type="slidenum">
               <a:rPr lang="zh-CN" altLang="en-US" smtClean="0"/>
+              <a:t>10</a:t>
             </a:fld>
             <a:endParaRPr lang="zh-CN" altLang="en-US"/>
           </a:p>
@@ -692,6 +696,7 @@
           <a:p>
             <a:fld id="{BE783421-80D6-41F7-9E94-B95E75280EBC}" type="slidenum">
               <a:rPr lang="zh-CN" altLang="en-US" smtClean="0"/>
+              <a:t>11</a:t>
             </a:fld>
             <a:endParaRPr lang="zh-CN" altLang="en-US"/>
           </a:p>
@@ -770,6 +775,7 @@
           <a:p>
             <a:fld id="{BE783421-80D6-41F7-9E94-B95E75280EBC}" type="slidenum">
               <a:rPr lang="zh-CN" altLang="en-US" smtClean="0"/>
+              <a:t>2</a:t>
             </a:fld>
             <a:endParaRPr lang="zh-CN" altLang="en-US"/>
           </a:p>
@@ -827,7 +833,65 @@
           <a:bodyPr/>
           <a:lstStyle/>
           <a:p>
-            <a:endParaRPr lang="zh-CN" altLang="en-US"/>
+            <a:pPr marL="0" marR="0" lvl="0" indent="0" algn="l" defTabSz="914400" rtl="0" eaLnBrk="1" fontAlgn="auto" latinLnBrk="0" hangingPunct="1">
+              <a:lnSpc>
+                <a:spcPct val="100000"/>
+              </a:lnSpc>
+              <a:spcBef>
+                <a:spcPts val="0"/>
+              </a:spcBef>
+              <a:spcAft>
+                <a:spcPts val="0"/>
+              </a:spcAft>
+              <a:buClrTx/>
+              <a:buSzTx/>
+              <a:buFontTx/>
+              <a:buNone/>
+              <a:tabLst/>
+              <a:defRPr/>
+            </a:pPr>
+            <a:r>
+              <a:rPr lang="zh-CN" altLang="en-US" sz="1200" dirty="0">
+                <a:solidFill>
+                  <a:schemeClr val="tx1">
+                    <a:lumMod val="65000"/>
+                    <a:lumOff val="35000"/>
+                  </a:schemeClr>
+                </a:solidFill>
+                <a:latin typeface="微软雅黑" panose="020B0503020204020204" pitchFamily="34" charset="-122"/>
+                <a:ea typeface="微软雅黑" panose="020B0503020204020204" pitchFamily="34" charset="-122"/>
+              </a:rPr>
+              <a:t>Credit cards are very important in people's daily lives because of their convenience an</a:t>
+            </a:r>
+            <a:r>
+              <a:rPr lang="en-CA" altLang="zh-CN" sz="1200" dirty="0">
+                <a:solidFill>
+                  <a:schemeClr val="tx1">
+                    <a:lumMod val="65000"/>
+                    <a:lumOff val="35000"/>
+                  </a:schemeClr>
+                </a:solidFill>
+                <a:latin typeface="微软雅黑" panose="020B0503020204020204" pitchFamily="34" charset="-122"/>
+                <a:ea typeface="微软雅黑" panose="020B0503020204020204" pitchFamily="34" charset="-122"/>
+              </a:rPr>
+              <a:t>d benefits if used correctly</a:t>
+            </a:r>
+            <a:r>
+              <a:rPr lang="zh-CN" altLang="en-US" sz="1200" dirty="0">
+                <a:solidFill>
+                  <a:schemeClr val="tx1">
+                    <a:lumMod val="65000"/>
+                    <a:lumOff val="35000"/>
+                  </a:schemeClr>
+                </a:solidFill>
+                <a:latin typeface="微软雅黑" panose="020B0503020204020204" pitchFamily="34" charset="-122"/>
+                <a:ea typeface="微软雅黑" panose="020B0503020204020204" pitchFamily="34" charset="-122"/>
+              </a:rPr>
+              <a:t>. With the increase in credit card users, credit card risk control has become challenging for banks and financial institutions like American Express. They need to weigh the benefits and risks brought by the credit card business, and the task of predicting credit card defaults, consumption and repayment of users has become one of the effective ways to monitor credit card risks. For banks, if they can determine in advance that customers will default and take adequate measures to remind customers to make timely repayments, such as taking personalized email or message reminders to urge customers to make repayments, they can reduce the default ratio of customers and promote the development of the bank's credit card business. In contrast, banks can analyze the characteristics of credit card default users and pay more careful attention to customers with these characteristics. The bank can analyze the characteristics of credit card defaulters, pay more careful attention to customers with these characteristics, restrict the credit card limit or even freeze their credit card spending when necessary.</a:t>
+            </a:r>
+          </a:p>
+          <a:p>
+            <a:endParaRPr lang="zh-CN" altLang="en-US" dirty="0"/>
           </a:p>
         </p:txBody>
       </p:sp>
@@ -848,6 +912,7 @@
           <a:p>
             <a:fld id="{BE783421-80D6-41F7-9E94-B95E75280EBC}" type="slidenum">
               <a:rPr lang="zh-CN" altLang="en-US" smtClean="0"/>
+              <a:t>3</a:t>
             </a:fld>
             <a:endParaRPr lang="zh-CN" altLang="en-US"/>
           </a:p>
@@ -905,7 +970,20 @@
           <a:bodyPr/>
           <a:lstStyle/>
           <a:p>
-            <a:endParaRPr lang="zh-CN" altLang="en-US"/>
+            <a:r>
+              <a:rPr lang="zh-CN" altLang="en-US" sz="1200" dirty="0">
+                <a:solidFill>
+                  <a:schemeClr val="tx1">
+                    <a:lumMod val="65000"/>
+                    <a:lumOff val="35000"/>
+                  </a:schemeClr>
+                </a:solidFill>
+                <a:latin typeface="微软雅黑" panose="020B0503020204020204" pitchFamily="34" charset="-122"/>
+                <a:ea typeface="微软雅黑" panose="020B0503020204020204" pitchFamily="34" charset="-122"/>
+              </a:rPr>
+              <a:t>The prediction is a classification task. It uses various data related to a user's credit card history as data set features, such as spending amount and repayment amount in different months, to predict whether a user will default in a future period. </a:t>
+            </a:r>
+            <a:endParaRPr lang="zh-CN" altLang="en-US" dirty="0"/>
           </a:p>
         </p:txBody>
       </p:sp>
@@ -926,6 +1004,7 @@
           <a:p>
             <a:fld id="{BE783421-80D6-41F7-9E94-B95E75280EBC}" type="slidenum">
               <a:rPr lang="zh-CN" altLang="en-US" smtClean="0"/>
+              <a:t>4</a:t>
             </a:fld>
             <a:endParaRPr lang="zh-CN" altLang="en-US"/>
           </a:p>
@@ -1004,6 +1083,7 @@
           <a:p>
             <a:fld id="{BE783421-80D6-41F7-9E94-B95E75280EBC}" type="slidenum">
               <a:rPr lang="zh-CN" altLang="en-US" smtClean="0"/>
+              <a:t>5</a:t>
             </a:fld>
             <a:endParaRPr lang="zh-CN" altLang="en-US"/>
           </a:p>
@@ -1082,6 +1162,7 @@
           <a:p>
             <a:fld id="{BE783421-80D6-41F7-9E94-B95E75280EBC}" type="slidenum">
               <a:rPr lang="zh-CN" altLang="en-US" smtClean="0"/>
+              <a:t>6</a:t>
             </a:fld>
             <a:endParaRPr lang="zh-CN" altLang="en-US"/>
           </a:p>
@@ -1160,6 +1241,7 @@
           <a:p>
             <a:fld id="{BE783421-80D6-41F7-9E94-B95E75280EBC}" type="slidenum">
               <a:rPr lang="zh-CN" altLang="en-US" smtClean="0"/>
+              <a:t>7</a:t>
             </a:fld>
             <a:endParaRPr lang="zh-CN" altLang="en-US"/>
           </a:p>
@@ -1238,6 +1320,7 @@
           <a:p>
             <a:fld id="{BE783421-80D6-41F7-9E94-B95E75280EBC}" type="slidenum">
               <a:rPr lang="zh-CN" altLang="en-US" smtClean="0"/>
+              <a:t>8</a:t>
             </a:fld>
             <a:endParaRPr lang="zh-CN" altLang="en-US"/>
           </a:p>
@@ -1316,6 +1399,7 @@
           <a:p>
             <a:fld id="{BE783421-80D6-41F7-9E94-B95E75280EBC}" type="slidenum">
               <a:rPr lang="zh-CN" altLang="en-US" smtClean="0"/>
+              <a:t>9</a:t>
             </a:fld>
             <a:endParaRPr lang="zh-CN" altLang="en-US"/>
           </a:p>
@@ -1374,7 +1458,6 @@
               <a:rPr lang="zh-CN" altLang="en-US"/>
               <a:t>单击此处编辑母版标题样式</a:t>
             </a:r>
-            <a:endParaRPr lang="zh-CN" altLang="en-US"/>
           </a:p>
         </p:txBody>
       </p:sp>
@@ -1439,7 +1522,6 @@
               <a:rPr lang="zh-CN" altLang="en-US"/>
               <a:t>单击以编辑母版副标题样式</a:t>
             </a:r>
-            <a:endParaRPr lang="zh-CN" altLang="en-US"/>
           </a:p>
         </p:txBody>
       </p:sp>
@@ -1460,6 +1542,7 @@
           <a:p>
             <a:fld id="{E14E9F95-E2F7-4766-B6BF-7FE381588EF6}" type="datetimeFigureOut">
               <a:rPr lang="zh-CN" altLang="en-US" smtClean="0"/>
+              <a:t>2022/10/2</a:t>
             </a:fld>
             <a:endParaRPr lang="zh-CN" altLang="en-US"/>
           </a:p>
@@ -1501,6 +1584,7 @@
           <a:p>
             <a:fld id="{C28C9774-8DDF-4B07-9F65-B48BFD754672}" type="slidenum">
               <a:rPr lang="zh-CN" altLang="en-US" smtClean="0"/>
+              <a:t>‹#›</a:t>
             </a:fld>
             <a:endParaRPr lang="zh-CN" altLang="en-US"/>
           </a:p>
@@ -1511,13 +1595,13 @@
   <p:clrMapOvr>
     <a:masterClrMapping/>
   </p:clrMapOvr>
-  <mc:AlternateContent xmlns:mc="http://schemas.openxmlformats.org/markup-compatibility/2006">
-    <mc:Choice xmlns:p14="http://schemas.microsoft.com/office/powerpoint/2010/main" Requires="p14">
+  <mc:AlternateContent xmlns:mc="http://schemas.openxmlformats.org/markup-compatibility/2006" xmlns:p14="http://schemas.microsoft.com/office/powerpoint/2010/main">
+    <mc:Choice Requires="p14">
       <p:transition p14:dur="10">
         <p14:gallery dir="l"/>
       </p:transition>
     </mc:Choice>
-    <mc:Fallback>
+    <mc:Fallback xmlns="">
       <p:transition>
         <p:fade/>
       </p:transition>
@@ -1562,7 +1646,6 @@
               <a:rPr lang="zh-CN" altLang="en-US"/>
               <a:t>单击此处编辑母版标题样式</a:t>
             </a:r>
-            <a:endParaRPr lang="zh-CN" altLang="en-US"/>
           </a:p>
         </p:txBody>
       </p:sp>
@@ -1586,7 +1669,6 @@
               <a:rPr lang="zh-CN" altLang="en-US"/>
               <a:t>编辑母版文本样式</a:t>
             </a:r>
-            <a:endParaRPr lang="zh-CN" altLang="en-US"/>
           </a:p>
           <a:p>
             <a:pPr lvl="1"/>
@@ -1594,7 +1676,6 @@
               <a:rPr lang="zh-CN" altLang="en-US"/>
               <a:t>第二级</a:t>
             </a:r>
-            <a:endParaRPr lang="zh-CN" altLang="en-US"/>
           </a:p>
           <a:p>
             <a:pPr lvl="2"/>
@@ -1602,7 +1683,6 @@
               <a:rPr lang="zh-CN" altLang="en-US"/>
               <a:t>第三级</a:t>
             </a:r>
-            <a:endParaRPr lang="zh-CN" altLang="en-US"/>
           </a:p>
           <a:p>
             <a:pPr lvl="3"/>
@@ -1610,7 +1690,6 @@
               <a:rPr lang="zh-CN" altLang="en-US"/>
               <a:t>第四级</a:t>
             </a:r>
-            <a:endParaRPr lang="zh-CN" altLang="en-US"/>
           </a:p>
           <a:p>
             <a:pPr lvl="4"/>
@@ -1618,7 +1697,6 @@
               <a:rPr lang="zh-CN" altLang="en-US"/>
               <a:t>第五级</a:t>
             </a:r>
-            <a:endParaRPr lang="zh-CN" altLang="en-US"/>
           </a:p>
         </p:txBody>
       </p:sp>
@@ -1639,6 +1717,7 @@
           <a:p>
             <a:fld id="{E14E9F95-E2F7-4766-B6BF-7FE381588EF6}" type="datetimeFigureOut">
               <a:rPr lang="zh-CN" altLang="en-US" smtClean="0"/>
+              <a:t>2022/10/2</a:t>
             </a:fld>
             <a:endParaRPr lang="zh-CN" altLang="en-US"/>
           </a:p>
@@ -1680,6 +1759,7 @@
           <a:p>
             <a:fld id="{C28C9774-8DDF-4B07-9F65-B48BFD754672}" type="slidenum">
               <a:rPr lang="zh-CN" altLang="en-US" smtClean="0"/>
+              <a:t>‹#›</a:t>
             </a:fld>
             <a:endParaRPr lang="zh-CN" altLang="en-US"/>
           </a:p>
@@ -1690,13 +1770,13 @@
   <p:clrMapOvr>
     <a:masterClrMapping/>
   </p:clrMapOvr>
-  <mc:AlternateContent xmlns:mc="http://schemas.openxmlformats.org/markup-compatibility/2006">
-    <mc:Choice xmlns:p14="http://schemas.microsoft.com/office/powerpoint/2010/main" Requires="p14">
+  <mc:AlternateContent xmlns:mc="http://schemas.openxmlformats.org/markup-compatibility/2006" xmlns:p14="http://schemas.microsoft.com/office/powerpoint/2010/main">
+    <mc:Choice Requires="p14">
       <p:transition p14:dur="10">
         <p14:gallery dir="l"/>
       </p:transition>
     </mc:Choice>
-    <mc:Fallback>
+    <mc:Fallback xmlns="">
       <p:transition>
         <p:fade/>
       </p:transition>
@@ -1746,7 +1826,6 @@
               <a:rPr lang="zh-CN" altLang="en-US"/>
               <a:t>单击此处编辑母版标题样式</a:t>
             </a:r>
-            <a:endParaRPr lang="zh-CN" altLang="en-US"/>
           </a:p>
         </p:txBody>
       </p:sp>
@@ -1775,7 +1854,6 @@
               <a:rPr lang="zh-CN" altLang="en-US"/>
               <a:t>编辑母版文本样式</a:t>
             </a:r>
-            <a:endParaRPr lang="zh-CN" altLang="en-US"/>
           </a:p>
           <a:p>
             <a:pPr lvl="1"/>
@@ -1783,7 +1861,6 @@
               <a:rPr lang="zh-CN" altLang="en-US"/>
               <a:t>第二级</a:t>
             </a:r>
-            <a:endParaRPr lang="zh-CN" altLang="en-US"/>
           </a:p>
           <a:p>
             <a:pPr lvl="2"/>
@@ -1791,7 +1868,6 @@
               <a:rPr lang="zh-CN" altLang="en-US"/>
               <a:t>第三级</a:t>
             </a:r>
-            <a:endParaRPr lang="zh-CN" altLang="en-US"/>
           </a:p>
           <a:p>
             <a:pPr lvl="3"/>
@@ -1799,7 +1875,6 @@
               <a:rPr lang="zh-CN" altLang="en-US"/>
               <a:t>第四级</a:t>
             </a:r>
-            <a:endParaRPr lang="zh-CN" altLang="en-US"/>
           </a:p>
           <a:p>
             <a:pPr lvl="4"/>
@@ -1807,7 +1882,6 @@
               <a:rPr lang="zh-CN" altLang="en-US"/>
               <a:t>第五级</a:t>
             </a:r>
-            <a:endParaRPr lang="zh-CN" altLang="en-US"/>
           </a:p>
         </p:txBody>
       </p:sp>
@@ -1828,6 +1902,7 @@
           <a:p>
             <a:fld id="{E14E9F95-E2F7-4766-B6BF-7FE381588EF6}" type="datetimeFigureOut">
               <a:rPr lang="zh-CN" altLang="en-US" smtClean="0"/>
+              <a:t>2022/10/2</a:t>
             </a:fld>
             <a:endParaRPr lang="zh-CN" altLang="en-US"/>
           </a:p>
@@ -1869,6 +1944,7 @@
           <a:p>
             <a:fld id="{C28C9774-8DDF-4B07-9F65-B48BFD754672}" type="slidenum">
               <a:rPr lang="zh-CN" altLang="en-US" smtClean="0"/>
+              <a:t>‹#›</a:t>
             </a:fld>
             <a:endParaRPr lang="zh-CN" altLang="en-US"/>
           </a:p>
@@ -1879,13 +1955,13 @@
   <p:clrMapOvr>
     <a:masterClrMapping/>
   </p:clrMapOvr>
-  <mc:AlternateContent xmlns:mc="http://schemas.openxmlformats.org/markup-compatibility/2006">
-    <mc:Choice xmlns:p14="http://schemas.microsoft.com/office/powerpoint/2010/main" Requires="p14">
+  <mc:AlternateContent xmlns:mc="http://schemas.openxmlformats.org/markup-compatibility/2006" xmlns:p14="http://schemas.microsoft.com/office/powerpoint/2010/main">
+    <mc:Choice Requires="p14">
       <p:transition p14:dur="10">
         <p14:gallery dir="l"/>
       </p:transition>
     </mc:Choice>
-    <mc:Fallback>
+    <mc:Fallback xmlns="">
       <p:transition>
         <p:fade/>
       </p:transition>
@@ -2153,7 +2229,6 @@
               <a:rPr lang="es-ES_tradnl" dirty="0"/>
               <a:t>TITLE HERE</a:t>
             </a:r>
-            <a:endParaRPr lang="es-ES_tradnl" dirty="0"/>
           </a:p>
         </p:txBody>
       </p:sp>
@@ -2418,7 +2493,6 @@
               <a:rPr lang="en-US" dirty="0"/>
               <a:t>.</a:t>
             </a:r>
-            <a:endParaRPr lang="en-US" dirty="0"/>
           </a:p>
         </p:txBody>
       </p:sp>
@@ -2427,13 +2501,13 @@
   <p:clrMapOvr>
     <a:masterClrMapping/>
   </p:clrMapOvr>
-  <mc:AlternateContent xmlns:mc="http://schemas.openxmlformats.org/markup-compatibility/2006">
-    <mc:Choice xmlns:p14="http://schemas.microsoft.com/office/powerpoint/2010/main" Requires="p14">
+  <mc:AlternateContent xmlns:mc="http://schemas.openxmlformats.org/markup-compatibility/2006" xmlns:p14="http://schemas.microsoft.com/office/powerpoint/2010/main">
+    <mc:Choice Requires="p14">
       <p:transition p14:dur="10">
         <p14:gallery dir="l"/>
       </p:transition>
     </mc:Choice>
-    <mc:Fallback>
+    <mc:Fallback xmlns="">
       <p:transition>
         <p:fade/>
       </p:transition>
@@ -3039,7 +3113,6 @@
               <a:rPr lang="zh-CN" altLang="en-US"/>
               <a:t>单击此处编辑母版标题样式</a:t>
             </a:r>
-            <a:endParaRPr lang="zh-CN" altLang="en-US"/>
           </a:p>
         </p:txBody>
       </p:sp>
@@ -3104,7 +3177,6 @@
               <a:rPr lang="zh-CN" altLang="en-US"/>
               <a:t>单击以编辑母版副标题样式</a:t>
             </a:r>
-            <a:endParaRPr lang="zh-CN" altLang="en-US"/>
           </a:p>
         </p:txBody>
       </p:sp>
@@ -3125,6 +3197,7 @@
           <a:p>
             <a:fld id="{E14E9F95-E2F7-4766-B6BF-7FE381588EF6}" type="datetimeFigureOut">
               <a:rPr lang="zh-CN" altLang="en-US" smtClean="0"/>
+              <a:t>2022/10/2</a:t>
             </a:fld>
             <a:endParaRPr lang="zh-CN" altLang="en-US"/>
           </a:p>
@@ -3166,6 +3239,7 @@
           <a:p>
             <a:fld id="{C28C9774-8DDF-4B07-9F65-B48BFD754672}" type="slidenum">
               <a:rPr lang="zh-CN" altLang="en-US" smtClean="0"/>
+              <a:t>‹#›</a:t>
             </a:fld>
             <a:endParaRPr lang="zh-CN" altLang="en-US"/>
           </a:p>
@@ -3176,13 +3250,13 @@
   <p:clrMapOvr>
     <a:masterClrMapping/>
   </p:clrMapOvr>
-  <mc:AlternateContent xmlns:mc="http://schemas.openxmlformats.org/markup-compatibility/2006">
-    <mc:Choice xmlns:p14="http://schemas.microsoft.com/office/powerpoint/2010/main" Requires="p14">
+  <mc:AlternateContent xmlns:mc="http://schemas.openxmlformats.org/markup-compatibility/2006" xmlns:p14="http://schemas.microsoft.com/office/powerpoint/2010/main">
+    <mc:Choice Requires="p14">
       <p:transition p14:dur="10">
         <p14:gallery dir="l"/>
       </p:transition>
     </mc:Choice>
-    <mc:Fallback>
+    <mc:Fallback xmlns="">
       <p:transition>
         <p:fade/>
       </p:transition>
@@ -3227,7 +3301,6 @@
               <a:rPr lang="zh-CN" altLang="en-US"/>
               <a:t>单击此处编辑母版标题样式</a:t>
             </a:r>
-            <a:endParaRPr lang="zh-CN" altLang="en-US"/>
           </a:p>
         </p:txBody>
       </p:sp>
@@ -3251,7 +3324,6 @@
               <a:rPr lang="zh-CN" altLang="en-US"/>
               <a:t>编辑母版文本样式</a:t>
             </a:r>
-            <a:endParaRPr lang="zh-CN" altLang="en-US"/>
           </a:p>
           <a:p>
             <a:pPr lvl="1"/>
@@ -3259,7 +3331,6 @@
               <a:rPr lang="zh-CN" altLang="en-US"/>
               <a:t>第二级</a:t>
             </a:r>
-            <a:endParaRPr lang="zh-CN" altLang="en-US"/>
           </a:p>
           <a:p>
             <a:pPr lvl="2"/>
@@ -3267,7 +3338,6 @@
               <a:rPr lang="zh-CN" altLang="en-US"/>
               <a:t>第三级</a:t>
             </a:r>
-            <a:endParaRPr lang="zh-CN" altLang="en-US"/>
           </a:p>
           <a:p>
             <a:pPr lvl="3"/>
@@ -3275,7 +3345,6 @@
               <a:rPr lang="zh-CN" altLang="en-US"/>
               <a:t>第四级</a:t>
             </a:r>
-            <a:endParaRPr lang="zh-CN" altLang="en-US"/>
           </a:p>
           <a:p>
             <a:pPr lvl="4"/>
@@ -3283,7 +3352,6 @@
               <a:rPr lang="zh-CN" altLang="en-US"/>
               <a:t>第五级</a:t>
             </a:r>
-            <a:endParaRPr lang="zh-CN" altLang="en-US"/>
           </a:p>
         </p:txBody>
       </p:sp>
@@ -3304,6 +3372,7 @@
           <a:p>
             <a:fld id="{E14E9F95-E2F7-4766-B6BF-7FE381588EF6}" type="datetimeFigureOut">
               <a:rPr lang="zh-CN" altLang="en-US" smtClean="0"/>
+              <a:t>2022/10/2</a:t>
             </a:fld>
             <a:endParaRPr lang="zh-CN" altLang="en-US"/>
           </a:p>
@@ -3345,6 +3414,7 @@
           <a:p>
             <a:fld id="{C28C9774-8DDF-4B07-9F65-B48BFD754672}" type="slidenum">
               <a:rPr lang="zh-CN" altLang="en-US" smtClean="0"/>
+              <a:t>‹#›</a:t>
             </a:fld>
             <a:endParaRPr lang="zh-CN" altLang="en-US"/>
           </a:p>
@@ -3355,13 +3425,13 @@
   <p:clrMapOvr>
     <a:masterClrMapping/>
   </p:clrMapOvr>
-  <mc:AlternateContent xmlns:mc="http://schemas.openxmlformats.org/markup-compatibility/2006">
-    <mc:Choice xmlns:p14="http://schemas.microsoft.com/office/powerpoint/2010/main" Requires="p14">
+  <mc:AlternateContent xmlns:mc="http://schemas.openxmlformats.org/markup-compatibility/2006" xmlns:p14="http://schemas.microsoft.com/office/powerpoint/2010/main">
+    <mc:Choice Requires="p14">
       <p:transition p14:dur="10">
         <p14:gallery dir="l"/>
       </p:transition>
     </mc:Choice>
-    <mc:Fallback>
+    <mc:Fallback xmlns="">
       <p:transition>
         <p:fade/>
       </p:transition>
@@ -3415,7 +3485,6 @@
               <a:rPr lang="zh-CN" altLang="en-US"/>
               <a:t>单击此处编辑母版标题样式</a:t>
             </a:r>
-            <a:endParaRPr lang="zh-CN" altLang="en-US"/>
           </a:p>
         </p:txBody>
       </p:sp>
@@ -3535,7 +3604,6 @@
               <a:rPr lang="zh-CN" altLang="en-US"/>
               <a:t>编辑母版文本样式</a:t>
             </a:r>
-            <a:endParaRPr lang="zh-CN" altLang="en-US"/>
           </a:p>
         </p:txBody>
       </p:sp>
@@ -3556,6 +3624,7 @@
           <a:p>
             <a:fld id="{E14E9F95-E2F7-4766-B6BF-7FE381588EF6}" type="datetimeFigureOut">
               <a:rPr lang="zh-CN" altLang="en-US" smtClean="0"/>
+              <a:t>2022/10/2</a:t>
             </a:fld>
             <a:endParaRPr lang="zh-CN" altLang="en-US"/>
           </a:p>
@@ -3597,6 +3666,7 @@
           <a:p>
             <a:fld id="{C28C9774-8DDF-4B07-9F65-B48BFD754672}" type="slidenum">
               <a:rPr lang="zh-CN" altLang="en-US" smtClean="0"/>
+              <a:t>‹#›</a:t>
             </a:fld>
             <a:endParaRPr lang="zh-CN" altLang="en-US"/>
           </a:p>
@@ -3607,13 +3677,13 @@
   <p:clrMapOvr>
     <a:masterClrMapping/>
   </p:clrMapOvr>
-  <mc:AlternateContent xmlns:mc="http://schemas.openxmlformats.org/markup-compatibility/2006">
-    <mc:Choice xmlns:p14="http://schemas.microsoft.com/office/powerpoint/2010/main" Requires="p14">
+  <mc:AlternateContent xmlns:mc="http://schemas.openxmlformats.org/markup-compatibility/2006" xmlns:p14="http://schemas.microsoft.com/office/powerpoint/2010/main">
+    <mc:Choice Requires="p14">
       <p:transition p14:dur="10">
         <p14:gallery dir="l"/>
       </p:transition>
     </mc:Choice>
-    <mc:Fallback>
+    <mc:Fallback xmlns="">
       <p:transition>
         <p:fade/>
       </p:transition>
@@ -3658,7 +3728,6 @@
               <a:rPr lang="zh-CN" altLang="en-US"/>
               <a:t>单击此处编辑母版标题样式</a:t>
             </a:r>
-            <a:endParaRPr lang="zh-CN" altLang="en-US"/>
           </a:p>
         </p:txBody>
       </p:sp>
@@ -3687,7 +3756,6 @@
               <a:rPr lang="zh-CN" altLang="en-US"/>
               <a:t>编辑母版文本样式</a:t>
             </a:r>
-            <a:endParaRPr lang="zh-CN" altLang="en-US"/>
           </a:p>
           <a:p>
             <a:pPr lvl="1"/>
@@ -3695,7 +3763,6 @@
               <a:rPr lang="zh-CN" altLang="en-US"/>
               <a:t>第二级</a:t>
             </a:r>
-            <a:endParaRPr lang="zh-CN" altLang="en-US"/>
           </a:p>
           <a:p>
             <a:pPr lvl="2"/>
@@ -3703,7 +3770,6 @@
               <a:rPr lang="zh-CN" altLang="en-US"/>
               <a:t>第三级</a:t>
             </a:r>
-            <a:endParaRPr lang="zh-CN" altLang="en-US"/>
           </a:p>
           <a:p>
             <a:pPr lvl="3"/>
@@ -3711,7 +3777,6 @@
               <a:rPr lang="zh-CN" altLang="en-US"/>
               <a:t>第四级</a:t>
             </a:r>
-            <a:endParaRPr lang="zh-CN" altLang="en-US"/>
           </a:p>
           <a:p>
             <a:pPr lvl="4"/>
@@ -3719,7 +3784,6 @@
               <a:rPr lang="zh-CN" altLang="en-US"/>
               <a:t>第五级</a:t>
             </a:r>
-            <a:endParaRPr lang="zh-CN" altLang="en-US"/>
           </a:p>
         </p:txBody>
       </p:sp>
@@ -3748,7 +3812,6 @@
               <a:rPr lang="zh-CN" altLang="en-US"/>
               <a:t>编辑母版文本样式</a:t>
             </a:r>
-            <a:endParaRPr lang="zh-CN" altLang="en-US"/>
           </a:p>
           <a:p>
             <a:pPr lvl="1"/>
@@ -3756,7 +3819,6 @@
               <a:rPr lang="zh-CN" altLang="en-US"/>
               <a:t>第二级</a:t>
             </a:r>
-            <a:endParaRPr lang="zh-CN" altLang="en-US"/>
           </a:p>
           <a:p>
             <a:pPr lvl="2"/>
@@ -3764,7 +3826,6 @@
               <a:rPr lang="zh-CN" altLang="en-US"/>
               <a:t>第三级</a:t>
             </a:r>
-            <a:endParaRPr lang="zh-CN" altLang="en-US"/>
           </a:p>
           <a:p>
             <a:pPr lvl="3"/>
@@ -3772,7 +3833,6 @@
               <a:rPr lang="zh-CN" altLang="en-US"/>
               <a:t>第四级</a:t>
             </a:r>
-            <a:endParaRPr lang="zh-CN" altLang="en-US"/>
           </a:p>
           <a:p>
             <a:pPr lvl="4"/>
@@ -3780,7 +3840,6 @@
               <a:rPr lang="zh-CN" altLang="en-US"/>
               <a:t>第五级</a:t>
             </a:r>
-            <a:endParaRPr lang="zh-CN" altLang="en-US"/>
           </a:p>
         </p:txBody>
       </p:sp>
@@ -3801,6 +3860,7 @@
           <a:p>
             <a:fld id="{E14E9F95-E2F7-4766-B6BF-7FE381588EF6}" type="datetimeFigureOut">
               <a:rPr lang="zh-CN" altLang="en-US" smtClean="0"/>
+              <a:t>2022/10/2</a:t>
             </a:fld>
             <a:endParaRPr lang="zh-CN" altLang="en-US"/>
           </a:p>
@@ -3842,6 +3902,7 @@
           <a:p>
             <a:fld id="{C28C9774-8DDF-4B07-9F65-B48BFD754672}" type="slidenum">
               <a:rPr lang="zh-CN" altLang="en-US" smtClean="0"/>
+              <a:t>‹#›</a:t>
             </a:fld>
             <a:endParaRPr lang="zh-CN" altLang="en-US"/>
           </a:p>
@@ -3852,13 +3913,13 @@
   <p:clrMapOvr>
     <a:masterClrMapping/>
   </p:clrMapOvr>
-  <mc:AlternateContent xmlns:mc="http://schemas.openxmlformats.org/markup-compatibility/2006">
-    <mc:Choice xmlns:p14="http://schemas.microsoft.com/office/powerpoint/2010/main" Requires="p14">
+  <mc:AlternateContent xmlns:mc="http://schemas.openxmlformats.org/markup-compatibility/2006" xmlns:p14="http://schemas.microsoft.com/office/powerpoint/2010/main">
+    <mc:Choice Requires="p14">
       <p:transition p14:dur="10">
         <p14:gallery dir="l"/>
       </p:transition>
     </mc:Choice>
-    <mc:Fallback>
+    <mc:Fallback xmlns="">
       <p:transition>
         <p:fade/>
       </p:transition>
@@ -3908,7 +3969,6 @@
               <a:rPr lang="zh-CN" altLang="en-US"/>
               <a:t>单击此处编辑母版标题样式</a:t>
             </a:r>
-            <a:endParaRPr lang="zh-CN" altLang="en-US"/>
           </a:p>
         </p:txBody>
       </p:sp>
@@ -3974,7 +4034,6 @@
               <a:rPr lang="zh-CN" altLang="en-US"/>
               <a:t>编辑母版文本样式</a:t>
             </a:r>
-            <a:endParaRPr lang="zh-CN" altLang="en-US"/>
           </a:p>
         </p:txBody>
       </p:sp>
@@ -4003,7 +4062,6 @@
               <a:rPr lang="zh-CN" altLang="en-US"/>
               <a:t>编辑母版文本样式</a:t>
             </a:r>
-            <a:endParaRPr lang="zh-CN" altLang="en-US"/>
           </a:p>
           <a:p>
             <a:pPr lvl="1"/>
@@ -4011,7 +4069,6 @@
               <a:rPr lang="zh-CN" altLang="en-US"/>
               <a:t>第二级</a:t>
             </a:r>
-            <a:endParaRPr lang="zh-CN" altLang="en-US"/>
           </a:p>
           <a:p>
             <a:pPr lvl="2"/>
@@ -4019,7 +4076,6 @@
               <a:rPr lang="zh-CN" altLang="en-US"/>
               <a:t>第三级</a:t>
             </a:r>
-            <a:endParaRPr lang="zh-CN" altLang="en-US"/>
           </a:p>
           <a:p>
             <a:pPr lvl="3"/>
@@ -4027,7 +4083,6 @@
               <a:rPr lang="zh-CN" altLang="en-US"/>
               <a:t>第四级</a:t>
             </a:r>
-            <a:endParaRPr lang="zh-CN" altLang="en-US"/>
           </a:p>
           <a:p>
             <a:pPr lvl="4"/>
@@ -4035,7 +4090,6 @@
               <a:rPr lang="zh-CN" altLang="en-US"/>
               <a:t>第五级</a:t>
             </a:r>
-            <a:endParaRPr lang="zh-CN" altLang="en-US"/>
           </a:p>
         </p:txBody>
       </p:sp>
@@ -4101,7 +4155,6 @@
               <a:rPr lang="zh-CN" altLang="en-US"/>
               <a:t>编辑母版文本样式</a:t>
             </a:r>
-            <a:endParaRPr lang="zh-CN" altLang="en-US"/>
           </a:p>
         </p:txBody>
       </p:sp>
@@ -4130,7 +4183,6 @@
               <a:rPr lang="zh-CN" altLang="en-US"/>
               <a:t>编辑母版文本样式</a:t>
             </a:r>
-            <a:endParaRPr lang="zh-CN" altLang="en-US"/>
           </a:p>
           <a:p>
             <a:pPr lvl="1"/>
@@ -4138,7 +4190,6 @@
               <a:rPr lang="zh-CN" altLang="en-US"/>
               <a:t>第二级</a:t>
             </a:r>
-            <a:endParaRPr lang="zh-CN" altLang="en-US"/>
           </a:p>
           <a:p>
             <a:pPr lvl="2"/>
@@ -4146,7 +4197,6 @@
               <a:rPr lang="zh-CN" altLang="en-US"/>
               <a:t>第三级</a:t>
             </a:r>
-            <a:endParaRPr lang="zh-CN" altLang="en-US"/>
           </a:p>
           <a:p>
             <a:pPr lvl="3"/>
@@ -4154,7 +4204,6 @@
               <a:rPr lang="zh-CN" altLang="en-US"/>
               <a:t>第四级</a:t>
             </a:r>
-            <a:endParaRPr lang="zh-CN" altLang="en-US"/>
           </a:p>
           <a:p>
             <a:pPr lvl="4"/>
@@ -4162,7 +4211,6 @@
               <a:rPr lang="zh-CN" altLang="en-US"/>
               <a:t>第五级</a:t>
             </a:r>
-            <a:endParaRPr lang="zh-CN" altLang="en-US"/>
           </a:p>
         </p:txBody>
       </p:sp>
@@ -4183,6 +4231,7 @@
           <a:p>
             <a:fld id="{E14E9F95-E2F7-4766-B6BF-7FE381588EF6}" type="datetimeFigureOut">
               <a:rPr lang="zh-CN" altLang="en-US" smtClean="0"/>
+              <a:t>2022/10/2</a:t>
             </a:fld>
             <a:endParaRPr lang="zh-CN" altLang="en-US"/>
           </a:p>
@@ -4224,6 +4273,7 @@
           <a:p>
             <a:fld id="{C28C9774-8DDF-4B07-9F65-B48BFD754672}" type="slidenum">
               <a:rPr lang="zh-CN" altLang="en-US" smtClean="0"/>
+              <a:t>‹#›</a:t>
             </a:fld>
             <a:endParaRPr lang="zh-CN" altLang="en-US"/>
           </a:p>
@@ -4234,13 +4284,13 @@
   <p:clrMapOvr>
     <a:masterClrMapping/>
   </p:clrMapOvr>
-  <mc:AlternateContent xmlns:mc="http://schemas.openxmlformats.org/markup-compatibility/2006">
-    <mc:Choice xmlns:p14="http://schemas.microsoft.com/office/powerpoint/2010/main" Requires="p14">
+  <mc:AlternateContent xmlns:mc="http://schemas.openxmlformats.org/markup-compatibility/2006" xmlns:p14="http://schemas.microsoft.com/office/powerpoint/2010/main">
+    <mc:Choice Requires="p14">
       <p:transition p14:dur="10">
         <p14:gallery dir="l"/>
       </p:transition>
     </mc:Choice>
-    <mc:Fallback>
+    <mc:Fallback xmlns="">
       <p:transition>
         <p:fade/>
       </p:transition>
@@ -4285,7 +4335,6 @@
               <a:rPr lang="zh-CN" altLang="en-US"/>
               <a:t>单击此处编辑母版标题样式</a:t>
             </a:r>
-            <a:endParaRPr lang="zh-CN" altLang="en-US"/>
           </a:p>
         </p:txBody>
       </p:sp>
@@ -4306,6 +4355,7 @@
           <a:p>
             <a:fld id="{E14E9F95-E2F7-4766-B6BF-7FE381588EF6}" type="datetimeFigureOut">
               <a:rPr lang="zh-CN" altLang="en-US" smtClean="0"/>
+              <a:t>2022/10/2</a:t>
             </a:fld>
             <a:endParaRPr lang="zh-CN" altLang="en-US"/>
           </a:p>
@@ -4347,6 +4397,7 @@
           <a:p>
             <a:fld id="{C28C9774-8DDF-4B07-9F65-B48BFD754672}" type="slidenum">
               <a:rPr lang="zh-CN" altLang="en-US" smtClean="0"/>
+              <a:t>‹#›</a:t>
             </a:fld>
             <a:endParaRPr lang="zh-CN" altLang="en-US"/>
           </a:p>
@@ -4357,13 +4408,13 @@
   <p:clrMapOvr>
     <a:masterClrMapping/>
   </p:clrMapOvr>
-  <mc:AlternateContent xmlns:mc="http://schemas.openxmlformats.org/markup-compatibility/2006">
-    <mc:Choice xmlns:p14="http://schemas.microsoft.com/office/powerpoint/2010/main" Requires="p14">
+  <mc:AlternateContent xmlns:mc="http://schemas.openxmlformats.org/markup-compatibility/2006" xmlns:p14="http://schemas.microsoft.com/office/powerpoint/2010/main">
+    <mc:Choice Requires="p14">
       <p:transition p14:dur="10">
         <p14:gallery dir="l"/>
       </p:transition>
     </mc:Choice>
-    <mc:Fallback>
+    <mc:Fallback xmlns="">
       <p:transition>
         <p:fade/>
       </p:transition>
@@ -4406,6 +4457,7 @@
           <a:p>
             <a:fld id="{E14E9F95-E2F7-4766-B6BF-7FE381588EF6}" type="datetimeFigureOut">
               <a:rPr lang="zh-CN" altLang="en-US" smtClean="0"/>
+              <a:t>2022/10/2</a:t>
             </a:fld>
             <a:endParaRPr lang="zh-CN" altLang="en-US"/>
           </a:p>
@@ -4447,6 +4499,7 @@
           <a:p>
             <a:fld id="{C28C9774-8DDF-4B07-9F65-B48BFD754672}" type="slidenum">
               <a:rPr lang="zh-CN" altLang="en-US" smtClean="0"/>
+              <a:t>‹#›</a:t>
             </a:fld>
             <a:endParaRPr lang="zh-CN" altLang="en-US"/>
           </a:p>
@@ -4457,13 +4510,13 @@
   <p:clrMapOvr>
     <a:masterClrMapping/>
   </p:clrMapOvr>
-  <mc:AlternateContent xmlns:mc="http://schemas.openxmlformats.org/markup-compatibility/2006">
-    <mc:Choice xmlns:p14="http://schemas.microsoft.com/office/powerpoint/2010/main" Requires="p14">
+  <mc:AlternateContent xmlns:mc="http://schemas.openxmlformats.org/markup-compatibility/2006" xmlns:p14="http://schemas.microsoft.com/office/powerpoint/2010/main">
+    <mc:Choice Requires="p14">
       <p:transition p14:dur="10">
         <p14:gallery dir="l"/>
       </p:transition>
     </mc:Choice>
-    <mc:Fallback>
+    <mc:Fallback xmlns="">
       <p:transition>
         <p:fade/>
       </p:transition>
@@ -4508,7 +4561,6 @@
               <a:rPr lang="zh-CN" altLang="en-US"/>
               <a:t>单击此处编辑母版标题样式</a:t>
             </a:r>
-            <a:endParaRPr lang="zh-CN" altLang="en-US"/>
           </a:p>
         </p:txBody>
       </p:sp>
@@ -4532,7 +4584,6 @@
               <a:rPr lang="zh-CN" altLang="en-US"/>
               <a:t>编辑母版文本样式</a:t>
             </a:r>
-            <a:endParaRPr lang="zh-CN" altLang="en-US"/>
           </a:p>
           <a:p>
             <a:pPr lvl="1"/>
@@ -4540,7 +4591,6 @@
               <a:rPr lang="zh-CN" altLang="en-US"/>
               <a:t>第二级</a:t>
             </a:r>
-            <a:endParaRPr lang="zh-CN" altLang="en-US"/>
           </a:p>
           <a:p>
             <a:pPr lvl="2"/>
@@ -4548,7 +4598,6 @@
               <a:rPr lang="zh-CN" altLang="en-US"/>
               <a:t>第三级</a:t>
             </a:r>
-            <a:endParaRPr lang="zh-CN" altLang="en-US"/>
           </a:p>
           <a:p>
             <a:pPr lvl="3"/>
@@ -4556,7 +4605,6 @@
               <a:rPr lang="zh-CN" altLang="en-US"/>
               <a:t>第四级</a:t>
             </a:r>
-            <a:endParaRPr lang="zh-CN" altLang="en-US"/>
           </a:p>
           <a:p>
             <a:pPr lvl="4"/>
@@ -4564,7 +4612,6 @@
               <a:rPr lang="zh-CN" altLang="en-US"/>
               <a:t>第五级</a:t>
             </a:r>
-            <a:endParaRPr lang="zh-CN" altLang="en-US"/>
           </a:p>
         </p:txBody>
       </p:sp>
@@ -4585,6 +4632,7 @@
           <a:p>
             <a:fld id="{E14E9F95-E2F7-4766-B6BF-7FE381588EF6}" type="datetimeFigureOut">
               <a:rPr lang="zh-CN" altLang="en-US" smtClean="0"/>
+              <a:t>2022/10/2</a:t>
             </a:fld>
             <a:endParaRPr lang="zh-CN" altLang="en-US"/>
           </a:p>
@@ -4626,6 +4674,7 @@
           <a:p>
             <a:fld id="{C28C9774-8DDF-4B07-9F65-B48BFD754672}" type="slidenum">
               <a:rPr lang="zh-CN" altLang="en-US" smtClean="0"/>
+              <a:t>‹#›</a:t>
             </a:fld>
             <a:endParaRPr lang="zh-CN" altLang="en-US"/>
           </a:p>
@@ -4636,13 +4685,13 @@
   <p:clrMapOvr>
     <a:masterClrMapping/>
   </p:clrMapOvr>
-  <mc:AlternateContent xmlns:mc="http://schemas.openxmlformats.org/markup-compatibility/2006">
-    <mc:Choice xmlns:p14="http://schemas.microsoft.com/office/powerpoint/2010/main" Requires="p14">
+  <mc:AlternateContent xmlns:mc="http://schemas.openxmlformats.org/markup-compatibility/2006" xmlns:p14="http://schemas.microsoft.com/office/powerpoint/2010/main">
+    <mc:Choice Requires="p14">
       <p:transition p14:dur="10">
         <p14:gallery dir="l"/>
       </p:transition>
     </mc:Choice>
-    <mc:Fallback>
+    <mc:Fallback xmlns="">
       <p:transition>
         <p:fade/>
       </p:transition>
@@ -4696,7 +4745,6 @@
               <a:rPr lang="zh-CN" altLang="en-US"/>
               <a:t>单击此处编辑母版标题样式</a:t>
             </a:r>
-            <a:endParaRPr lang="zh-CN" altLang="en-US"/>
           </a:p>
         </p:txBody>
       </p:sp>
@@ -4753,7 +4801,6 @@
               <a:rPr lang="zh-CN" altLang="en-US"/>
               <a:t>编辑母版文本样式</a:t>
             </a:r>
-            <a:endParaRPr lang="zh-CN" altLang="en-US"/>
           </a:p>
           <a:p>
             <a:pPr lvl="1"/>
@@ -4761,7 +4808,6 @@
               <a:rPr lang="zh-CN" altLang="en-US"/>
               <a:t>第二级</a:t>
             </a:r>
-            <a:endParaRPr lang="zh-CN" altLang="en-US"/>
           </a:p>
           <a:p>
             <a:pPr lvl="2"/>
@@ -4769,7 +4815,6 @@
               <a:rPr lang="zh-CN" altLang="en-US"/>
               <a:t>第三级</a:t>
             </a:r>
-            <a:endParaRPr lang="zh-CN" altLang="en-US"/>
           </a:p>
           <a:p>
             <a:pPr lvl="3"/>
@@ -4777,7 +4822,6 @@
               <a:rPr lang="zh-CN" altLang="en-US"/>
               <a:t>第四级</a:t>
             </a:r>
-            <a:endParaRPr lang="zh-CN" altLang="en-US"/>
           </a:p>
           <a:p>
             <a:pPr lvl="4"/>
@@ -4785,7 +4829,6 @@
               <a:rPr lang="zh-CN" altLang="en-US"/>
               <a:t>第五级</a:t>
             </a:r>
-            <a:endParaRPr lang="zh-CN" altLang="en-US"/>
           </a:p>
         </p:txBody>
       </p:sp>
@@ -4851,7 +4894,6 @@
               <a:rPr lang="zh-CN" altLang="en-US"/>
               <a:t>编辑母版文本样式</a:t>
             </a:r>
-            <a:endParaRPr lang="zh-CN" altLang="en-US"/>
           </a:p>
         </p:txBody>
       </p:sp>
@@ -4872,6 +4914,7 @@
           <a:p>
             <a:fld id="{E14E9F95-E2F7-4766-B6BF-7FE381588EF6}" type="datetimeFigureOut">
               <a:rPr lang="zh-CN" altLang="en-US" smtClean="0"/>
+              <a:t>2022/10/2</a:t>
             </a:fld>
             <a:endParaRPr lang="zh-CN" altLang="en-US"/>
           </a:p>
@@ -4913,6 +4956,7 @@
           <a:p>
             <a:fld id="{C28C9774-8DDF-4B07-9F65-B48BFD754672}" type="slidenum">
               <a:rPr lang="zh-CN" altLang="en-US" smtClean="0"/>
+              <a:t>‹#›</a:t>
             </a:fld>
             <a:endParaRPr lang="zh-CN" altLang="en-US"/>
           </a:p>
@@ -4923,13 +4967,13 @@
   <p:clrMapOvr>
     <a:masterClrMapping/>
   </p:clrMapOvr>
-  <mc:AlternateContent xmlns:mc="http://schemas.openxmlformats.org/markup-compatibility/2006">
-    <mc:Choice xmlns:p14="http://schemas.microsoft.com/office/powerpoint/2010/main" Requires="p14">
+  <mc:AlternateContent xmlns:mc="http://schemas.openxmlformats.org/markup-compatibility/2006" xmlns:p14="http://schemas.microsoft.com/office/powerpoint/2010/main">
+    <mc:Choice Requires="p14">
       <p:transition p14:dur="10">
         <p14:gallery dir="l"/>
       </p:transition>
     </mc:Choice>
-    <mc:Fallback>
+    <mc:Fallback xmlns="">
       <p:transition>
         <p:fade/>
       </p:transition>
@@ -4983,7 +5027,6 @@
               <a:rPr lang="zh-CN" altLang="en-US"/>
               <a:t>单击此处编辑母版标题样式</a:t>
             </a:r>
-            <a:endParaRPr lang="zh-CN" altLang="en-US"/>
           </a:p>
         </p:txBody>
       </p:sp>
@@ -5110,7 +5153,6 @@
               <a:rPr lang="zh-CN" altLang="en-US"/>
               <a:t>编辑母版文本样式</a:t>
             </a:r>
-            <a:endParaRPr lang="zh-CN" altLang="en-US"/>
           </a:p>
         </p:txBody>
       </p:sp>
@@ -5131,6 +5173,7 @@
           <a:p>
             <a:fld id="{E14E9F95-E2F7-4766-B6BF-7FE381588EF6}" type="datetimeFigureOut">
               <a:rPr lang="zh-CN" altLang="en-US" smtClean="0"/>
+              <a:t>2022/10/2</a:t>
             </a:fld>
             <a:endParaRPr lang="zh-CN" altLang="en-US"/>
           </a:p>
@@ -5172,6 +5215,7 @@
           <a:p>
             <a:fld id="{C28C9774-8DDF-4B07-9F65-B48BFD754672}" type="slidenum">
               <a:rPr lang="zh-CN" altLang="en-US" smtClean="0"/>
+              <a:t>‹#›</a:t>
             </a:fld>
             <a:endParaRPr lang="zh-CN" altLang="en-US"/>
           </a:p>
@@ -5182,13 +5226,13 @@
   <p:clrMapOvr>
     <a:masterClrMapping/>
   </p:clrMapOvr>
-  <mc:AlternateContent xmlns:mc="http://schemas.openxmlformats.org/markup-compatibility/2006">
-    <mc:Choice xmlns:p14="http://schemas.microsoft.com/office/powerpoint/2010/main" Requires="p14">
+  <mc:AlternateContent xmlns:mc="http://schemas.openxmlformats.org/markup-compatibility/2006" xmlns:p14="http://schemas.microsoft.com/office/powerpoint/2010/main">
+    <mc:Choice Requires="p14">
       <p:transition p14:dur="10">
         <p14:gallery dir="l"/>
       </p:transition>
     </mc:Choice>
-    <mc:Fallback>
+    <mc:Fallback xmlns="">
       <p:transition>
         <p:fade/>
       </p:transition>
@@ -5233,7 +5277,6 @@
               <a:rPr lang="zh-CN" altLang="en-US"/>
               <a:t>单击此处编辑母版标题样式</a:t>
             </a:r>
-            <a:endParaRPr lang="zh-CN" altLang="en-US"/>
           </a:p>
         </p:txBody>
       </p:sp>
@@ -5257,7 +5300,6 @@
               <a:rPr lang="zh-CN" altLang="en-US"/>
               <a:t>编辑母版文本样式</a:t>
             </a:r>
-            <a:endParaRPr lang="zh-CN" altLang="en-US"/>
           </a:p>
           <a:p>
             <a:pPr lvl="1"/>
@@ -5265,7 +5307,6 @@
               <a:rPr lang="zh-CN" altLang="en-US"/>
               <a:t>第二级</a:t>
             </a:r>
-            <a:endParaRPr lang="zh-CN" altLang="en-US"/>
           </a:p>
           <a:p>
             <a:pPr lvl="2"/>
@@ -5273,7 +5314,6 @@
               <a:rPr lang="zh-CN" altLang="en-US"/>
               <a:t>第三级</a:t>
             </a:r>
-            <a:endParaRPr lang="zh-CN" altLang="en-US"/>
           </a:p>
           <a:p>
             <a:pPr lvl="3"/>
@@ -5281,7 +5321,6 @@
               <a:rPr lang="zh-CN" altLang="en-US"/>
               <a:t>第四级</a:t>
             </a:r>
-            <a:endParaRPr lang="zh-CN" altLang="en-US"/>
           </a:p>
           <a:p>
             <a:pPr lvl="4"/>
@@ -5289,7 +5328,6 @@
               <a:rPr lang="zh-CN" altLang="en-US"/>
               <a:t>第五级</a:t>
             </a:r>
-            <a:endParaRPr lang="zh-CN" altLang="en-US"/>
           </a:p>
         </p:txBody>
       </p:sp>
@@ -5310,6 +5348,7 @@
           <a:p>
             <a:fld id="{E14E9F95-E2F7-4766-B6BF-7FE381588EF6}" type="datetimeFigureOut">
               <a:rPr lang="zh-CN" altLang="en-US" smtClean="0"/>
+              <a:t>2022/10/2</a:t>
             </a:fld>
             <a:endParaRPr lang="zh-CN" altLang="en-US"/>
           </a:p>
@@ -5351,6 +5390,7 @@
           <a:p>
             <a:fld id="{C28C9774-8DDF-4B07-9F65-B48BFD754672}" type="slidenum">
               <a:rPr lang="zh-CN" altLang="en-US" smtClean="0"/>
+              <a:t>‹#›</a:t>
             </a:fld>
             <a:endParaRPr lang="zh-CN" altLang="en-US"/>
           </a:p>
@@ -5361,13 +5401,13 @@
   <p:clrMapOvr>
     <a:masterClrMapping/>
   </p:clrMapOvr>
-  <mc:AlternateContent xmlns:mc="http://schemas.openxmlformats.org/markup-compatibility/2006">
-    <mc:Choice xmlns:p14="http://schemas.microsoft.com/office/powerpoint/2010/main" Requires="p14">
+  <mc:AlternateContent xmlns:mc="http://schemas.openxmlformats.org/markup-compatibility/2006" xmlns:p14="http://schemas.microsoft.com/office/powerpoint/2010/main">
+    <mc:Choice Requires="p14">
       <p:transition p14:dur="10">
         <p14:gallery dir="l"/>
       </p:transition>
     </mc:Choice>
-    <mc:Fallback>
+    <mc:Fallback xmlns="">
       <p:transition>
         <p:fade/>
       </p:transition>
@@ -5417,7 +5457,6 @@
               <a:rPr lang="zh-CN" altLang="en-US"/>
               <a:t>单击此处编辑母版标题样式</a:t>
             </a:r>
-            <a:endParaRPr lang="zh-CN" altLang="en-US"/>
           </a:p>
         </p:txBody>
       </p:sp>
@@ -5446,7 +5485,6 @@
               <a:rPr lang="zh-CN" altLang="en-US"/>
               <a:t>编辑母版文本样式</a:t>
             </a:r>
-            <a:endParaRPr lang="zh-CN" altLang="en-US"/>
           </a:p>
           <a:p>
             <a:pPr lvl="1"/>
@@ -5454,7 +5492,6 @@
               <a:rPr lang="zh-CN" altLang="en-US"/>
               <a:t>第二级</a:t>
             </a:r>
-            <a:endParaRPr lang="zh-CN" altLang="en-US"/>
           </a:p>
           <a:p>
             <a:pPr lvl="2"/>
@@ -5462,7 +5499,6 @@
               <a:rPr lang="zh-CN" altLang="en-US"/>
               <a:t>第三级</a:t>
             </a:r>
-            <a:endParaRPr lang="zh-CN" altLang="en-US"/>
           </a:p>
           <a:p>
             <a:pPr lvl="3"/>
@@ -5470,7 +5506,6 @@
               <a:rPr lang="zh-CN" altLang="en-US"/>
               <a:t>第四级</a:t>
             </a:r>
-            <a:endParaRPr lang="zh-CN" altLang="en-US"/>
           </a:p>
           <a:p>
             <a:pPr lvl="4"/>
@@ -5478,7 +5513,6 @@
               <a:rPr lang="zh-CN" altLang="en-US"/>
               <a:t>第五级</a:t>
             </a:r>
-            <a:endParaRPr lang="zh-CN" altLang="en-US"/>
           </a:p>
         </p:txBody>
       </p:sp>
@@ -5499,6 +5533,7 @@
           <a:p>
             <a:fld id="{E14E9F95-E2F7-4766-B6BF-7FE381588EF6}" type="datetimeFigureOut">
               <a:rPr lang="zh-CN" altLang="en-US" smtClean="0"/>
+              <a:t>2022/10/2</a:t>
             </a:fld>
             <a:endParaRPr lang="zh-CN" altLang="en-US"/>
           </a:p>
@@ -5540,6 +5575,7 @@
           <a:p>
             <a:fld id="{C28C9774-8DDF-4B07-9F65-B48BFD754672}" type="slidenum">
               <a:rPr lang="zh-CN" altLang="en-US" smtClean="0"/>
+              <a:t>‹#›</a:t>
             </a:fld>
             <a:endParaRPr lang="zh-CN" altLang="en-US"/>
           </a:p>
@@ -5550,13 +5586,13 @@
   <p:clrMapOvr>
     <a:masterClrMapping/>
   </p:clrMapOvr>
-  <mc:AlternateContent xmlns:mc="http://schemas.openxmlformats.org/markup-compatibility/2006">
-    <mc:Choice xmlns:p14="http://schemas.microsoft.com/office/powerpoint/2010/main" Requires="p14">
+  <mc:AlternateContent xmlns:mc="http://schemas.openxmlformats.org/markup-compatibility/2006" xmlns:p14="http://schemas.microsoft.com/office/powerpoint/2010/main">
+    <mc:Choice Requires="p14">
       <p:transition p14:dur="10">
         <p14:gallery dir="l"/>
       </p:transition>
     </mc:Choice>
-    <mc:Fallback>
+    <mc:Fallback xmlns="">
       <p:transition>
         <p:fade/>
       </p:transition>
@@ -5824,7 +5860,6 @@
               <a:rPr lang="es-ES_tradnl" dirty="0"/>
               <a:t>TITLE HERE</a:t>
             </a:r>
-            <a:endParaRPr lang="es-ES_tradnl" dirty="0"/>
           </a:p>
         </p:txBody>
       </p:sp>
@@ -6089,7 +6124,6 @@
               <a:rPr lang="en-US" dirty="0"/>
               <a:t>.</a:t>
             </a:r>
-            <a:endParaRPr lang="en-US" dirty="0"/>
           </a:p>
         </p:txBody>
       </p:sp>
@@ -6098,13 +6132,13 @@
   <p:clrMapOvr>
     <a:masterClrMapping/>
   </p:clrMapOvr>
-  <mc:AlternateContent xmlns:mc="http://schemas.openxmlformats.org/markup-compatibility/2006">
-    <mc:Choice xmlns:p14="http://schemas.microsoft.com/office/powerpoint/2010/main" Requires="p14">
+  <mc:AlternateContent xmlns:mc="http://schemas.openxmlformats.org/markup-compatibility/2006" xmlns:p14="http://schemas.microsoft.com/office/powerpoint/2010/main">
+    <mc:Choice Requires="p14">
       <p:transition p14:dur="10">
         <p14:gallery dir="l"/>
       </p:transition>
     </mc:Choice>
-    <mc:Fallback>
+    <mc:Fallback xmlns="">
       <p:transition>
         <p:fade/>
       </p:transition>
@@ -6710,7 +6744,6 @@
               <a:rPr lang="zh-CN" altLang="en-US"/>
               <a:t>单击此处编辑母版标题样式</a:t>
             </a:r>
-            <a:endParaRPr lang="zh-CN" altLang="en-US"/>
           </a:p>
         </p:txBody>
       </p:sp>
@@ -6830,7 +6863,6 @@
               <a:rPr lang="zh-CN" altLang="en-US"/>
               <a:t>编辑母版文本样式</a:t>
             </a:r>
-            <a:endParaRPr lang="zh-CN" altLang="en-US"/>
           </a:p>
         </p:txBody>
       </p:sp>
@@ -6851,6 +6883,7 @@
           <a:p>
             <a:fld id="{E14E9F95-E2F7-4766-B6BF-7FE381588EF6}" type="datetimeFigureOut">
               <a:rPr lang="zh-CN" altLang="en-US" smtClean="0"/>
+              <a:t>2022/10/2</a:t>
             </a:fld>
             <a:endParaRPr lang="zh-CN" altLang="en-US"/>
           </a:p>
@@ -6892,6 +6925,7 @@
           <a:p>
             <a:fld id="{C28C9774-8DDF-4B07-9F65-B48BFD754672}" type="slidenum">
               <a:rPr lang="zh-CN" altLang="en-US" smtClean="0"/>
+              <a:t>‹#›</a:t>
             </a:fld>
             <a:endParaRPr lang="zh-CN" altLang="en-US"/>
           </a:p>
@@ -6902,13 +6936,13 @@
   <p:clrMapOvr>
     <a:masterClrMapping/>
   </p:clrMapOvr>
-  <mc:AlternateContent xmlns:mc="http://schemas.openxmlformats.org/markup-compatibility/2006">
-    <mc:Choice xmlns:p14="http://schemas.microsoft.com/office/powerpoint/2010/main" Requires="p14">
+  <mc:AlternateContent xmlns:mc="http://schemas.openxmlformats.org/markup-compatibility/2006" xmlns:p14="http://schemas.microsoft.com/office/powerpoint/2010/main">
+    <mc:Choice Requires="p14">
       <p:transition p14:dur="10">
         <p14:gallery dir="l"/>
       </p:transition>
     </mc:Choice>
-    <mc:Fallback>
+    <mc:Fallback xmlns="">
       <p:transition>
         <p:fade/>
       </p:transition>
@@ -6953,7 +6987,6 @@
               <a:rPr lang="zh-CN" altLang="en-US"/>
               <a:t>单击此处编辑母版标题样式</a:t>
             </a:r>
-            <a:endParaRPr lang="zh-CN" altLang="en-US"/>
           </a:p>
         </p:txBody>
       </p:sp>
@@ -6982,7 +7015,6 @@
               <a:rPr lang="zh-CN" altLang="en-US"/>
               <a:t>编辑母版文本样式</a:t>
             </a:r>
-            <a:endParaRPr lang="zh-CN" altLang="en-US"/>
           </a:p>
           <a:p>
             <a:pPr lvl="1"/>
@@ -6990,7 +7022,6 @@
               <a:rPr lang="zh-CN" altLang="en-US"/>
               <a:t>第二级</a:t>
             </a:r>
-            <a:endParaRPr lang="zh-CN" altLang="en-US"/>
           </a:p>
           <a:p>
             <a:pPr lvl="2"/>
@@ -6998,7 +7029,6 @@
               <a:rPr lang="zh-CN" altLang="en-US"/>
               <a:t>第三级</a:t>
             </a:r>
-            <a:endParaRPr lang="zh-CN" altLang="en-US"/>
           </a:p>
           <a:p>
             <a:pPr lvl="3"/>
@@ -7006,7 +7036,6 @@
               <a:rPr lang="zh-CN" altLang="en-US"/>
               <a:t>第四级</a:t>
             </a:r>
-            <a:endParaRPr lang="zh-CN" altLang="en-US"/>
           </a:p>
           <a:p>
             <a:pPr lvl="4"/>
@@ -7014,7 +7043,6 @@
               <a:rPr lang="zh-CN" altLang="en-US"/>
               <a:t>第五级</a:t>
             </a:r>
-            <a:endParaRPr lang="zh-CN" altLang="en-US"/>
           </a:p>
         </p:txBody>
       </p:sp>
@@ -7043,7 +7071,6 @@
               <a:rPr lang="zh-CN" altLang="en-US"/>
               <a:t>编辑母版文本样式</a:t>
             </a:r>
-            <a:endParaRPr lang="zh-CN" altLang="en-US"/>
           </a:p>
           <a:p>
             <a:pPr lvl="1"/>
@@ -7051,7 +7078,6 @@
               <a:rPr lang="zh-CN" altLang="en-US"/>
               <a:t>第二级</a:t>
             </a:r>
-            <a:endParaRPr lang="zh-CN" altLang="en-US"/>
           </a:p>
           <a:p>
             <a:pPr lvl="2"/>
@@ -7059,7 +7085,6 @@
               <a:rPr lang="zh-CN" altLang="en-US"/>
               <a:t>第三级</a:t>
             </a:r>
-            <a:endParaRPr lang="zh-CN" altLang="en-US"/>
           </a:p>
           <a:p>
             <a:pPr lvl="3"/>
@@ -7067,7 +7092,6 @@
               <a:rPr lang="zh-CN" altLang="en-US"/>
               <a:t>第四级</a:t>
             </a:r>
-            <a:endParaRPr lang="zh-CN" altLang="en-US"/>
           </a:p>
           <a:p>
             <a:pPr lvl="4"/>
@@ -7075,7 +7099,6 @@
               <a:rPr lang="zh-CN" altLang="en-US"/>
               <a:t>第五级</a:t>
             </a:r>
-            <a:endParaRPr lang="zh-CN" altLang="en-US"/>
           </a:p>
         </p:txBody>
       </p:sp>
@@ -7096,6 +7119,7 @@
           <a:p>
             <a:fld id="{E14E9F95-E2F7-4766-B6BF-7FE381588EF6}" type="datetimeFigureOut">
               <a:rPr lang="zh-CN" altLang="en-US" smtClean="0"/>
+              <a:t>2022/10/2</a:t>
             </a:fld>
             <a:endParaRPr lang="zh-CN" altLang="en-US"/>
           </a:p>
@@ -7137,6 +7161,7 @@
           <a:p>
             <a:fld id="{C28C9774-8DDF-4B07-9F65-B48BFD754672}" type="slidenum">
               <a:rPr lang="zh-CN" altLang="en-US" smtClean="0"/>
+              <a:t>‹#›</a:t>
             </a:fld>
             <a:endParaRPr lang="zh-CN" altLang="en-US"/>
           </a:p>
@@ -7147,13 +7172,13 @@
   <p:clrMapOvr>
     <a:masterClrMapping/>
   </p:clrMapOvr>
-  <mc:AlternateContent xmlns:mc="http://schemas.openxmlformats.org/markup-compatibility/2006">
-    <mc:Choice xmlns:p14="http://schemas.microsoft.com/office/powerpoint/2010/main" Requires="p14">
+  <mc:AlternateContent xmlns:mc="http://schemas.openxmlformats.org/markup-compatibility/2006" xmlns:p14="http://schemas.microsoft.com/office/powerpoint/2010/main">
+    <mc:Choice Requires="p14">
       <p:transition p14:dur="10">
         <p14:gallery dir="l"/>
       </p:transition>
     </mc:Choice>
-    <mc:Fallback>
+    <mc:Fallback xmlns="">
       <p:transition>
         <p:fade/>
       </p:transition>
@@ -7203,7 +7228,6 @@
               <a:rPr lang="zh-CN" altLang="en-US"/>
               <a:t>单击此处编辑母版标题样式</a:t>
             </a:r>
-            <a:endParaRPr lang="zh-CN" altLang="en-US"/>
           </a:p>
         </p:txBody>
       </p:sp>
@@ -7269,7 +7293,6 @@
               <a:rPr lang="zh-CN" altLang="en-US"/>
               <a:t>编辑母版文本样式</a:t>
             </a:r>
-            <a:endParaRPr lang="zh-CN" altLang="en-US"/>
           </a:p>
         </p:txBody>
       </p:sp>
@@ -7298,7 +7321,6 @@
               <a:rPr lang="zh-CN" altLang="en-US"/>
               <a:t>编辑母版文本样式</a:t>
             </a:r>
-            <a:endParaRPr lang="zh-CN" altLang="en-US"/>
           </a:p>
           <a:p>
             <a:pPr lvl="1"/>
@@ -7306,7 +7328,6 @@
               <a:rPr lang="zh-CN" altLang="en-US"/>
               <a:t>第二级</a:t>
             </a:r>
-            <a:endParaRPr lang="zh-CN" altLang="en-US"/>
           </a:p>
           <a:p>
             <a:pPr lvl="2"/>
@@ -7314,7 +7335,6 @@
               <a:rPr lang="zh-CN" altLang="en-US"/>
               <a:t>第三级</a:t>
             </a:r>
-            <a:endParaRPr lang="zh-CN" altLang="en-US"/>
           </a:p>
           <a:p>
             <a:pPr lvl="3"/>
@@ -7322,7 +7342,6 @@
               <a:rPr lang="zh-CN" altLang="en-US"/>
               <a:t>第四级</a:t>
             </a:r>
-            <a:endParaRPr lang="zh-CN" altLang="en-US"/>
           </a:p>
           <a:p>
             <a:pPr lvl="4"/>
@@ -7330,7 +7349,6 @@
               <a:rPr lang="zh-CN" altLang="en-US"/>
               <a:t>第五级</a:t>
             </a:r>
-            <a:endParaRPr lang="zh-CN" altLang="en-US"/>
           </a:p>
         </p:txBody>
       </p:sp>
@@ -7396,7 +7414,6 @@
               <a:rPr lang="zh-CN" altLang="en-US"/>
               <a:t>编辑母版文本样式</a:t>
             </a:r>
-            <a:endParaRPr lang="zh-CN" altLang="en-US"/>
           </a:p>
         </p:txBody>
       </p:sp>
@@ -7425,7 +7442,6 @@
               <a:rPr lang="zh-CN" altLang="en-US"/>
               <a:t>编辑母版文本样式</a:t>
             </a:r>
-            <a:endParaRPr lang="zh-CN" altLang="en-US"/>
           </a:p>
           <a:p>
             <a:pPr lvl="1"/>
@@ -7433,7 +7449,6 @@
               <a:rPr lang="zh-CN" altLang="en-US"/>
               <a:t>第二级</a:t>
             </a:r>
-            <a:endParaRPr lang="zh-CN" altLang="en-US"/>
           </a:p>
           <a:p>
             <a:pPr lvl="2"/>
@@ -7441,7 +7456,6 @@
               <a:rPr lang="zh-CN" altLang="en-US"/>
               <a:t>第三级</a:t>
             </a:r>
-            <a:endParaRPr lang="zh-CN" altLang="en-US"/>
           </a:p>
           <a:p>
             <a:pPr lvl="3"/>
@@ -7449,7 +7463,6 @@
               <a:rPr lang="zh-CN" altLang="en-US"/>
               <a:t>第四级</a:t>
             </a:r>
-            <a:endParaRPr lang="zh-CN" altLang="en-US"/>
           </a:p>
           <a:p>
             <a:pPr lvl="4"/>
@@ -7457,7 +7470,6 @@
               <a:rPr lang="zh-CN" altLang="en-US"/>
               <a:t>第五级</a:t>
             </a:r>
-            <a:endParaRPr lang="zh-CN" altLang="en-US"/>
           </a:p>
         </p:txBody>
       </p:sp>
@@ -7478,6 +7490,7 @@
           <a:p>
             <a:fld id="{E14E9F95-E2F7-4766-B6BF-7FE381588EF6}" type="datetimeFigureOut">
               <a:rPr lang="zh-CN" altLang="en-US" smtClean="0"/>
+              <a:t>2022/10/2</a:t>
             </a:fld>
             <a:endParaRPr lang="zh-CN" altLang="en-US"/>
           </a:p>
@@ -7519,6 +7532,7 @@
           <a:p>
             <a:fld id="{C28C9774-8DDF-4B07-9F65-B48BFD754672}" type="slidenum">
               <a:rPr lang="zh-CN" altLang="en-US" smtClean="0"/>
+              <a:t>‹#›</a:t>
             </a:fld>
             <a:endParaRPr lang="zh-CN" altLang="en-US"/>
           </a:p>
@@ -7529,13 +7543,13 @@
   <p:clrMapOvr>
     <a:masterClrMapping/>
   </p:clrMapOvr>
-  <mc:AlternateContent xmlns:mc="http://schemas.openxmlformats.org/markup-compatibility/2006">
-    <mc:Choice xmlns:p14="http://schemas.microsoft.com/office/powerpoint/2010/main" Requires="p14">
+  <mc:AlternateContent xmlns:mc="http://schemas.openxmlformats.org/markup-compatibility/2006" xmlns:p14="http://schemas.microsoft.com/office/powerpoint/2010/main">
+    <mc:Choice Requires="p14">
       <p:transition p14:dur="10">
         <p14:gallery dir="l"/>
       </p:transition>
     </mc:Choice>
-    <mc:Fallback>
+    <mc:Fallback xmlns="">
       <p:transition>
         <p:fade/>
       </p:transition>
@@ -7580,7 +7594,6 @@
               <a:rPr lang="zh-CN" altLang="en-US"/>
               <a:t>单击此处编辑母版标题样式</a:t>
             </a:r>
-            <a:endParaRPr lang="zh-CN" altLang="en-US"/>
           </a:p>
         </p:txBody>
       </p:sp>
@@ -7601,6 +7614,7 @@
           <a:p>
             <a:fld id="{E14E9F95-E2F7-4766-B6BF-7FE381588EF6}" type="datetimeFigureOut">
               <a:rPr lang="zh-CN" altLang="en-US" smtClean="0"/>
+              <a:t>2022/10/2</a:t>
             </a:fld>
             <a:endParaRPr lang="zh-CN" altLang="en-US"/>
           </a:p>
@@ -7642,6 +7656,7 @@
           <a:p>
             <a:fld id="{C28C9774-8DDF-4B07-9F65-B48BFD754672}" type="slidenum">
               <a:rPr lang="zh-CN" altLang="en-US" smtClean="0"/>
+              <a:t>‹#›</a:t>
             </a:fld>
             <a:endParaRPr lang="zh-CN" altLang="en-US"/>
           </a:p>
@@ -7652,13 +7667,13 @@
   <p:clrMapOvr>
     <a:masterClrMapping/>
   </p:clrMapOvr>
-  <mc:AlternateContent xmlns:mc="http://schemas.openxmlformats.org/markup-compatibility/2006">
-    <mc:Choice xmlns:p14="http://schemas.microsoft.com/office/powerpoint/2010/main" Requires="p14">
+  <mc:AlternateContent xmlns:mc="http://schemas.openxmlformats.org/markup-compatibility/2006" xmlns:p14="http://schemas.microsoft.com/office/powerpoint/2010/main">
+    <mc:Choice Requires="p14">
       <p:transition p14:dur="10">
         <p14:gallery dir="l"/>
       </p:transition>
     </mc:Choice>
-    <mc:Fallback>
+    <mc:Fallback xmlns="">
       <p:transition>
         <p:fade/>
       </p:transition>
@@ -7701,6 +7716,7 @@
           <a:p>
             <a:fld id="{E14E9F95-E2F7-4766-B6BF-7FE381588EF6}" type="datetimeFigureOut">
               <a:rPr lang="zh-CN" altLang="en-US" smtClean="0"/>
+              <a:t>2022/10/2</a:t>
             </a:fld>
             <a:endParaRPr lang="zh-CN" altLang="en-US"/>
           </a:p>
@@ -7742,6 +7758,7 @@
           <a:p>
             <a:fld id="{C28C9774-8DDF-4B07-9F65-B48BFD754672}" type="slidenum">
               <a:rPr lang="zh-CN" altLang="en-US" smtClean="0"/>
+              <a:t>‹#›</a:t>
             </a:fld>
             <a:endParaRPr lang="zh-CN" altLang="en-US"/>
           </a:p>
@@ -7752,13 +7769,13 @@
   <p:clrMapOvr>
     <a:masterClrMapping/>
   </p:clrMapOvr>
-  <mc:AlternateContent xmlns:mc="http://schemas.openxmlformats.org/markup-compatibility/2006">
-    <mc:Choice xmlns:p14="http://schemas.microsoft.com/office/powerpoint/2010/main" Requires="p14">
+  <mc:AlternateContent xmlns:mc="http://schemas.openxmlformats.org/markup-compatibility/2006" xmlns:p14="http://schemas.microsoft.com/office/powerpoint/2010/main">
+    <mc:Choice Requires="p14">
       <p:transition p14:dur="10">
         <p14:gallery dir="l"/>
       </p:transition>
     </mc:Choice>
-    <mc:Fallback>
+    <mc:Fallback xmlns="">
       <p:transition>
         <p:fade/>
       </p:transition>
@@ -7812,7 +7829,6 @@
               <a:rPr lang="zh-CN" altLang="en-US"/>
               <a:t>单击此处编辑母版标题样式</a:t>
             </a:r>
-            <a:endParaRPr lang="zh-CN" altLang="en-US"/>
           </a:p>
         </p:txBody>
       </p:sp>
@@ -7869,7 +7885,6 @@
               <a:rPr lang="zh-CN" altLang="en-US"/>
               <a:t>编辑母版文本样式</a:t>
             </a:r>
-            <a:endParaRPr lang="zh-CN" altLang="en-US"/>
           </a:p>
           <a:p>
             <a:pPr lvl="1"/>
@@ -7877,7 +7892,6 @@
               <a:rPr lang="zh-CN" altLang="en-US"/>
               <a:t>第二级</a:t>
             </a:r>
-            <a:endParaRPr lang="zh-CN" altLang="en-US"/>
           </a:p>
           <a:p>
             <a:pPr lvl="2"/>
@@ -7885,7 +7899,6 @@
               <a:rPr lang="zh-CN" altLang="en-US"/>
               <a:t>第三级</a:t>
             </a:r>
-            <a:endParaRPr lang="zh-CN" altLang="en-US"/>
           </a:p>
           <a:p>
             <a:pPr lvl="3"/>
@@ -7893,7 +7906,6 @@
               <a:rPr lang="zh-CN" altLang="en-US"/>
               <a:t>第四级</a:t>
             </a:r>
-            <a:endParaRPr lang="zh-CN" altLang="en-US"/>
           </a:p>
           <a:p>
             <a:pPr lvl="4"/>
@@ -7901,7 +7913,6 @@
               <a:rPr lang="zh-CN" altLang="en-US"/>
               <a:t>第五级</a:t>
             </a:r>
-            <a:endParaRPr lang="zh-CN" altLang="en-US"/>
           </a:p>
         </p:txBody>
       </p:sp>
@@ -7967,7 +7978,6 @@
               <a:rPr lang="zh-CN" altLang="en-US"/>
               <a:t>编辑母版文本样式</a:t>
             </a:r>
-            <a:endParaRPr lang="zh-CN" altLang="en-US"/>
           </a:p>
         </p:txBody>
       </p:sp>
@@ -7988,6 +7998,7 @@
           <a:p>
             <a:fld id="{E14E9F95-E2F7-4766-B6BF-7FE381588EF6}" type="datetimeFigureOut">
               <a:rPr lang="zh-CN" altLang="en-US" smtClean="0"/>
+              <a:t>2022/10/2</a:t>
             </a:fld>
             <a:endParaRPr lang="zh-CN" altLang="en-US"/>
           </a:p>
@@ -8029,6 +8040,7 @@
           <a:p>
             <a:fld id="{C28C9774-8DDF-4B07-9F65-B48BFD754672}" type="slidenum">
               <a:rPr lang="zh-CN" altLang="en-US" smtClean="0"/>
+              <a:t>‹#›</a:t>
             </a:fld>
             <a:endParaRPr lang="zh-CN" altLang="en-US"/>
           </a:p>
@@ -8039,13 +8051,13 @@
   <p:clrMapOvr>
     <a:masterClrMapping/>
   </p:clrMapOvr>
-  <mc:AlternateContent xmlns:mc="http://schemas.openxmlformats.org/markup-compatibility/2006">
-    <mc:Choice xmlns:p14="http://schemas.microsoft.com/office/powerpoint/2010/main" Requires="p14">
+  <mc:AlternateContent xmlns:mc="http://schemas.openxmlformats.org/markup-compatibility/2006" xmlns:p14="http://schemas.microsoft.com/office/powerpoint/2010/main">
+    <mc:Choice Requires="p14">
       <p:transition p14:dur="10">
         <p14:gallery dir="l"/>
       </p:transition>
     </mc:Choice>
-    <mc:Fallback>
+    <mc:Fallback xmlns="">
       <p:transition>
         <p:fade/>
       </p:transition>
@@ -8099,7 +8111,6 @@
               <a:rPr lang="zh-CN" altLang="en-US"/>
               <a:t>单击此处编辑母版标题样式</a:t>
             </a:r>
-            <a:endParaRPr lang="zh-CN" altLang="en-US"/>
           </a:p>
         </p:txBody>
       </p:sp>
@@ -8226,7 +8237,6 @@
               <a:rPr lang="zh-CN" altLang="en-US"/>
               <a:t>编辑母版文本样式</a:t>
             </a:r>
-            <a:endParaRPr lang="zh-CN" altLang="en-US"/>
           </a:p>
         </p:txBody>
       </p:sp>
@@ -8247,6 +8257,7 @@
           <a:p>
             <a:fld id="{E14E9F95-E2F7-4766-B6BF-7FE381588EF6}" type="datetimeFigureOut">
               <a:rPr lang="zh-CN" altLang="en-US" smtClean="0"/>
+              <a:t>2022/10/2</a:t>
             </a:fld>
             <a:endParaRPr lang="zh-CN" altLang="en-US"/>
           </a:p>
@@ -8288,6 +8299,7 @@
           <a:p>
             <a:fld id="{C28C9774-8DDF-4B07-9F65-B48BFD754672}" type="slidenum">
               <a:rPr lang="zh-CN" altLang="en-US" smtClean="0"/>
+              <a:t>‹#›</a:t>
             </a:fld>
             <a:endParaRPr lang="zh-CN" altLang="en-US"/>
           </a:p>
@@ -8298,13 +8310,13 @@
   <p:clrMapOvr>
     <a:masterClrMapping/>
   </p:clrMapOvr>
-  <mc:AlternateContent xmlns:mc="http://schemas.openxmlformats.org/markup-compatibility/2006">
-    <mc:Choice xmlns:p14="http://schemas.microsoft.com/office/powerpoint/2010/main" Requires="p14">
+  <mc:AlternateContent xmlns:mc="http://schemas.openxmlformats.org/markup-compatibility/2006" xmlns:p14="http://schemas.microsoft.com/office/powerpoint/2010/main">
+    <mc:Choice Requires="p14">
       <p:transition p14:dur="10">
         <p14:gallery dir="l"/>
       </p:transition>
     </mc:Choice>
-    <mc:Fallback>
+    <mc:Fallback xmlns="">
       <p:transition>
         <p:fade/>
       </p:transition>
@@ -8367,7 +8379,6 @@
               <a:rPr lang="zh-CN" altLang="en-US"/>
               <a:t>单击此处编辑母版标题样式</a:t>
             </a:r>
-            <a:endParaRPr lang="zh-CN" altLang="en-US"/>
           </a:p>
         </p:txBody>
       </p:sp>
@@ -8401,7 +8412,6 @@
               <a:rPr lang="zh-CN" altLang="en-US"/>
               <a:t>编辑母版文本样式</a:t>
             </a:r>
-            <a:endParaRPr lang="zh-CN" altLang="en-US"/>
           </a:p>
           <a:p>
             <a:pPr lvl="1"/>
@@ -8409,7 +8419,6 @@
               <a:rPr lang="zh-CN" altLang="en-US"/>
               <a:t>第二级</a:t>
             </a:r>
-            <a:endParaRPr lang="zh-CN" altLang="en-US"/>
           </a:p>
           <a:p>
             <a:pPr lvl="2"/>
@@ -8417,7 +8426,6 @@
               <a:rPr lang="zh-CN" altLang="en-US"/>
               <a:t>第三级</a:t>
             </a:r>
-            <a:endParaRPr lang="zh-CN" altLang="en-US"/>
           </a:p>
           <a:p>
             <a:pPr lvl="3"/>
@@ -8425,7 +8433,6 @@
               <a:rPr lang="zh-CN" altLang="en-US"/>
               <a:t>第四级</a:t>
             </a:r>
-            <a:endParaRPr lang="zh-CN" altLang="en-US"/>
           </a:p>
           <a:p>
             <a:pPr lvl="4"/>
@@ -8433,7 +8440,6 @@
               <a:rPr lang="zh-CN" altLang="en-US"/>
               <a:t>第五级</a:t>
             </a:r>
-            <a:endParaRPr lang="zh-CN" altLang="en-US"/>
           </a:p>
         </p:txBody>
       </p:sp>
@@ -8472,6 +8478,7 @@
           <a:p>
             <a:fld id="{E14E9F95-E2F7-4766-B6BF-7FE381588EF6}" type="datetimeFigureOut">
               <a:rPr lang="zh-CN" altLang="en-US" smtClean="0"/>
+              <a:t>2022/10/2</a:t>
             </a:fld>
             <a:endParaRPr lang="zh-CN" altLang="en-US"/>
           </a:p>
@@ -8549,6 +8556,7 @@
           <a:p>
             <a:fld id="{C28C9774-8DDF-4B07-9F65-B48BFD754672}" type="slidenum">
               <a:rPr lang="zh-CN" altLang="en-US" smtClean="0"/>
+              <a:t>‹#›</a:t>
             </a:fld>
             <a:endParaRPr lang="zh-CN" altLang="en-US"/>
           </a:p>
@@ -8571,13 +8579,13 @@
     <p:sldLayoutId id="2147483659" r:id="rId11"/>
     <p:sldLayoutId id="2147483660" r:id="rId12"/>
   </p:sldLayoutIdLst>
-  <mc:AlternateContent xmlns:mc="http://schemas.openxmlformats.org/markup-compatibility/2006">
-    <mc:Choice xmlns:p14="http://schemas.microsoft.com/office/powerpoint/2010/main" Requires="p14">
+  <mc:AlternateContent xmlns:mc="http://schemas.openxmlformats.org/markup-compatibility/2006" xmlns:p14="http://schemas.microsoft.com/office/powerpoint/2010/main">
+    <mc:Choice Requires="p14">
       <p:transition p14:dur="10">
         <p14:gallery dir="l"/>
       </p:transition>
     </mc:Choice>
-    <mc:Fallback>
+    <mc:Fallback xmlns="">
       <p:transition>
         <p:fade/>
       </p:transition>
@@ -8920,7 +8928,6 @@
               <a:rPr lang="zh-CN" altLang="en-US"/>
               <a:t>单击此处编辑母版标题样式</a:t>
             </a:r>
-            <a:endParaRPr lang="zh-CN" altLang="en-US"/>
           </a:p>
         </p:txBody>
       </p:sp>
@@ -8954,7 +8961,6 @@
               <a:rPr lang="zh-CN" altLang="en-US"/>
               <a:t>编辑母版文本样式</a:t>
             </a:r>
-            <a:endParaRPr lang="zh-CN" altLang="en-US"/>
           </a:p>
           <a:p>
             <a:pPr lvl="1"/>
@@ -8962,7 +8968,6 @@
               <a:rPr lang="zh-CN" altLang="en-US"/>
               <a:t>第二级</a:t>
             </a:r>
-            <a:endParaRPr lang="zh-CN" altLang="en-US"/>
           </a:p>
           <a:p>
             <a:pPr lvl="2"/>
@@ -8970,7 +8975,6 @@
               <a:rPr lang="zh-CN" altLang="en-US"/>
               <a:t>第三级</a:t>
             </a:r>
-            <a:endParaRPr lang="zh-CN" altLang="en-US"/>
           </a:p>
           <a:p>
             <a:pPr lvl="3"/>
@@ -8978,7 +8982,6 @@
               <a:rPr lang="zh-CN" altLang="en-US"/>
               <a:t>第四级</a:t>
             </a:r>
-            <a:endParaRPr lang="zh-CN" altLang="en-US"/>
           </a:p>
           <a:p>
             <a:pPr lvl="4"/>
@@ -8986,7 +8989,6 @@
               <a:rPr lang="zh-CN" altLang="en-US"/>
               <a:t>第五级</a:t>
             </a:r>
-            <a:endParaRPr lang="zh-CN" altLang="en-US"/>
           </a:p>
         </p:txBody>
       </p:sp>
@@ -9025,6 +9027,7 @@
           <a:p>
             <a:fld id="{E14E9F95-E2F7-4766-B6BF-7FE381588EF6}" type="datetimeFigureOut">
               <a:rPr lang="zh-CN" altLang="en-US" smtClean="0"/>
+              <a:t>2022/10/2</a:t>
             </a:fld>
             <a:endParaRPr lang="zh-CN" altLang="en-US"/>
           </a:p>
@@ -9102,6 +9105,7 @@
           <a:p>
             <a:fld id="{C28C9774-8DDF-4B07-9F65-B48BFD754672}" type="slidenum">
               <a:rPr lang="zh-CN" altLang="en-US" smtClean="0"/>
+              <a:t>‹#›</a:t>
             </a:fld>
             <a:endParaRPr lang="zh-CN" altLang="en-US"/>
           </a:p>
@@ -9124,13 +9128,13 @@
     <p:sldLayoutId id="2147483672" r:id="rId11"/>
     <p:sldLayoutId id="2147483673" r:id="rId12"/>
   </p:sldLayoutIdLst>
-  <mc:AlternateContent xmlns:mc="http://schemas.openxmlformats.org/markup-compatibility/2006">
-    <mc:Choice xmlns:p14="http://schemas.microsoft.com/office/powerpoint/2010/main" Requires="p14">
+  <mc:AlternateContent xmlns:mc="http://schemas.openxmlformats.org/markup-compatibility/2006" xmlns:p14="http://schemas.microsoft.com/office/powerpoint/2010/main">
+    <mc:Choice Requires="p14">
       <p:transition p14:dur="10">
         <p14:gallery dir="l"/>
       </p:transition>
     </mc:Choice>
-    <mc:Fallback>
+    <mc:Fallback xmlns="">
       <p:transition>
         <p:fade/>
       </p:transition>
@@ -9445,7 +9449,7 @@
           <p:nvPr/>
         </p:nvPicPr>
         <p:blipFill>
-          <a:blip r:embed="rId1">
+          <a:blip r:embed="rId3">
             <a:extLst>
               <a:ext uri="{28A0092B-C50C-407E-A947-70E740481C1C}">
                 <a14:useLocalDpi xmlns:a14="http://schemas.microsoft.com/office/drawing/2010/main" val="0"/>
@@ -9458,7 +9462,7 @@
         </p:blipFill>
         <p:spPr>
           <a:xfrm>
-            <a:off x="0" y="-28136"/>
+            <a:off x="0" y="0"/>
             <a:ext cx="12192000" cy="7315200"/>
           </a:xfrm>
           <a:prstGeom prst="rect">
@@ -9474,8 +9478,8 @@
         </p:nvSpPr>
         <p:spPr>
           <a:xfrm>
-            <a:off x="2981325" y="1387475"/>
-            <a:ext cx="7127240" cy="2768600"/>
+            <a:off x="3355941" y="2317954"/>
+            <a:ext cx="6627377" cy="3816429"/>
           </a:xfrm>
           <a:prstGeom prst="rect">
             <a:avLst/>
@@ -9499,7 +9503,23 @@
               </a:rPr>
               <a:t>EC601-A1-04</a:t>
             </a:r>
-            <a:endParaRPr lang="en-US" altLang="zh-CN" sz="7200" b="1" dirty="0">
+          </a:p>
+          <a:p>
+            <a:pPr algn="r"/>
+            <a:r>
+              <a:rPr lang="en-US" altLang="zh-CN" sz="5400" b="1" dirty="0">
+                <a:solidFill>
+                  <a:srgbClr val="343434"/>
+                </a:solidFill>
+                <a:latin typeface="微软雅黑" panose="020B0503020204020204" pitchFamily="34" charset="-122"/>
+                <a:ea typeface="微软雅黑" panose="020B0503020204020204" pitchFamily="34" charset="-122"/>
+              </a:rPr>
+              <a:t>Sprint 1 </a:t>
+            </a:r>
+          </a:p>
+          <a:p>
+            <a:pPr algn="r"/>
+            <a:endParaRPr lang="en-US" sz="5400" b="1" dirty="0">
               <a:solidFill>
                 <a:srgbClr val="343434"/>
               </a:solidFill>
@@ -9508,27 +9528,6 @@
             </a:endParaRPr>
           </a:p>
           <a:p>
-            <a:pPr algn="r"/>
-            <a:endParaRPr sz="4000" dirty="0">
-              <a:solidFill>
-                <a:srgbClr val="343434"/>
-              </a:solidFill>
-              <a:latin typeface="微软雅黑" panose="020B0503020204020204" pitchFamily="34" charset="-122"/>
-              <a:ea typeface="微软雅黑" panose="020B0503020204020204" pitchFamily="34" charset="-122"/>
-            </a:endParaRPr>
-          </a:p>
-          <a:p>
-            <a:pPr algn="l"/>
-            <a:r>
-              <a:rPr lang="en-US" sz="4000" dirty="0">
-                <a:solidFill>
-                  <a:srgbClr val="343434"/>
-                </a:solidFill>
-                <a:latin typeface="微软雅黑" panose="020B0503020204020204" pitchFamily="34" charset="-122"/>
-                <a:ea typeface="微软雅黑" panose="020B0503020204020204" pitchFamily="34" charset="-122"/>
-              </a:rPr>
-              <a:t>        </a:t>
-            </a:r>
             <a:r>
               <a:rPr sz="4000" dirty="0">
                 <a:solidFill>
@@ -9539,26 +9538,8 @@
               </a:rPr>
               <a:t>American Express </a:t>
             </a:r>
-            <a:endParaRPr sz="4000" dirty="0">
-              <a:solidFill>
-                <a:srgbClr val="343434"/>
-              </a:solidFill>
-              <a:latin typeface="微软雅黑" panose="020B0503020204020204" pitchFamily="34" charset="-122"/>
-              <a:ea typeface="微软雅黑" panose="020B0503020204020204" pitchFamily="34" charset="-122"/>
-            </a:endParaRPr>
-          </a:p>
-          <a:p>
-            <a:pPr algn="l"/>
-            <a:r>
-              <a:rPr lang="en-US" sz="4000" dirty="0">
-                <a:solidFill>
-                  <a:srgbClr val="343434"/>
-                </a:solidFill>
-                <a:latin typeface="微软雅黑" panose="020B0503020204020204" pitchFamily="34" charset="-122"/>
-                <a:ea typeface="微软雅黑" panose="020B0503020204020204" pitchFamily="34" charset="-122"/>
-              </a:rPr>
-              <a:t>          </a:t>
-            </a:r>
+          </a:p>
+          <a:p>
             <a:r>
               <a:rPr sz="4000" dirty="0">
                 <a:solidFill>
@@ -9567,7 +9548,7 @@
                 <a:latin typeface="微软雅黑" panose="020B0503020204020204" pitchFamily="34" charset="-122"/>
                 <a:ea typeface="微软雅黑" panose="020B0503020204020204" pitchFamily="34" charset="-122"/>
               </a:rPr>
-              <a:t>-Default</a:t>
+              <a:t>Default</a:t>
             </a:r>
             <a:r>
               <a:rPr lang="en-US" sz="4000" dirty="0">
@@ -9589,111 +9570,6 @@
               </a:rPr>
               <a:t>Prediction</a:t>
             </a:r>
-            <a:endParaRPr sz="4000" dirty="0">
-              <a:solidFill>
-                <a:srgbClr val="343434"/>
-              </a:solidFill>
-              <a:latin typeface="微软雅黑" panose="020B0503020204020204" pitchFamily="34" charset="-122"/>
-              <a:ea typeface="微软雅黑" panose="020B0503020204020204" pitchFamily="34" charset="-122"/>
-            </a:endParaRPr>
-          </a:p>
-        </p:txBody>
-      </p:sp>
-      <p:sp>
-        <p:nvSpPr>
-          <p:cNvPr id="45" name="椭圆 44"/>
-          <p:cNvSpPr/>
-          <p:nvPr/>
-        </p:nvSpPr>
-        <p:spPr>
-          <a:xfrm>
-            <a:off x="3612453" y="3111870"/>
-            <a:ext cx="182880" cy="182880"/>
-          </a:xfrm>
-          <a:prstGeom prst="ellipse">
-            <a:avLst/>
-          </a:prstGeom>
-          <a:solidFill>
-            <a:schemeClr val="tx1">
-              <a:lumMod val="75000"/>
-              <a:lumOff val="25000"/>
-            </a:schemeClr>
-          </a:solidFill>
-          <a:ln>
-            <a:noFill/>
-          </a:ln>
-        </p:spPr>
-        <p:style>
-          <a:lnRef idx="2">
-            <a:schemeClr val="accent1">
-              <a:shade val="50000"/>
-            </a:schemeClr>
-          </a:lnRef>
-          <a:fillRef idx="1">
-            <a:schemeClr val="accent1"/>
-          </a:fillRef>
-          <a:effectRef idx="0">
-            <a:schemeClr val="accent1"/>
-          </a:effectRef>
-          <a:fontRef idx="minor">
-            <a:schemeClr val="lt1"/>
-          </a:fontRef>
-        </p:style>
-        <p:txBody>
-          <a:bodyPr rtlCol="0" anchor="ctr"/>
-          <a:lstStyle/>
-          <a:p>
-            <a:pPr algn="ctr"/>
-            <a:endParaRPr lang="zh-CN" altLang="en-US"/>
-          </a:p>
-        </p:txBody>
-      </p:sp>
-      <p:sp>
-        <p:nvSpPr>
-          <p:cNvPr id="49" name="椭圆 48"/>
-          <p:cNvSpPr/>
-          <p:nvPr/>
-        </p:nvSpPr>
-        <p:spPr>
-          <a:xfrm>
-            <a:off x="4262408" y="3776510"/>
-            <a:ext cx="182880" cy="182880"/>
-          </a:xfrm>
-          <a:prstGeom prst="ellipse">
-            <a:avLst/>
-          </a:prstGeom>
-          <a:solidFill>
-            <a:schemeClr val="tx1">
-              <a:lumMod val="75000"/>
-              <a:lumOff val="25000"/>
-            </a:schemeClr>
-          </a:solidFill>
-          <a:ln>
-            <a:noFill/>
-          </a:ln>
-        </p:spPr>
-        <p:style>
-          <a:lnRef idx="2">
-            <a:schemeClr val="accent1">
-              <a:shade val="50000"/>
-            </a:schemeClr>
-          </a:lnRef>
-          <a:fillRef idx="1">
-            <a:schemeClr val="accent1"/>
-          </a:fillRef>
-          <a:effectRef idx="0">
-            <a:schemeClr val="accent1"/>
-          </a:effectRef>
-          <a:fontRef idx="minor">
-            <a:schemeClr val="lt1"/>
-          </a:fontRef>
-        </p:style>
-        <p:txBody>
-          <a:bodyPr rtlCol="0" anchor="ctr"/>
-          <a:lstStyle/>
-          <a:p>
-            <a:pPr algn="ctr"/>
-            <a:endParaRPr lang="zh-CN" altLang="en-US"/>
           </a:p>
         </p:txBody>
       </p:sp>
@@ -9705,7 +9581,7 @@
         </p:nvSpPr>
         <p:spPr>
           <a:xfrm>
-            <a:off x="8281035" y="4350385"/>
+            <a:off x="8328169" y="5047969"/>
             <a:ext cx="1974215" cy="1198880"/>
           </a:xfrm>
           <a:prstGeom prst="rect">
@@ -9727,11 +9603,6 @@
               </a:rPr>
               <a:t>licao@bu.edu</a:t>
             </a:r>
-            <a:endParaRPr lang="en-US" altLang="zh-CN" dirty="0">
-              <a:solidFill>
-                <a:srgbClr val="343434"/>
-              </a:solidFill>
-            </a:endParaRPr>
           </a:p>
           <a:p>
             <a:r>
@@ -9742,11 +9613,6 @@
               </a:rPr>
               <a:t>hyc1011@bu.edu</a:t>
             </a:r>
-            <a:endParaRPr lang="en-US" altLang="zh-CN" dirty="0">
-              <a:solidFill>
-                <a:srgbClr val="343434"/>
-              </a:solidFill>
-            </a:endParaRPr>
           </a:p>
           <a:p>
             <a:r>
@@ -9757,11 +9623,6 @@
               </a:rPr>
               <a:t>zcz@bu.edu</a:t>
             </a:r>
-            <a:endParaRPr lang="en-US" altLang="zh-CN" dirty="0">
-              <a:solidFill>
-                <a:srgbClr val="343434"/>
-              </a:solidFill>
-            </a:endParaRPr>
           </a:p>
           <a:p>
             <a:r>
@@ -9772,11 +9633,6 @@
               </a:rPr>
               <a:t>aubryma@bu.edu</a:t>
             </a:r>
-            <a:endParaRPr lang="en-US" altLang="zh-CN" dirty="0">
-              <a:solidFill>
-                <a:srgbClr val="343434"/>
-              </a:solidFill>
-            </a:endParaRPr>
           </a:p>
         </p:txBody>
       </p:sp>
@@ -9785,25 +9641,18 @@
   <p:clrMapOvr>
     <a:masterClrMapping/>
   </p:clrMapOvr>
-  <mc:AlternateContent xmlns:mc="http://schemas.openxmlformats.org/markup-compatibility/2006">
-    <mc:Choice xmlns:p14="http://schemas.microsoft.com/office/powerpoint/2010/main" Requires="p14">
+  <mc:AlternateContent xmlns:mc="http://schemas.openxmlformats.org/markup-compatibility/2006" xmlns:p14="http://schemas.microsoft.com/office/powerpoint/2010/main">
+    <mc:Choice Requires="p14">
       <p:transition p14:dur="10">
         <p14:gallery dir="l"/>
       </p:transition>
     </mc:Choice>
-    <mc:Fallback>
+    <mc:Fallback xmlns="">
       <p:transition>
         <p:fade/>
       </p:transition>
     </mc:Fallback>
   </mc:AlternateContent>
-  <p:timing>
-    <p:tnLst>
-      <p:par>
-        <p:cTn id="1" dur="indefinite" restart="never" nodeType="tmRoot"/>
-      </p:par>
-    </p:tnLst>
-  </p:timing>
 </p:sld>
 </file>
 
@@ -10131,7 +9980,7 @@
         </p:nvSpPr>
         <p:spPr>
           <a:xfrm>
-            <a:off x="5781822" y="-14068"/>
+            <a:off x="5384156" y="-24130"/>
             <a:ext cx="436098" cy="706755"/>
           </a:xfrm>
           <a:prstGeom prst="rect">
@@ -10153,11 +10002,6 @@
               </a:rPr>
               <a:t>2</a:t>
             </a:r>
-            <a:endParaRPr lang="en-US" altLang="zh-CN" sz="4000" b="1" dirty="0">
-              <a:solidFill>
-                <a:srgbClr val="8E8B82"/>
-              </a:solidFill>
-            </a:endParaRPr>
           </a:p>
         </p:txBody>
       </p:sp>
@@ -10255,7 +10099,33 @@
                 <a:latin typeface="微软雅黑" panose="020B0503020204020204" pitchFamily="34" charset="-122"/>
                 <a:ea typeface="微软雅黑" panose="020B0503020204020204" pitchFamily="34" charset="-122"/>
               </a:rPr>
-              <a:t> finish</a:t>
+              <a:t> </a:t>
+            </a:r>
+            <a:r>
+              <a:rPr lang="en-CA" altLang="zh-CN" sz="1600" dirty="0">
+                <a:solidFill>
+                  <a:schemeClr val="tx1">
+                    <a:lumMod val="65000"/>
+                    <a:lumOff val="35000"/>
+                  </a:schemeClr>
+                </a:solidFill>
+                <a:latin typeface="微软雅黑" panose="020B0503020204020204" pitchFamily="34" charset="-122"/>
+                <a:ea typeface="微软雅黑" panose="020B0503020204020204" pitchFamily="34" charset="-122"/>
+              </a:rPr>
+              <a:t>F</a:t>
+            </a:r>
+            <a:r>
+              <a:rPr lang="zh-CN" altLang="en-US" sz="1600" dirty="0">
+                <a:solidFill>
+                  <a:schemeClr val="tx1">
+                    <a:lumMod val="65000"/>
+                    <a:lumOff val="35000"/>
+                  </a:schemeClr>
+                </a:solidFill>
+                <a:latin typeface="微软雅黑" panose="020B0503020204020204" pitchFamily="34" charset="-122"/>
+                <a:ea typeface="微软雅黑" panose="020B0503020204020204" pitchFamily="34" charset="-122"/>
+              </a:rPr>
+              <a:t>inish</a:t>
             </a:r>
             <a:r>
               <a:rPr lang="zh-CN" altLang="en-US" sz="1600" b="1" dirty="0">
@@ -10270,16 +10140,6 @@
               </a:rPr>
               <a:t> Data Preprocessing and Visualization</a:t>
             </a:r>
-            <a:endParaRPr lang="zh-CN" altLang="en-US" sz="1600" b="1" dirty="0">
-              <a:solidFill>
-                <a:schemeClr val="tx1">
-                  <a:lumMod val="65000"/>
-                  <a:lumOff val="35000"/>
-                </a:schemeClr>
-              </a:solidFill>
-              <a:latin typeface="微软雅黑" panose="020B0503020204020204" pitchFamily="34" charset="-122"/>
-              <a:ea typeface="微软雅黑" panose="020B0503020204020204" pitchFamily="34" charset="-122"/>
-            </a:endParaRPr>
           </a:p>
           <a:p>
             <a:pPr fontAlgn="auto">
@@ -10314,6 +10174,19 @@
               <a:t>- </a:t>
             </a:r>
             <a:r>
+              <a:rPr lang="en-CA" altLang="zh-CN" sz="1600" dirty="0">
+                <a:solidFill>
+                  <a:schemeClr val="tx1">
+                    <a:lumMod val="65000"/>
+                    <a:lumOff val="35000"/>
+                  </a:schemeClr>
+                </a:solidFill>
+                <a:latin typeface="微软雅黑" panose="020B0503020204020204" pitchFamily="34" charset="-122"/>
+                <a:ea typeface="微软雅黑" panose="020B0503020204020204" pitchFamily="34" charset="-122"/>
+              </a:rPr>
+              <a:t>O</a:t>
+            </a:r>
+            <a:r>
               <a:rPr lang="zh-CN" altLang="en-US" sz="1600" dirty="0">
                 <a:solidFill>
                   <a:schemeClr val="tx1">
@@ -10324,18 +10197,8 @@
                 <a:latin typeface="微软雅黑" panose="020B0503020204020204" pitchFamily="34" charset="-122"/>
                 <a:ea typeface="微软雅黑" panose="020B0503020204020204" pitchFamily="34" charset="-122"/>
               </a:rPr>
-              <a:t>overall plan for this project</a:t>
-            </a:r>
-            <a:endParaRPr lang="zh-CN" altLang="en-US" sz="1600" dirty="0">
-              <a:solidFill>
-                <a:schemeClr val="tx1">
-                  <a:lumMod val="65000"/>
-                  <a:lumOff val="35000"/>
-                </a:schemeClr>
-              </a:solidFill>
-              <a:latin typeface="微软雅黑" panose="020B0503020204020204" pitchFamily="34" charset="-122"/>
-              <a:ea typeface="微软雅黑" panose="020B0503020204020204" pitchFamily="34" charset="-122"/>
-            </a:endParaRPr>
+              <a:t>verall plan for this project</a:t>
+            </a:r>
           </a:p>
         </p:txBody>
       </p:sp>
@@ -10382,6 +10245,7 @@
           <a:bodyPr rot="0" spcFirstLastPara="0" vertOverflow="overflow" horzOverflow="overflow" vert="horz" wrap="square" lIns="91440" tIns="45720" rIns="91440" bIns="45720" numCol="1" spcCol="0" rtlCol="0" fromWordArt="0" anchor="ctr" anchorCtr="0" forceAA="0" compatLnSpc="1">
             <a:noAutofit/>
           </a:bodyPr>
+          <a:lstStyle/>
           <a:p>
             <a:pPr algn="ctr"/>
             <a:endParaRPr lang="en-US" sz="2800" dirty="0">
@@ -10436,6 +10300,7 @@
           <a:bodyPr rot="0" spcFirstLastPara="0" vertOverflow="overflow" horzOverflow="overflow" vert="horz" wrap="square" lIns="91440" tIns="45720" rIns="91440" bIns="45720" numCol="1" spcCol="0" rtlCol="0" fromWordArt="0" anchor="ctr" anchorCtr="0" forceAA="0" compatLnSpc="1">
             <a:noAutofit/>
           </a:bodyPr>
+          <a:lstStyle/>
           <a:p>
             <a:pPr algn="ctr"/>
             <a:endParaRPr lang="en-US" sz="2800" dirty="0">
@@ -10467,6 +10332,7 @@
           <a:bodyPr wrap="square" lIns="36000" rIns="36000" rtlCol="0">
             <a:spAutoFit/>
           </a:bodyPr>
+          <a:lstStyle/>
           <a:p>
             <a:pPr fontAlgn="auto">
               <a:lnSpc>
@@ -10519,16 +10385,6 @@
               </a:rPr>
               <a:t>[1] Brause R, Langsdorf T, Hepp M. Neural data mining for credit card fraud detection. Tools with Artificial Intelligence, 1999. Proceedings. 11th IEEE International Conference on 1999：103-106.</a:t>
             </a:r>
-            <a:endParaRPr lang="zh-CN" altLang="en-US" sz="1400" dirty="0">
-              <a:solidFill>
-                <a:schemeClr val="tx1">
-                  <a:lumMod val="65000"/>
-                  <a:lumOff val="35000"/>
-                </a:schemeClr>
-              </a:solidFill>
-              <a:latin typeface="微软雅黑" panose="020B0503020204020204" pitchFamily="34" charset="-122"/>
-              <a:ea typeface="微软雅黑" panose="020B0503020204020204" pitchFamily="34" charset="-122"/>
-            </a:endParaRPr>
           </a:p>
           <a:p>
             <a:pPr fontAlgn="auto">
@@ -10552,16 +10408,6 @@
               </a:rPr>
               <a:t>[2] Jeragh M, Alsulaimi M. Combining Auto Encoders and One Class Support Vectors Machine for Fraudulent Credit Card Transactions Detection. 2018 Second World Conference on Smart Trends in Systems, Security and Sustainability (WorldS4), London, England：2018: 178-184.</a:t>
             </a:r>
-            <a:endParaRPr lang="zh-CN" altLang="en-US" sz="1400" dirty="0">
-              <a:solidFill>
-                <a:schemeClr val="tx1">
-                  <a:lumMod val="65000"/>
-                  <a:lumOff val="35000"/>
-                </a:schemeClr>
-              </a:solidFill>
-              <a:latin typeface="微软雅黑" panose="020B0503020204020204" pitchFamily="34" charset="-122"/>
-              <a:ea typeface="微软雅黑" panose="020B0503020204020204" pitchFamily="34" charset="-122"/>
-            </a:endParaRPr>
           </a:p>
           <a:p>
             <a:pPr fontAlgn="auto">
@@ -10611,16 +10457,6 @@
               </a:rPr>
               <a:t>Banking &amp; Finance, 2016,72:218-239.</a:t>
             </a:r>
-            <a:endParaRPr lang="zh-CN" altLang="en-US" sz="1400" dirty="0">
-              <a:solidFill>
-                <a:schemeClr val="tx1">
-                  <a:lumMod val="65000"/>
-                  <a:lumOff val="35000"/>
-                </a:schemeClr>
-              </a:solidFill>
-              <a:latin typeface="微软雅黑" panose="020B0503020204020204" pitchFamily="34" charset="-122"/>
-              <a:ea typeface="微软雅黑" panose="020B0503020204020204" pitchFamily="34" charset="-122"/>
-            </a:endParaRPr>
           </a:p>
           <a:p>
             <a:pPr fontAlgn="auto">
@@ -10644,16 +10480,6 @@
               </a:rPr>
               <a:t>[4] Cai J, Liu X, Wu Y. SVM Learning for default prediction of credit card under differential Privacy. PPML, 2020: 51-53.</a:t>
             </a:r>
-            <a:endParaRPr lang="zh-CN" altLang="en-US" sz="1400" dirty="0">
-              <a:solidFill>
-                <a:schemeClr val="tx1">
-                  <a:lumMod val="65000"/>
-                  <a:lumOff val="35000"/>
-                </a:schemeClr>
-              </a:solidFill>
-              <a:latin typeface="微软雅黑" panose="020B0503020204020204" pitchFamily="34" charset="-122"/>
-              <a:ea typeface="微软雅黑" panose="020B0503020204020204" pitchFamily="34" charset="-122"/>
-            </a:endParaRPr>
           </a:p>
           <a:p>
             <a:pPr fontAlgn="auto">
@@ -10677,16 +10503,6 @@
               </a:rPr>
               <a:t>[5] https://github.com/jxzly/Kaggle-American-Express-Default-Prediction-1st-solution</a:t>
             </a:r>
-            <a:endParaRPr lang="zh-CN" altLang="en-US" sz="1400" dirty="0">
-              <a:solidFill>
-                <a:schemeClr val="tx1">
-                  <a:lumMod val="65000"/>
-                  <a:lumOff val="35000"/>
-                </a:schemeClr>
-              </a:solidFill>
-              <a:latin typeface="微软雅黑" panose="020B0503020204020204" pitchFamily="34" charset="-122"/>
-              <a:ea typeface="微软雅黑" panose="020B0503020204020204" pitchFamily="34" charset="-122"/>
-            </a:endParaRPr>
           </a:p>
         </p:txBody>
       </p:sp>
@@ -10710,6 +10526,7 @@
           <a:bodyPr wrap="none" rtlCol="0">
             <a:spAutoFit/>
           </a:bodyPr>
+          <a:lstStyle/>
           <a:p>
             <a:pPr algn="l" fontAlgn="auto">
               <a:lnSpc>
@@ -10744,17 +10561,6 @@
               </a:rPr>
               <a:t>https://github.com/licao2998/EC601-A1-04</a:t>
             </a:r>
-            <a:endParaRPr lang="zh-CN" altLang="en-US" sz="1600" dirty="0">
-              <a:solidFill>
-                <a:schemeClr val="tx1">
-                  <a:lumMod val="65000"/>
-                  <a:lumOff val="35000"/>
-                </a:schemeClr>
-              </a:solidFill>
-              <a:latin typeface="微软雅黑" panose="020B0503020204020204" pitchFamily="34" charset="-122"/>
-              <a:ea typeface="微软雅黑" panose="020B0503020204020204" pitchFamily="34" charset="-122"/>
-              <a:sym typeface="+mn-ea"/>
-            </a:endParaRPr>
           </a:p>
         </p:txBody>
       </p:sp>
@@ -10801,6 +10607,7 @@
           <a:bodyPr rot="0" spcFirstLastPara="0" vertOverflow="overflow" horzOverflow="overflow" vert="horz" wrap="square" lIns="91440" tIns="45720" rIns="91440" bIns="45720" numCol="1" spcCol="0" rtlCol="0" fromWordArt="0" anchor="ctr" anchorCtr="0" forceAA="0" compatLnSpc="1">
             <a:noAutofit/>
           </a:bodyPr>
+          <a:lstStyle/>
           <a:p>
             <a:pPr algn="ctr"/>
             <a:endParaRPr lang="en-US" sz="2800" dirty="0">
@@ -10817,13 +10624,13 @@
   <p:clrMapOvr>
     <a:masterClrMapping/>
   </p:clrMapOvr>
-  <mc:AlternateContent xmlns:mc="http://schemas.openxmlformats.org/markup-compatibility/2006">
-    <mc:Choice xmlns:p14="http://schemas.microsoft.com/office/powerpoint/2010/main" Requires="p14">
+  <mc:AlternateContent xmlns:mc="http://schemas.openxmlformats.org/markup-compatibility/2006" xmlns:p14="http://schemas.microsoft.com/office/powerpoint/2010/main">
+    <mc:Choice Requires="p14">
       <p:transition p14:dur="10">
         <p14:gallery dir="l"/>
       </p:transition>
     </mc:Choice>
-    <mc:Fallback>
+    <mc:Fallback xmlns="">
       <p:transition>
         <p:fade/>
       </p:transition>
@@ -11370,14 +11177,14 @@
       <p:bldP spid="18" grpId="1"/>
       <p:bldP spid="3" grpId="0" animBg="1"/>
       <p:bldP spid="3" grpId="1" animBg="1"/>
+      <p:bldP spid="4" grpId="0" animBg="1"/>
+      <p:bldP spid="4" grpId="1" animBg="1"/>
       <p:bldP spid="5" grpId="0"/>
       <p:bldP spid="5" grpId="1"/>
-      <p:bldP spid="4" grpId="0" animBg="1"/>
-      <p:bldP spid="4" grpId="1" animBg="1"/>
+      <p:bldP spid="9" grpId="0"/>
+      <p:bldP spid="9" grpId="1"/>
       <p:bldP spid="12" grpId="0" animBg="1"/>
       <p:bldP spid="12" grpId="1" animBg="1"/>
-      <p:bldP spid="9" grpId="0"/>
-      <p:bldP spid="9" grpId="1"/>
     </p:bldLst>
   </p:timing>
 </p:sld>
@@ -11389,7 +11196,7 @@
     <p:bg>
       <p:bgPr>
         <a:blipFill dpi="0" rotWithShape="1">
-          <a:blip r:embed="rId1">
+          <a:blip r:embed="rId3">
             <a:lum/>
           </a:blip>
           <a:srcRect/>
@@ -11447,13 +11254,6 @@
               </a:rPr>
               <a:t>Thanks for listening</a:t>
             </a:r>
-            <a:endParaRPr lang="en-US" altLang="zh-CN" sz="6000" b="1" dirty="0">
-              <a:solidFill>
-                <a:srgbClr val="343434"/>
-              </a:solidFill>
-              <a:latin typeface="微软雅黑" panose="020B0503020204020204" pitchFamily="34" charset="-122"/>
-              <a:ea typeface="微软雅黑" panose="020B0503020204020204" pitchFamily="34" charset="-122"/>
-            </a:endParaRPr>
           </a:p>
         </p:txBody>
       </p:sp>
@@ -11462,13 +11262,13 @@
   <p:clrMapOvr>
     <a:masterClrMapping/>
   </p:clrMapOvr>
-  <mc:AlternateContent xmlns:mc="http://schemas.openxmlformats.org/markup-compatibility/2006">
-    <mc:Choice xmlns:p14="http://schemas.microsoft.com/office/powerpoint/2010/main" Requires="p14">
+  <mc:AlternateContent xmlns:mc="http://schemas.openxmlformats.org/markup-compatibility/2006" xmlns:p14="http://schemas.microsoft.com/office/powerpoint/2010/main">
+    <mc:Choice Requires="p14">
       <p:transition p14:dur="10">
         <p14:gallery dir="l"/>
       </p:transition>
     </mc:Choice>
-    <mc:Fallback>
+    <mc:Fallback xmlns="">
       <p:transition>
         <p:fade/>
       </p:transition>
@@ -11644,15 +11444,8 @@
                 <a:latin typeface="微软雅黑" panose="020B0503020204020204" pitchFamily="34" charset="-122"/>
                 <a:ea typeface="微软雅黑" panose="020B0503020204020204" pitchFamily="34" charset="-122"/>
               </a:rPr>
-              <a:t>Problem Mission</a:t>
-            </a:r>
-            <a:endParaRPr lang="en-US" sz="4800" dirty="0">
-              <a:solidFill>
-                <a:srgbClr val="8E8B82"/>
-              </a:solidFill>
-              <a:latin typeface="微软雅黑" panose="020B0503020204020204" pitchFamily="34" charset="-122"/>
-              <a:ea typeface="微软雅黑" panose="020B0503020204020204" pitchFamily="34" charset="-122"/>
-            </a:endParaRPr>
+              <a:t>Product Mission</a:t>
+            </a:r>
           </a:p>
         </p:txBody>
       </p:sp>
@@ -11703,13 +11496,13 @@
   <p:clrMapOvr>
     <a:masterClrMapping/>
   </p:clrMapOvr>
-  <mc:AlternateContent xmlns:mc="http://schemas.openxmlformats.org/markup-compatibility/2006">
-    <mc:Choice xmlns:p14="http://schemas.microsoft.com/office/powerpoint/2010/main" Requires="p14">
+  <mc:AlternateContent xmlns:mc="http://schemas.openxmlformats.org/markup-compatibility/2006" xmlns:p14="http://schemas.microsoft.com/office/powerpoint/2010/main">
+    <mc:Choice Requires="p14">
       <p:transition p14:dur="10">
         <p14:gallery dir="l"/>
       </p:transition>
     </mc:Choice>
-    <mc:Fallback>
+    <mc:Fallback xmlns="">
       <p:transition>
         <p:fade/>
       </p:transition>
@@ -12191,7 +11984,7 @@
                 <a:ea typeface="微软雅黑" panose="020B0503020204020204" pitchFamily="34" charset="-122"/>
                 <a:sym typeface="+mn-ea"/>
               </a:rPr>
-              <a:t>Problem Mission</a:t>
+              <a:t>Product Mission</a:t>
             </a:r>
             <a:endParaRPr lang="zh-CN" altLang="en-US" sz="2400" dirty="0">
               <a:latin typeface="微软雅黑" panose="020B0503020204020204" pitchFamily="34" charset="-122"/>
@@ -12208,7 +12001,7 @@
         </p:nvSpPr>
         <p:spPr>
           <a:xfrm>
-            <a:off x="5781822" y="-14068"/>
+            <a:off x="5387927" y="-18663"/>
             <a:ext cx="436098" cy="707886"/>
           </a:xfrm>
           <a:prstGeom prst="rect">
@@ -12247,7 +12040,7 @@
         <p:spPr>
           <a:xfrm>
             <a:off x="2565400" y="1361440"/>
-            <a:ext cx="9008745" cy="4399915"/>
+            <a:ext cx="9008745" cy="3134961"/>
           </a:xfrm>
           <a:prstGeom prst="rect">
             <a:avLst/>
@@ -12260,13 +12053,15 @@
           </a:bodyPr>
           <a:lstStyle/>
           <a:p>
-            <a:pPr fontAlgn="auto">
+            <a:pPr marL="342900" indent="-342900" fontAlgn="auto">
               <a:lnSpc>
                 <a:spcPct val="125000"/>
               </a:lnSpc>
+              <a:buFont typeface="Arial" panose="020B0604020202020204" pitchFamily="34" charset="0"/>
+              <a:buChar char="•"/>
             </a:pPr>
             <a:r>
-              <a:rPr lang="zh-CN" altLang="en-US" sz="1600" dirty="0">
+              <a:rPr lang="en-CA" altLang="zh-CN" sz="2000" dirty="0">
                 <a:solidFill>
                   <a:schemeClr val="tx1">
                     <a:lumMod val="65000"/>
@@ -12276,9 +12071,40 @@
                 <a:latin typeface="微软雅黑" panose="020B0503020204020204" pitchFamily="34" charset="-122"/>
                 <a:ea typeface="微软雅黑" panose="020B0503020204020204" pitchFamily="34" charset="-122"/>
               </a:rPr>
-              <a:t>Credit cards are very important in people's daily lives because of their convenience and low interest rates. With the increase in credit card users, credit card risk control has become challenging for banks and financial institutions like American Express. They need to weigh the benefits and risks brought by the credit card business, and the task of predicting credit card defaults, consumption and repayment of users has become one of the effective ways to monitor credit card risks. For banks, if they can determine in advance that customers will default and take adequate measures to remind customers to make timely repayments, such as taking personalized email or message reminders to urge customers to make repayments, they can reduce the default ratio of customers and promote the development of the bank's credit card business. In contrast, banks can analyze the characteristics of credit card default users and pay more careful attention to customers with these characteristics. The bank can analyze the characteristics of credit card defaulters, pay more careful attention to customers with these characteristics, restrict the credit card limit or even freeze their credit card spending when necessary.</a:t>
-            </a:r>
-            <a:endParaRPr lang="zh-CN" altLang="en-US" sz="1600" dirty="0">
+              <a:t>Modern life relies on the convenience of credit cards</a:t>
+            </a:r>
+          </a:p>
+          <a:p>
+            <a:pPr marL="800100" lvl="1" indent="-342900">
+              <a:lnSpc>
+                <a:spcPct val="125000"/>
+              </a:lnSpc>
+              <a:buFont typeface="Arial" panose="020B0604020202020204" pitchFamily="34" charset="0"/>
+              <a:buChar char="•"/>
+            </a:pPr>
+            <a:r>
+              <a:rPr lang="en-CA" altLang="zh-CN" sz="2000" dirty="0">
+                <a:solidFill>
+                  <a:schemeClr val="tx1">
+                    <a:lumMod val="65000"/>
+                    <a:lumOff val="35000"/>
+                  </a:schemeClr>
+                </a:solidFill>
+                <a:latin typeface="微软雅黑" panose="020B0503020204020204" pitchFamily="34" charset="-122"/>
+                <a:ea typeface="微软雅黑" panose="020B0503020204020204" pitchFamily="34" charset="-122"/>
+              </a:rPr>
+              <a:t>Provides safety, benefits, and advances for large purchases</a:t>
+            </a:r>
+          </a:p>
+          <a:p>
+            <a:pPr marL="800100" lvl="1" indent="-342900">
+              <a:lnSpc>
+                <a:spcPct val="125000"/>
+              </a:lnSpc>
+              <a:buFont typeface="Arial" panose="020B0604020202020204" pitchFamily="34" charset="0"/>
+              <a:buChar char="•"/>
+            </a:pPr>
+            <a:endParaRPr lang="en-CA" altLang="zh-CN" sz="2000" dirty="0">
               <a:solidFill>
                 <a:schemeClr val="tx1">
                   <a:lumMod val="65000"/>
@@ -12288,6 +12114,91 @@
               <a:latin typeface="微软雅黑" panose="020B0503020204020204" pitchFamily="34" charset="-122"/>
               <a:ea typeface="微软雅黑" panose="020B0503020204020204" pitchFamily="34" charset="-122"/>
             </a:endParaRPr>
+          </a:p>
+          <a:p>
+            <a:pPr marL="342900" indent="-342900">
+              <a:lnSpc>
+                <a:spcPct val="125000"/>
+              </a:lnSpc>
+              <a:buFont typeface="Arial" panose="020B0604020202020204" pitchFamily="34" charset="0"/>
+              <a:buChar char="•"/>
+            </a:pPr>
+            <a:r>
+              <a:rPr lang="en-CA" altLang="zh-CN" sz="2000" dirty="0">
+                <a:solidFill>
+                  <a:schemeClr val="tx1">
+                    <a:lumMod val="65000"/>
+                    <a:lumOff val="35000"/>
+                  </a:schemeClr>
+                </a:solidFill>
+                <a:latin typeface="微软雅黑" panose="020B0503020204020204" pitchFamily="34" charset="-122"/>
+                <a:ea typeface="微软雅黑" panose="020B0503020204020204" pitchFamily="34" charset="-122"/>
+              </a:rPr>
+              <a:t>Increase of credit card users</a:t>
+            </a:r>
+          </a:p>
+          <a:p>
+            <a:pPr marL="800100" lvl="1" indent="-342900">
+              <a:lnSpc>
+                <a:spcPct val="125000"/>
+              </a:lnSpc>
+              <a:buFont typeface="Arial" panose="020B0604020202020204" pitchFamily="34" charset="0"/>
+              <a:buChar char="•"/>
+            </a:pPr>
+            <a:r>
+              <a:rPr lang="en-CA" altLang="zh-CN" sz="2000" dirty="0">
+                <a:solidFill>
+                  <a:schemeClr val="tx1">
+                    <a:lumMod val="65000"/>
+                    <a:lumOff val="35000"/>
+                  </a:schemeClr>
+                </a:solidFill>
+                <a:latin typeface="微软雅黑" panose="020B0503020204020204" pitchFamily="34" charset="-122"/>
+                <a:ea typeface="微软雅黑" panose="020B0503020204020204" pitchFamily="34" charset="-122"/>
+              </a:rPr>
+              <a:t>Risk control associated</a:t>
+            </a:r>
+          </a:p>
+          <a:p>
+            <a:pPr marL="800100" lvl="1" indent="-342900">
+              <a:lnSpc>
+                <a:spcPct val="125000"/>
+              </a:lnSpc>
+              <a:buFont typeface="Arial" panose="020B0604020202020204" pitchFamily="34" charset="0"/>
+              <a:buChar char="•"/>
+            </a:pPr>
+            <a:endParaRPr lang="en-CA" altLang="zh-CN" sz="2000" dirty="0">
+              <a:solidFill>
+                <a:schemeClr val="tx1">
+                  <a:lumMod val="65000"/>
+                  <a:lumOff val="35000"/>
+                </a:schemeClr>
+              </a:solidFill>
+              <a:latin typeface="微软雅黑" panose="020B0503020204020204" pitchFamily="34" charset="-122"/>
+              <a:ea typeface="微软雅黑" panose="020B0503020204020204" pitchFamily="34" charset="-122"/>
+            </a:endParaRPr>
+          </a:p>
+          <a:p>
+            <a:pPr marL="342900" indent="-342900">
+              <a:lnSpc>
+                <a:spcPct val="125000"/>
+              </a:lnSpc>
+              <a:buFont typeface="Arial" panose="020B0604020202020204" pitchFamily="34" charset="0"/>
+              <a:buChar char="•"/>
+            </a:pPr>
+            <a:r>
+              <a:rPr lang="en-CA" altLang="zh-CN" sz="2000" dirty="0">
+                <a:solidFill>
+                  <a:schemeClr val="tx1">
+                    <a:lumMod val="65000"/>
+                    <a:lumOff val="35000"/>
+                  </a:schemeClr>
+                </a:solidFill>
+                <a:latin typeface="微软雅黑" panose="020B0503020204020204" pitchFamily="34" charset="-122"/>
+                <a:ea typeface="微软雅黑" panose="020B0503020204020204" pitchFamily="34" charset="-122"/>
+              </a:rPr>
+              <a:t>User consumption and repayment history has become one of the most effective ways to monitor credit card risks</a:t>
+            </a:r>
           </a:p>
         </p:txBody>
       </p:sp>
@@ -12633,13 +12544,13 @@
   <p:clrMapOvr>
     <a:masterClrMapping/>
   </p:clrMapOvr>
-  <mc:AlternateContent xmlns:mc="http://schemas.openxmlformats.org/markup-compatibility/2006">
-    <mc:Choice xmlns:p14="http://schemas.microsoft.com/office/powerpoint/2010/main" Requires="p14">
+  <mc:AlternateContent xmlns:mc="http://schemas.openxmlformats.org/markup-compatibility/2006" xmlns:p14="http://schemas.microsoft.com/office/powerpoint/2010/main">
+    <mc:Choice Requires="p14">
       <p:transition p14:dur="10">
         <p14:gallery dir="l"/>
       </p:transition>
     </mc:Choice>
-    <mc:Fallback>
+    <mc:Fallback xmlns="">
       <p:transition>
         <p:fade/>
       </p:transition>
@@ -12939,10 +12850,10 @@
       </p:par>
     </p:tnLst>
     <p:bldLst>
+      <p:bldP spid="11" grpId="0" animBg="1"/>
+      <p:bldP spid="11" grpId="1" animBg="1"/>
       <p:bldP spid="18" grpId="0"/>
       <p:bldP spid="18" grpId="1"/>
-      <p:bldP spid="11" grpId="0" animBg="1"/>
-      <p:bldP spid="11" grpId="1" animBg="1"/>
       <p:bldP spid="22" grpId="0" animBg="1"/>
       <p:bldP spid="22" grpId="1" animBg="1"/>
     </p:bldLst>
@@ -13123,7 +13034,7 @@
                 <a:ea typeface="微软雅黑" panose="020B0503020204020204" pitchFamily="34" charset="-122"/>
                 <a:sym typeface="+mn-ea"/>
               </a:rPr>
-              <a:t>Problem Mission</a:t>
+              <a:t>Product Mission</a:t>
             </a:r>
             <a:endParaRPr lang="zh-CN" altLang="en-US" sz="2400" dirty="0">
               <a:latin typeface="微软雅黑" panose="020B0503020204020204" pitchFamily="34" charset="-122"/>
@@ -13329,7 +13240,7 @@
         </p:nvSpPr>
         <p:spPr>
           <a:xfrm>
-            <a:off x="5781822" y="-14068"/>
+            <a:off x="5365303" y="-13717"/>
             <a:ext cx="436098" cy="707886"/>
           </a:xfrm>
           <a:prstGeom prst="rect">
@@ -13381,11 +13292,26 @@
           </a:bodyPr>
           <a:lstStyle/>
           <a:p>
-            <a:pPr fontAlgn="auto">
+            <a:pPr marL="285750" indent="-285750" fontAlgn="auto">
               <a:lnSpc>
                 <a:spcPct val="125000"/>
               </a:lnSpc>
+              <a:buFont typeface="Arial" panose="020B0604020202020204" pitchFamily="34" charset="0"/>
+              <a:buChar char="•"/>
             </a:pPr>
+            <a:r>
+              <a:rPr lang="en-CA" altLang="zh-CN" sz="1600" dirty="0">
+                <a:solidFill>
+                  <a:schemeClr val="tx1">
+                    <a:lumMod val="65000"/>
+                    <a:lumOff val="35000"/>
+                  </a:schemeClr>
+                </a:solidFill>
+                <a:latin typeface="微软雅黑" panose="020B0503020204020204" pitchFamily="34" charset="-122"/>
+                <a:ea typeface="微软雅黑" panose="020B0503020204020204" pitchFamily="34" charset="-122"/>
+              </a:rPr>
+              <a:t>T</a:t>
+            </a:r>
             <a:r>
               <a:rPr lang="zh-CN" altLang="en-US" sz="1600" dirty="0">
                 <a:solidFill>
@@ -13397,9 +13323,9 @@
                 <a:latin typeface="微软雅黑" panose="020B0503020204020204" pitchFamily="34" charset="-122"/>
                 <a:ea typeface="微软雅黑" panose="020B0503020204020204" pitchFamily="34" charset="-122"/>
               </a:rPr>
-              <a:t>Currently, the traditional method of credit card default prediction is to manually define the relevant rules and directly classify the data for prediction, which has the advantages of simplicity and strong interpretation. However, such methods have the following shortcomings: first, they require a large amount of expert domain knowledge, which is costly in terms of human resources and highly dependent on the correctness of domain knowledge, and highly subjective. Secondly, the generalization ability is weak, as the rules are domain-specific, and the rules between different domins are generally not applicable to each other.</a:t>
-            </a:r>
-            <a:endParaRPr lang="zh-CN" altLang="en-US" sz="1600" dirty="0">
+              <a:t>he traditional method of credit card default prediction is to manually define the relevant rules and directly classify the data for prediction, which has the advantages of simplicity and strong interpretation</a:t>
+            </a:r>
+            <a:endParaRPr lang="en-CA" altLang="zh-CN" sz="1600" dirty="0">
               <a:solidFill>
                 <a:schemeClr val="tx1">
                   <a:lumMod val="65000"/>
@@ -13409,6 +13335,112 @@
               <a:latin typeface="微软雅黑" panose="020B0503020204020204" pitchFamily="34" charset="-122"/>
               <a:ea typeface="微软雅黑" panose="020B0503020204020204" pitchFamily="34" charset="-122"/>
             </a:endParaRPr>
+          </a:p>
+          <a:p>
+            <a:pPr marL="742950" lvl="1" indent="-285750">
+              <a:lnSpc>
+                <a:spcPct val="125000"/>
+              </a:lnSpc>
+              <a:buFont typeface="Arial" panose="020B0604020202020204" pitchFamily="34" charset="0"/>
+              <a:buChar char="•"/>
+            </a:pPr>
+            <a:r>
+              <a:rPr lang="en-CA" altLang="zh-CN" sz="1600" dirty="0">
+                <a:solidFill>
+                  <a:schemeClr val="tx1">
+                    <a:lumMod val="65000"/>
+                    <a:lumOff val="35000"/>
+                  </a:schemeClr>
+                </a:solidFill>
+                <a:latin typeface="微软雅黑" panose="020B0503020204020204" pitchFamily="34" charset="-122"/>
+                <a:ea typeface="微软雅黑" panose="020B0503020204020204" pitchFamily="34" charset="-122"/>
+              </a:rPr>
+              <a:t>S</a:t>
+            </a:r>
+            <a:r>
+              <a:rPr lang="zh-CN" altLang="en-US" sz="1600" dirty="0">
+                <a:solidFill>
+                  <a:schemeClr val="tx1">
+                    <a:lumMod val="65000"/>
+                    <a:lumOff val="35000"/>
+                  </a:schemeClr>
+                </a:solidFill>
+                <a:latin typeface="微软雅黑" panose="020B0503020204020204" pitchFamily="34" charset="-122"/>
+                <a:ea typeface="微软雅黑" panose="020B0503020204020204" pitchFamily="34" charset="-122"/>
+              </a:rPr>
+              <a:t>hortcomings: require</a:t>
+            </a:r>
+            <a:r>
+              <a:rPr lang="en-CA" altLang="zh-CN" sz="1600" dirty="0">
+                <a:solidFill>
+                  <a:schemeClr val="tx1">
+                    <a:lumMod val="65000"/>
+                    <a:lumOff val="35000"/>
+                  </a:schemeClr>
+                </a:solidFill>
+                <a:latin typeface="微软雅黑" panose="020B0503020204020204" pitchFamily="34" charset="-122"/>
+                <a:ea typeface="微软雅黑" panose="020B0503020204020204" pitchFamily="34" charset="-122"/>
+              </a:rPr>
+              <a:t>s</a:t>
+            </a:r>
+            <a:r>
+              <a:rPr lang="zh-CN" altLang="en-US" sz="1600" dirty="0">
+                <a:solidFill>
+                  <a:schemeClr val="tx1">
+                    <a:lumMod val="65000"/>
+                    <a:lumOff val="35000"/>
+                  </a:schemeClr>
+                </a:solidFill>
+                <a:latin typeface="微软雅黑" panose="020B0503020204020204" pitchFamily="34" charset="-122"/>
+                <a:ea typeface="微软雅黑" panose="020B0503020204020204" pitchFamily="34" charset="-122"/>
+              </a:rPr>
+              <a:t> a large amount of expert domain knowledge, which is costly in terms of human resources and highly dependent on the correctness of domain knowledge, and highly subjective</a:t>
+            </a:r>
+            <a:endParaRPr lang="en-CA" altLang="zh-CN" sz="1600" dirty="0">
+              <a:solidFill>
+                <a:schemeClr val="tx1">
+                  <a:lumMod val="65000"/>
+                  <a:lumOff val="35000"/>
+                </a:schemeClr>
+              </a:solidFill>
+              <a:latin typeface="微软雅黑" panose="020B0503020204020204" pitchFamily="34" charset="-122"/>
+              <a:ea typeface="微软雅黑" panose="020B0503020204020204" pitchFamily="34" charset="-122"/>
+            </a:endParaRPr>
+          </a:p>
+          <a:p>
+            <a:pPr marL="742950" lvl="1" indent="-285750">
+              <a:lnSpc>
+                <a:spcPct val="125000"/>
+              </a:lnSpc>
+              <a:buFont typeface="Arial" panose="020B0604020202020204" pitchFamily="34" charset="0"/>
+              <a:buChar char="•"/>
+            </a:pPr>
+            <a:r>
+              <a:rPr lang="en-CA" altLang="zh-CN" sz="1600" dirty="0">
+                <a:solidFill>
+                  <a:schemeClr val="tx1">
+                    <a:lumMod val="65000"/>
+                    <a:lumOff val="35000"/>
+                  </a:schemeClr>
+                </a:solidFill>
+                <a:latin typeface="微软雅黑" panose="020B0503020204020204" pitchFamily="34" charset="-122"/>
+                <a:ea typeface="微软雅黑" panose="020B0503020204020204" pitchFamily="34" charset="-122"/>
+              </a:rPr>
+              <a:t>T</a:t>
+            </a:r>
+            <a:r>
+              <a:rPr lang="zh-CN" altLang="en-US" sz="1600" dirty="0">
+                <a:solidFill>
+                  <a:schemeClr val="tx1">
+                    <a:lumMod val="65000"/>
+                    <a:lumOff val="35000"/>
+                  </a:schemeClr>
+                </a:solidFill>
+                <a:latin typeface="微软雅黑" panose="020B0503020204020204" pitchFamily="34" charset="-122"/>
+                <a:ea typeface="微软雅黑" panose="020B0503020204020204" pitchFamily="34" charset="-122"/>
+              </a:rPr>
+              <a:t>he generalization ability is weak, as the rules are domain-specific, and the rules between different domins are generally not applicable to each other</a:t>
+            </a:r>
           </a:p>
         </p:txBody>
       </p:sp>
@@ -13758,7 +13790,7 @@
         <p:spPr>
           <a:xfrm>
             <a:off x="2398395" y="3767455"/>
-            <a:ext cx="9008745" cy="2245360"/>
+            <a:ext cx="9008745" cy="1295355"/>
           </a:xfrm>
           <a:prstGeom prst="rect">
             <a:avLst/>
@@ -13769,12 +13801,28 @@
           <a:bodyPr wrap="square" lIns="36000" rIns="36000" rtlCol="0">
             <a:spAutoFit/>
           </a:bodyPr>
-          <a:p>
-            <a:pPr fontAlgn="auto">
+          <a:lstStyle/>
+          <a:p>
+            <a:pPr marL="285750" indent="-285750" fontAlgn="auto">
               <a:lnSpc>
                 <a:spcPct val="125000"/>
               </a:lnSpc>
+              <a:buFont typeface="Arial" panose="020B0604020202020204" pitchFamily="34" charset="0"/>
+              <a:buChar char="•"/>
             </a:pPr>
+            <a:r>
+              <a:rPr lang="en-CA" altLang="zh-CN" sz="1600" dirty="0">
+                <a:solidFill>
+                  <a:schemeClr val="tx1">
+                    <a:lumMod val="65000"/>
+                    <a:lumOff val="35000"/>
+                  </a:schemeClr>
+                </a:solidFill>
+                <a:latin typeface="微软雅黑" panose="020B0503020204020204" pitchFamily="34" charset="-122"/>
+                <a:ea typeface="微软雅黑" panose="020B0503020204020204" pitchFamily="34" charset="-122"/>
+              </a:rPr>
+              <a:t>M</a:t>
+            </a:r>
             <a:r>
               <a:rPr lang="zh-CN" altLang="en-US" sz="1600" dirty="0">
                 <a:solidFill>
@@ -13786,7 +13834,33 @@
                 <a:latin typeface="微软雅黑" panose="020B0503020204020204" pitchFamily="34" charset="-122"/>
                 <a:ea typeface="微软雅黑" panose="020B0503020204020204" pitchFamily="34" charset="-122"/>
               </a:rPr>
-              <a:t>Therefore, the prediction can be combined with machine learning techniques to overcome the shortcomings of strong reliance on manual labour. </a:t>
+              <a:t>achine learning techniques </a:t>
+            </a:r>
+            <a:r>
+              <a:rPr lang="en-CA" altLang="zh-CN" sz="1600" dirty="0">
+                <a:solidFill>
+                  <a:schemeClr val="tx1">
+                    <a:lumMod val="65000"/>
+                    <a:lumOff val="35000"/>
+                  </a:schemeClr>
+                </a:solidFill>
+                <a:latin typeface="微软雅黑" panose="020B0503020204020204" pitchFamily="34" charset="-122"/>
+                <a:ea typeface="微软雅黑" panose="020B0503020204020204" pitchFamily="34" charset="-122"/>
+              </a:rPr>
+              <a:t>can be used</a:t>
+            </a:r>
+            <a:r>
+              <a:rPr lang="zh-CN" altLang="en-US" sz="1600" dirty="0">
+                <a:solidFill>
+                  <a:schemeClr val="tx1">
+                    <a:lumMod val="65000"/>
+                    <a:lumOff val="35000"/>
+                  </a:schemeClr>
+                </a:solidFill>
+                <a:latin typeface="微软雅黑" panose="020B0503020204020204" pitchFamily="34" charset="-122"/>
+                <a:ea typeface="微软雅黑" panose="020B0503020204020204" pitchFamily="34" charset="-122"/>
+              </a:rPr>
+              <a:t> to overcome the shortcomings of strong reliance on manual labour. </a:t>
             </a:r>
             <a:r>
               <a:rPr lang="zh-CN" altLang="en-US" sz="1600" b="1" dirty="0">
@@ -13799,10 +13873,10 @@
                 <a:latin typeface="微软雅黑" panose="020B0503020204020204" pitchFamily="34" charset="-122"/>
                 <a:ea typeface="微软雅黑" panose="020B0503020204020204" pitchFamily="34" charset="-122"/>
               </a:rPr>
-              <a:t>In this project, the basic idea of machine learning-based default prediction is to adjust the parameters using different models in machine learning to improve the model's prediction effect and generalization ability. </a:t>
-            </a:r>
-            <a:r>
-              <a:rPr lang="zh-CN" altLang="en-US" sz="1600" dirty="0">
+              <a:t>In this project, the basic idea of machine learning-based default prediction is to adjust the parameters using different models in machine learning to improve the model's prediction effect and generalization ability</a:t>
+            </a:r>
+            <a:r>
+              <a:rPr lang="en-CA" altLang="zh-CN" sz="1600" b="1" dirty="0">
                 <a:solidFill>
                   <a:schemeClr val="tx1">
                     <a:lumMod val="65000"/>
@@ -13812,7 +13886,7 @@
                 <a:latin typeface="微软雅黑" panose="020B0503020204020204" pitchFamily="34" charset="-122"/>
                 <a:ea typeface="微软雅黑" panose="020B0503020204020204" pitchFamily="34" charset="-122"/>
               </a:rPr>
-              <a:t>The prediction is a classification task. It uses various data related to a user's credit card history as data set features, such as spending amount and repayment amount in different months, to predict whether a user will default in a future period. </a:t>
+              <a:t>.</a:t>
             </a:r>
             <a:endParaRPr lang="zh-CN" altLang="en-US" sz="1600" dirty="0">
               <a:solidFill>
@@ -13870,6 +13944,7 @@
           <a:bodyPr rot="0" spcFirstLastPara="0" vertOverflow="overflow" horzOverflow="overflow" vert="horz" wrap="square" lIns="91440" tIns="45720" rIns="91440" bIns="45720" numCol="1" spcCol="0" rtlCol="0" fromWordArt="0" anchor="ctr" anchorCtr="0" forceAA="0" compatLnSpc="1">
             <a:noAutofit/>
           </a:bodyPr>
+          <a:lstStyle/>
           <a:p>
             <a:pPr algn="ctr"/>
             <a:endParaRPr lang="en-US" sz="2800" dirty="0">
@@ -14212,6 +14287,7 @@
         </p:spPr>
         <p:txBody>
           <a:bodyPr vert="horz" wrap="square" lIns="91440" tIns="45720" rIns="91440" bIns="45720" numCol="1" anchor="t" anchorCtr="0" compatLnSpc="1"/>
+          <a:lstStyle/>
           <a:p>
             <a:endParaRPr lang="zh-CN" altLang="en-US"/>
           </a:p>
@@ -14222,13 +14298,13 @@
   <p:clrMapOvr>
     <a:masterClrMapping/>
   </p:clrMapOvr>
-  <mc:AlternateContent xmlns:mc="http://schemas.openxmlformats.org/markup-compatibility/2006">
-    <mc:Choice xmlns:p14="http://schemas.microsoft.com/office/powerpoint/2010/main" Requires="p14">
+  <mc:AlternateContent xmlns:mc="http://schemas.openxmlformats.org/markup-compatibility/2006" xmlns:p14="http://schemas.microsoft.com/office/powerpoint/2010/main">
+    <mc:Choice Requires="p14">
       <p:transition p14:dur="10">
         <p14:gallery dir="l"/>
       </p:transition>
     </mc:Choice>
-    <mc:Fallback>
+    <mc:Fallback xmlns="">
       <p:transition>
         <p:fade/>
       </p:transition>
@@ -14771,16 +14847,16 @@
       </p:par>
     </p:tnLst>
     <p:bldLst>
+      <p:bldP spid="11" grpId="0" animBg="1"/>
+      <p:bldP spid="11" grpId="1" animBg="1"/>
       <p:bldP spid="18" grpId="0"/>
       <p:bldP spid="18" grpId="1"/>
+      <p:bldP spid="22" grpId="0" animBg="1"/>
+      <p:bldP spid="22" grpId="1" animBg="1"/>
       <p:bldP spid="2" grpId="0"/>
       <p:bldP spid="2" grpId="1"/>
-      <p:bldP spid="11" grpId="0" animBg="1"/>
-      <p:bldP spid="11" grpId="1" animBg="1"/>
       <p:bldP spid="4" grpId="0" animBg="1"/>
       <p:bldP spid="4" grpId="1" animBg="1"/>
-      <p:bldP spid="22" grpId="0" animBg="1"/>
-      <p:bldP spid="22" grpId="1" animBg="1"/>
       <p:bldP spid="6" grpId="0" animBg="1"/>
       <p:bldP spid="6" grpId="1" animBg="1"/>
     </p:bldLst>
@@ -14957,13 +15033,6 @@
               </a:rPr>
               <a:t>User stories</a:t>
             </a:r>
-            <a:endParaRPr lang="en-US" altLang="zh-CN" sz="4800" dirty="0">
-              <a:solidFill>
-                <a:srgbClr val="8E8B82"/>
-              </a:solidFill>
-              <a:latin typeface="微软雅黑" panose="020B0503020204020204" pitchFamily="34" charset="-122"/>
-              <a:ea typeface="微软雅黑" panose="020B0503020204020204" pitchFamily="34" charset="-122"/>
-            </a:endParaRPr>
           </a:p>
         </p:txBody>
       </p:sp>
@@ -15014,13 +15083,13 @@
   <p:clrMapOvr>
     <a:masterClrMapping/>
   </p:clrMapOvr>
-  <mc:AlternateContent xmlns:mc="http://schemas.openxmlformats.org/markup-compatibility/2006">
-    <mc:Choice xmlns:p14="http://schemas.microsoft.com/office/powerpoint/2010/main" Requires="p14">
+  <mc:AlternateContent xmlns:mc="http://schemas.openxmlformats.org/markup-compatibility/2006" xmlns:p14="http://schemas.microsoft.com/office/powerpoint/2010/main">
+    <mc:Choice Requires="p14">
       <p:transition p14:dur="10">
         <p14:gallery dir="l"/>
       </p:transition>
     </mc:Choice>
-    <mc:Fallback>
+    <mc:Fallback xmlns="">
       <p:transition>
         <p:fade/>
       </p:transition>
@@ -15653,7 +15722,7 @@
         </p:nvSpPr>
         <p:spPr>
           <a:xfrm>
-            <a:off x="5781822" y="-14068"/>
+            <a:off x="5387927" y="-1153"/>
             <a:ext cx="436098" cy="706755"/>
           </a:xfrm>
           <a:prstGeom prst="rect">
@@ -15675,11 +15744,6 @@
               </a:rPr>
               <a:t>2</a:t>
             </a:r>
-            <a:endParaRPr lang="en-US" altLang="zh-CN" sz="4000" b="1" dirty="0">
-              <a:solidFill>
-                <a:srgbClr val="8E8B82"/>
-              </a:solidFill>
-            </a:endParaRPr>
           </a:p>
         </p:txBody>
       </p:sp>
@@ -15692,7 +15756,7 @@
         <p:spPr>
           <a:xfrm>
             <a:off x="2886075" y="1164590"/>
-            <a:ext cx="8070850" cy="1983740"/>
+            <a:ext cx="8070850" cy="1341521"/>
           </a:xfrm>
           <a:prstGeom prst="rect">
             <a:avLst/>
@@ -15721,9 +15785,9 @@
                 <a:latin typeface="微软雅黑" panose="020B0503020204020204" pitchFamily="34" charset="-122"/>
                 <a:ea typeface="微软雅黑" panose="020B0503020204020204" pitchFamily="34" charset="-122"/>
               </a:rPr>
-              <a:t> Users</a:t>
-            </a:r>
-            <a:endParaRPr lang="zh-CN" altLang="en-US" sz="2000" b="1" dirty="0">
+              <a:t>Users</a:t>
+            </a:r>
+            <a:endParaRPr lang="en-CA" altLang="zh-CN" sz="2000" b="1" dirty="0">
               <a:solidFill>
                 <a:schemeClr val="tx1">
                   <a:lumMod val="65000"/>
@@ -15740,7 +15804,7 @@
                 <a:spcPct val="150000"/>
               </a:lnSpc>
             </a:pPr>
-            <a:endParaRPr lang="zh-CN" altLang="en-US" sz="1400" b="1" dirty="0">
+            <a:endParaRPr lang="en-CA" altLang="zh-CN" sz="2000" b="1" dirty="0">
               <a:solidFill>
                 <a:schemeClr val="tx1">
                   <a:lumMod val="65000"/>
@@ -15758,7 +15822,7 @@
               </a:lnSpc>
             </a:pPr>
             <a:r>
-              <a:rPr lang="en-US" altLang="zh-CN" sz="1600" b="1" dirty="0">
+              <a:rPr lang="en-CA" altLang="zh-CN" sz="1600" b="1" dirty="0">
                 <a:solidFill>
                   <a:schemeClr val="tx1">
                     <a:lumMod val="65000"/>
@@ -15768,106 +15832,7 @@
                 <a:latin typeface="微软雅黑" panose="020B0503020204020204" pitchFamily="34" charset="-122"/>
                 <a:ea typeface="微软雅黑" panose="020B0503020204020204" pitchFamily="34" charset="-122"/>
               </a:rPr>
-              <a:t>    </a:t>
-            </a:r>
-            <a:r>
-              <a:rPr lang="zh-CN" altLang="en-US" sz="1600" b="1" dirty="0">
-                <a:solidFill>
-                  <a:schemeClr val="tx1">
-                    <a:lumMod val="65000"/>
-                    <a:lumOff val="35000"/>
-                  </a:schemeClr>
-                </a:solidFill>
-                <a:latin typeface="微软雅黑" panose="020B0503020204020204" pitchFamily="34" charset="-122"/>
-                <a:ea typeface="微软雅黑" panose="020B0503020204020204" pitchFamily="34" charset="-122"/>
-              </a:rPr>
-              <a:t>- Banks</a:t>
-            </a:r>
-            <a:endParaRPr lang="zh-CN" altLang="en-US" sz="1600" b="1" dirty="0">
-              <a:solidFill>
-                <a:schemeClr val="tx1">
-                  <a:lumMod val="65000"/>
-                  <a:lumOff val="35000"/>
-                </a:schemeClr>
-              </a:solidFill>
-              <a:latin typeface="微软雅黑" panose="020B0503020204020204" pitchFamily="34" charset="-122"/>
-              <a:ea typeface="微软雅黑" panose="020B0503020204020204" pitchFamily="34" charset="-122"/>
-            </a:endParaRPr>
-          </a:p>
-          <a:p>
-            <a:pPr fontAlgn="auto">
-              <a:lnSpc>
-                <a:spcPct val="150000"/>
-              </a:lnSpc>
-            </a:pPr>
-            <a:r>
-              <a:rPr lang="en-US" altLang="zh-CN" sz="1600" b="1" dirty="0">
-                <a:solidFill>
-                  <a:schemeClr val="tx1">
-                    <a:lumMod val="65000"/>
-                    <a:lumOff val="35000"/>
-                  </a:schemeClr>
-                </a:solidFill>
-                <a:latin typeface="微软雅黑" panose="020B0503020204020204" pitchFamily="34" charset="-122"/>
-                <a:ea typeface="微软雅黑" panose="020B0503020204020204" pitchFamily="34" charset="-122"/>
-              </a:rPr>
-              <a:t>    </a:t>
-            </a:r>
-            <a:r>
-              <a:rPr lang="zh-CN" altLang="en-US" sz="1600" b="1" dirty="0">
-                <a:solidFill>
-                  <a:schemeClr val="tx1">
-                    <a:lumMod val="65000"/>
-                    <a:lumOff val="35000"/>
-                  </a:schemeClr>
-                </a:solidFill>
-                <a:latin typeface="微软雅黑" panose="020B0503020204020204" pitchFamily="34" charset="-122"/>
-                <a:ea typeface="微软雅黑" panose="020B0503020204020204" pitchFamily="34" charset="-122"/>
-              </a:rPr>
-              <a:t>- (Insurance company)</a:t>
-            </a:r>
-            <a:endParaRPr lang="zh-CN" altLang="en-US" sz="1600" b="1" dirty="0">
-              <a:solidFill>
-                <a:schemeClr val="tx1">
-                  <a:lumMod val="65000"/>
-                  <a:lumOff val="35000"/>
-                </a:schemeClr>
-              </a:solidFill>
-              <a:latin typeface="微软雅黑" panose="020B0503020204020204" pitchFamily="34" charset="-122"/>
-              <a:ea typeface="微软雅黑" panose="020B0503020204020204" pitchFamily="34" charset="-122"/>
-            </a:endParaRPr>
-          </a:p>
-          <a:p>
-            <a:pPr fontAlgn="auto">
-              <a:lnSpc>
-                <a:spcPct val="150000"/>
-              </a:lnSpc>
-            </a:pPr>
-            <a:r>
-              <a:rPr lang="en-US" altLang="zh-CN" sz="1600" b="1" dirty="0">
-                <a:solidFill>
-                  <a:schemeClr val="tx1">
-                    <a:lumMod val="65000"/>
-                    <a:lumOff val="35000"/>
-                  </a:schemeClr>
-                </a:solidFill>
-                <a:latin typeface="微软雅黑" panose="020B0503020204020204" pitchFamily="34" charset="-122"/>
-                <a:ea typeface="微软雅黑" panose="020B0503020204020204" pitchFamily="34" charset="-122"/>
-              </a:rPr>
-              <a:t>    </a:t>
-            </a:r>
-            <a:r>
-              <a:rPr lang="zh-CN" altLang="en-US" sz="1600" b="1" dirty="0">
-                <a:solidFill>
-                  <a:schemeClr val="tx1">
-                    <a:lumMod val="65000"/>
-                    <a:lumOff val="35000"/>
-                  </a:schemeClr>
-                </a:solidFill>
-                <a:latin typeface="微软雅黑" panose="020B0503020204020204" pitchFamily="34" charset="-122"/>
-                <a:ea typeface="微软雅黑" panose="020B0503020204020204" pitchFamily="34" charset="-122"/>
-              </a:rPr>
-              <a:t>- Credit cards users</a:t>
+              <a:t>Credit card service company, i.e., American Express</a:t>
             </a:r>
             <a:endParaRPr lang="zh-CN" altLang="en-US" sz="1600" b="1" dirty="0">
               <a:solidFill>
@@ -15925,6 +15890,7 @@
           <a:bodyPr rot="0" spcFirstLastPara="0" vertOverflow="overflow" horzOverflow="overflow" vert="horz" wrap="square" lIns="91440" tIns="45720" rIns="91440" bIns="45720" numCol="1" spcCol="0" rtlCol="0" fromWordArt="0" anchor="ctr" anchorCtr="0" forceAA="0" compatLnSpc="1">
             <a:noAutofit/>
           </a:bodyPr>
+          <a:lstStyle/>
           <a:p>
             <a:pPr algn="ctr"/>
             <a:endParaRPr lang="en-US" sz="2800" dirty="0">
@@ -15945,7 +15911,7 @@
         <p:spPr>
           <a:xfrm>
             <a:off x="2886710" y="3570605"/>
-            <a:ext cx="8531225" cy="2030095"/>
+            <a:ext cx="8531225" cy="1987852"/>
           </a:xfrm>
           <a:prstGeom prst="rect">
             <a:avLst/>
@@ -15956,6 +15922,7 @@
           <a:bodyPr wrap="square" lIns="36000" rIns="36000" rtlCol="0">
             <a:spAutoFit/>
           </a:bodyPr>
+          <a:lstStyle/>
           <a:p>
             <a:pPr fontAlgn="auto">
               <a:lnSpc>
@@ -15975,16 +15942,6 @@
               </a:rPr>
               <a:t>User Stories</a:t>
             </a:r>
-            <a:endParaRPr lang="zh-CN" altLang="en-US" sz="2000" b="1" dirty="0">
-              <a:solidFill>
-                <a:schemeClr val="tx1">
-                  <a:lumMod val="65000"/>
-                  <a:lumOff val="35000"/>
-                </a:schemeClr>
-              </a:solidFill>
-              <a:latin typeface="微软雅黑" panose="020B0503020204020204" pitchFamily="34" charset="-122"/>
-              <a:ea typeface="微软雅黑" panose="020B0503020204020204" pitchFamily="34" charset="-122"/>
-            </a:endParaRPr>
           </a:p>
           <a:p>
             <a:pPr fontAlgn="auto">
@@ -16033,27 +15990,10 @@
                 <a:latin typeface="微软雅黑" panose="020B0503020204020204" pitchFamily="34" charset="-122"/>
                 <a:ea typeface="微软雅黑" panose="020B0503020204020204" pitchFamily="34" charset="-122"/>
               </a:rPr>
-              <a:t>- I, as a bank staff, want to analyze the characteristics of credit card default users and get accurate prediction of the default</a:t>
-            </a:r>
-            <a:endParaRPr lang="zh-CN" altLang="en-US" sz="1600" b="1" dirty="0">
-              <a:solidFill>
-                <a:schemeClr val="tx1">
-                  <a:lumMod val="65000"/>
-                  <a:lumOff val="35000"/>
-                </a:schemeClr>
-              </a:solidFill>
-              <a:latin typeface="微软雅黑" panose="020B0503020204020204" pitchFamily="34" charset="-122"/>
-              <a:ea typeface="微软雅黑" panose="020B0503020204020204" pitchFamily="34" charset="-122"/>
-            </a:endParaRPr>
-          </a:p>
-          <a:p>
-            <a:pPr fontAlgn="auto">
-              <a:lnSpc>
-                <a:spcPct val="150000"/>
-              </a:lnSpc>
-            </a:pPr>
-            <a:r>
-              <a:rPr lang="en-US" altLang="zh-CN" sz="1600" b="1" dirty="0">
+              <a:t>- I, as a </a:t>
+            </a:r>
+            <a:r>
+              <a:rPr lang="en-CA" altLang="zh-CN" sz="1600" b="1" dirty="0">
                 <a:solidFill>
                   <a:schemeClr val="tx1">
                     <a:lumMod val="65000"/>
@@ -16063,7 +16003,7 @@
                 <a:latin typeface="微软雅黑" panose="020B0503020204020204" pitchFamily="34" charset="-122"/>
                 <a:ea typeface="微软雅黑" panose="020B0503020204020204" pitchFamily="34" charset="-122"/>
               </a:rPr>
-              <a:t>    </a:t>
+              <a:t>risk analyst at American Express</a:t>
             </a:r>
             <a:r>
               <a:rPr lang="zh-CN" altLang="en-US" sz="1600" b="1" dirty="0">
@@ -16076,7 +16016,33 @@
                 <a:latin typeface="微软雅黑" panose="020B0503020204020204" pitchFamily="34" charset="-122"/>
                 <a:ea typeface="微软雅黑" panose="020B0503020204020204" pitchFamily="34" charset="-122"/>
               </a:rPr>
-              <a:t>- I, as the credit cards user, want to... </a:t>
+              <a:t>, want to analyze the characteristics of credit card default users and get accurate prediction of </a:t>
+            </a:r>
+            <a:r>
+              <a:rPr lang="en-CA" altLang="zh-CN" sz="1600" b="1" dirty="0">
+                <a:solidFill>
+                  <a:schemeClr val="tx1">
+                    <a:lumMod val="65000"/>
+                    <a:lumOff val="35000"/>
+                  </a:schemeClr>
+                </a:solidFill>
+                <a:latin typeface="微软雅黑" panose="020B0503020204020204" pitchFamily="34" charset="-122"/>
+                <a:ea typeface="微软雅黑" panose="020B0503020204020204" pitchFamily="34" charset="-122"/>
+              </a:rPr>
+              <a:t>whether a credit card user </a:t>
+            </a:r>
+            <a:r>
+              <a:rPr lang="en-CA" altLang="zh-CN" sz="1600" b="1">
+                <a:solidFill>
+                  <a:schemeClr val="tx1">
+                    <a:lumMod val="65000"/>
+                    <a:lumOff val="35000"/>
+                  </a:schemeClr>
+                </a:solidFill>
+                <a:latin typeface="微软雅黑" panose="020B0503020204020204" pitchFamily="34" charset="-122"/>
+                <a:ea typeface="微软雅黑" panose="020B0503020204020204" pitchFamily="34" charset="-122"/>
+              </a:rPr>
+              <a:t>will default.</a:t>
             </a:r>
             <a:endParaRPr lang="zh-CN" altLang="en-US" sz="1600" b="1" dirty="0">
               <a:solidFill>
@@ -16134,6 +16100,7 @@
           <a:bodyPr rot="0" spcFirstLastPara="0" vertOverflow="overflow" horzOverflow="overflow" vert="horz" wrap="square" lIns="91440" tIns="45720" rIns="91440" bIns="45720" numCol="1" spcCol="0" rtlCol="0" fromWordArt="0" anchor="ctr" anchorCtr="0" forceAA="0" compatLnSpc="1">
             <a:noAutofit/>
           </a:bodyPr>
+          <a:lstStyle/>
           <a:p>
             <a:pPr algn="ctr"/>
             <a:endParaRPr lang="en-US" sz="2800" dirty="0">
@@ -16270,13 +16237,13 @@
   <p:clrMapOvr>
     <a:masterClrMapping/>
   </p:clrMapOvr>
-  <mc:AlternateContent xmlns:mc="http://schemas.openxmlformats.org/markup-compatibility/2006">
-    <mc:Choice xmlns:p14="http://schemas.microsoft.com/office/powerpoint/2010/main" Requires="p14">
+  <mc:AlternateContent xmlns:mc="http://schemas.openxmlformats.org/markup-compatibility/2006" xmlns:p14="http://schemas.microsoft.com/office/powerpoint/2010/main">
+    <mc:Choice Requires="p14">
       <p:transition p14:dur="10">
         <p14:gallery dir="l"/>
       </p:transition>
     </mc:Choice>
-    <mc:Fallback>
+    <mc:Fallback xmlns="">
       <p:transition>
         <p:fade/>
       </p:transition>
@@ -16742,10 +16709,10 @@
       <p:bldP spid="18" grpId="1"/>
       <p:bldP spid="3" grpId="0" animBg="1"/>
       <p:bldP spid="3" grpId="1" animBg="1"/>
+      <p:bldP spid="2" grpId="0"/>
+      <p:bldP spid="2" grpId="1"/>
       <p:bldP spid="4" grpId="0" animBg="1"/>
       <p:bldP spid="4" grpId="1" animBg="1"/>
-      <p:bldP spid="2" grpId="0"/>
-      <p:bldP spid="2" grpId="1"/>
     </p:bldLst>
   </p:timing>
 </p:sld>
@@ -17075,7 +17042,7 @@
         </p:nvSpPr>
         <p:spPr>
           <a:xfrm>
-            <a:off x="5781822" y="-14068"/>
+            <a:off x="5230322" y="-18098"/>
             <a:ext cx="436098" cy="706755"/>
           </a:xfrm>
           <a:prstGeom prst="rect">
@@ -17097,11 +17064,6 @@
               </a:rPr>
               <a:t>2</a:t>
             </a:r>
-            <a:endParaRPr lang="en-US" altLang="zh-CN" sz="4000" b="1" dirty="0">
-              <a:solidFill>
-                <a:srgbClr val="8E8B82"/>
-              </a:solidFill>
-            </a:endParaRPr>
           </a:p>
         </p:txBody>
       </p:sp>
@@ -17114,7 +17076,7 @@
         <p:spPr>
           <a:xfrm>
             <a:off x="2909570" y="1167765"/>
-            <a:ext cx="8070850" cy="4246245"/>
+            <a:ext cx="8070850" cy="3834511"/>
           </a:xfrm>
           <a:prstGeom prst="rect">
             <a:avLst/>
@@ -17145,16 +17107,6 @@
               </a:rPr>
               <a:t> MVP and MVP user stories</a:t>
             </a:r>
-            <a:endParaRPr lang="zh-CN" altLang="en-US" sz="2000" b="1" dirty="0">
-              <a:solidFill>
-                <a:schemeClr val="tx1">
-                  <a:lumMod val="65000"/>
-                  <a:lumOff val="35000"/>
-                </a:schemeClr>
-              </a:solidFill>
-              <a:latin typeface="微软雅黑" panose="020B0503020204020204" pitchFamily="34" charset="-122"/>
-              <a:ea typeface="微软雅黑" panose="020B0503020204020204" pitchFamily="34" charset="-122"/>
-            </a:endParaRPr>
           </a:p>
           <a:p>
             <a:pPr fontAlgn="auto">
@@ -17192,16 +17144,6 @@
               </a:rPr>
               <a:t>    - Machine learning is used for credit default prediction. The machine learning model adds time-series behavioral data and anonymous customer profile information to improve the accuracy of credit default prediction.</a:t>
             </a:r>
-            <a:endParaRPr lang="en-US" altLang="zh-CN" sz="1600" b="1" dirty="0">
-              <a:solidFill>
-                <a:schemeClr val="tx1">
-                  <a:lumMod val="65000"/>
-                  <a:lumOff val="35000"/>
-                </a:schemeClr>
-              </a:solidFill>
-              <a:latin typeface="微软雅黑" panose="020B0503020204020204" pitchFamily="34" charset="-122"/>
-              <a:ea typeface="微软雅黑" panose="020B0503020204020204" pitchFamily="34" charset="-122"/>
-            </a:endParaRPr>
           </a:p>
           <a:p>
             <a:pPr fontAlgn="auto">
@@ -17237,50 +17179,7 @@
                 <a:latin typeface="微软雅黑" panose="020B0503020204020204" pitchFamily="34" charset="-122"/>
                 <a:ea typeface="微软雅黑" panose="020B0503020204020204" pitchFamily="34" charset="-122"/>
               </a:rPr>
-              <a:t>    - I am a data analyst in a bank. When evaluating the credit rating of an account, I need to calculate the maximum loan repayment ability based on the consumption records of various dimensions of the account, so as to reduce the situation of being unable to repay the debt. </a:t>
-            </a:r>
-            <a:r>
-              <a:rPr lang="zh-CN" altLang="en-US" sz="1600" b="1" dirty="0">
-                <a:solidFill>
-                  <a:schemeClr val="tx1">
-                    <a:lumMod val="65000"/>
-                    <a:lumOff val="35000"/>
-                  </a:schemeClr>
-                </a:solidFill>
-                <a:latin typeface="微软雅黑" panose="020B0503020204020204" pitchFamily="34" charset="-122"/>
-                <a:ea typeface="微软雅黑" panose="020B0503020204020204" pitchFamily="34" charset="-122"/>
-              </a:rPr>
-              <a:t>- Banks</a:t>
-            </a:r>
-            <a:endParaRPr lang="zh-CN" altLang="en-US" sz="1600" b="1" dirty="0">
-              <a:solidFill>
-                <a:schemeClr val="tx1">
-                  <a:lumMod val="65000"/>
-                  <a:lumOff val="35000"/>
-                </a:schemeClr>
-              </a:solidFill>
-              <a:latin typeface="微软雅黑" panose="020B0503020204020204" pitchFamily="34" charset="-122"/>
-              <a:ea typeface="微软雅黑" panose="020B0503020204020204" pitchFamily="34" charset="-122"/>
-            </a:endParaRPr>
-          </a:p>
-          <a:p>
-            <a:pPr fontAlgn="auto">
-              <a:lnSpc>
-                <a:spcPct val="150000"/>
-              </a:lnSpc>
-            </a:pPr>
-            <a:r>
-              <a:rPr lang="en-US" altLang="zh-CN" sz="1600" b="1" dirty="0">
-                <a:solidFill>
-                  <a:schemeClr val="tx1">
-                    <a:lumMod val="65000"/>
-                    <a:lumOff val="35000"/>
-                  </a:schemeClr>
-                </a:solidFill>
-                <a:latin typeface="微软雅黑" panose="020B0503020204020204" pitchFamily="34" charset="-122"/>
-                <a:ea typeface="微软雅黑" panose="020B0503020204020204" pitchFamily="34" charset="-122"/>
-              </a:rPr>
-              <a:t> </a:t>
+              <a:t>    - I am a data analyst at a credit card company. When evaluating the credit rating of an account, I need to calculate the maximum loan repayment ability based on the consumption records of various dimensions of the account to reduce the situation of being unable to repay the debt. </a:t>
             </a:r>
             <a:endParaRPr lang="zh-CN" altLang="en-US" sz="1600" b="1" dirty="0">
               <a:solidFill>
@@ -17338,6 +17237,7 @@
           <a:bodyPr rot="0" spcFirstLastPara="0" vertOverflow="overflow" horzOverflow="overflow" vert="horz" wrap="square" lIns="91440" tIns="45720" rIns="91440" bIns="45720" numCol="1" spcCol="0" rtlCol="0" fromWordArt="0" anchor="ctr" anchorCtr="0" forceAA="0" compatLnSpc="1">
             <a:noAutofit/>
           </a:bodyPr>
+          <a:lstStyle/>
           <a:p>
             <a:pPr algn="ctr"/>
             <a:endParaRPr lang="en-US" sz="2800" dirty="0">
@@ -17392,6 +17292,7 @@
           <a:bodyPr rot="0" spcFirstLastPara="0" vertOverflow="overflow" horzOverflow="overflow" vert="horz" wrap="square" lIns="91440" tIns="45720" rIns="91440" bIns="45720" numCol="1" spcCol="0" rtlCol="0" fromWordArt="0" anchor="ctr" anchorCtr="0" forceAA="0" compatLnSpc="1">
             <a:noAutofit/>
           </a:bodyPr>
+          <a:lstStyle/>
           <a:p>
             <a:pPr algn="ctr"/>
             <a:endParaRPr lang="en-US" sz="2800" dirty="0">
@@ -17408,13 +17309,13 @@
   <p:clrMapOvr>
     <a:masterClrMapping/>
   </p:clrMapOvr>
-  <mc:AlternateContent xmlns:mc="http://schemas.openxmlformats.org/markup-compatibility/2006">
-    <mc:Choice xmlns:p14="http://schemas.microsoft.com/office/powerpoint/2010/main" Requires="p14">
+  <mc:AlternateContent xmlns:mc="http://schemas.openxmlformats.org/markup-compatibility/2006" xmlns:p14="http://schemas.microsoft.com/office/powerpoint/2010/main">
+    <mc:Choice Requires="p14">
       <p:transition p14:dur="10">
         <p14:gallery dir="l"/>
       </p:transition>
     </mc:Choice>
-    <mc:Fallback>
+    <mc:Fallback xmlns="">
       <p:transition>
         <p:fade/>
       </p:transition>
@@ -17894,13 +17795,6 @@
               </a:rPr>
               <a:t>Next Sprint Goal</a:t>
             </a:r>
-            <a:endParaRPr lang="en-US" altLang="zh-CN" sz="5400" dirty="0">
-              <a:solidFill>
-                <a:srgbClr val="8E8B82"/>
-              </a:solidFill>
-              <a:latin typeface="微软雅黑" panose="020B0503020204020204" pitchFamily="34" charset="-122"/>
-              <a:ea typeface="微软雅黑" panose="020B0503020204020204" pitchFamily="34" charset="-122"/>
-            </a:endParaRPr>
           </a:p>
         </p:txBody>
       </p:sp>
@@ -17951,13 +17845,13 @@
   <p:clrMapOvr>
     <a:masterClrMapping/>
   </p:clrMapOvr>
-  <mc:AlternateContent xmlns:mc="http://schemas.openxmlformats.org/markup-compatibility/2006">
-    <mc:Choice xmlns:p14="http://schemas.microsoft.com/office/powerpoint/2010/main" Requires="p14">
+  <mc:AlternateContent xmlns:mc="http://schemas.openxmlformats.org/markup-compatibility/2006" xmlns:p14="http://schemas.microsoft.com/office/powerpoint/2010/main">
+    <mc:Choice Requires="p14">
       <p:transition p14:dur="10">
         <p14:gallery dir="l"/>
       </p:transition>
     </mc:Choice>
-    <mc:Fallback>
+    <mc:Fallback xmlns="">
       <p:transition>
         <p:fade/>
       </p:transition>
@@ -18590,7 +18484,7 @@
         </p:nvSpPr>
         <p:spPr>
           <a:xfrm>
-            <a:off x="5781822" y="-14068"/>
+            <a:off x="5387927" y="-29817"/>
             <a:ext cx="436098" cy="706755"/>
           </a:xfrm>
           <a:prstGeom prst="rect">
@@ -18612,11 +18506,6 @@
               </a:rPr>
               <a:t>2</a:t>
             </a:r>
-            <a:endParaRPr lang="en-US" altLang="zh-CN" sz="4000" b="1" dirty="0">
-              <a:solidFill>
-                <a:srgbClr val="8E8B82"/>
-              </a:solidFill>
-            </a:endParaRPr>
           </a:p>
         </p:txBody>
       </p:sp>
@@ -18660,16 +18549,6 @@
               </a:rPr>
               <a:t>Technologies to evaluate and reason for choosing them</a:t>
             </a:r>
-            <a:endParaRPr lang="zh-CN" altLang="en-US" sz="2000" b="1" dirty="0">
-              <a:solidFill>
-                <a:schemeClr val="tx1">
-                  <a:lumMod val="65000"/>
-                  <a:lumOff val="35000"/>
-                </a:schemeClr>
-              </a:solidFill>
-              <a:latin typeface="微软雅黑" panose="020B0503020204020204" pitchFamily="34" charset="-122"/>
-              <a:ea typeface="微软雅黑" panose="020B0503020204020204" pitchFamily="34" charset="-122"/>
-            </a:endParaRPr>
           </a:p>
           <a:p>
             <a:pPr fontAlgn="auto">
@@ -18718,18 +18597,34 @@
                 <a:latin typeface="微软雅黑" panose="020B0503020204020204" pitchFamily="34" charset="-122"/>
                 <a:ea typeface="微软雅黑" panose="020B0503020204020204" pitchFamily="34" charset="-122"/>
               </a:rPr>
-              <a:t>- machine learning models, such as SVM, Decision Tree and Random Forest Classifier</a:t>
-            </a:r>
-            <a:endParaRPr lang="zh-CN" altLang="en-US" sz="1600" b="1" dirty="0">
-              <a:solidFill>
-                <a:schemeClr val="tx1">
-                  <a:lumMod val="65000"/>
-                  <a:lumOff val="35000"/>
-                </a:schemeClr>
-              </a:solidFill>
-              <a:latin typeface="微软雅黑" panose="020B0503020204020204" pitchFamily="34" charset="-122"/>
-              <a:ea typeface="微软雅黑" panose="020B0503020204020204" pitchFamily="34" charset="-122"/>
-            </a:endParaRPr>
+              <a:t>- </a:t>
+            </a:r>
+            <a:r>
+              <a:rPr lang="en-CA" altLang="zh-CN" sz="1600" b="1" dirty="0">
+                <a:solidFill>
+                  <a:schemeClr val="tx1">
+                    <a:lumMod val="65000"/>
+                    <a:lumOff val="35000"/>
+                  </a:schemeClr>
+                </a:solidFill>
+                <a:latin typeface="微软雅黑" panose="020B0503020204020204" pitchFamily="34" charset="-122"/>
+                <a:ea typeface="微软雅黑" panose="020B0503020204020204" pitchFamily="34" charset="-122"/>
+              </a:rPr>
+              <a:t>M</a:t>
+            </a:r>
+            <a:r>
+              <a:rPr lang="zh-CN" altLang="en-US" sz="1600" b="1" dirty="0">
+                <a:solidFill>
+                  <a:schemeClr val="tx1">
+                    <a:lumMod val="65000"/>
+                    <a:lumOff val="35000"/>
+                  </a:schemeClr>
+                </a:solidFill>
+                <a:latin typeface="微软雅黑" panose="020B0503020204020204" pitchFamily="34" charset="-122"/>
+                <a:ea typeface="微软雅黑" panose="020B0503020204020204" pitchFamily="34" charset="-122"/>
+              </a:rPr>
+              <a:t>achine learning models, such as SVM, Decision Tree and Random Forest Classifier</a:t>
+            </a:r>
           </a:p>
           <a:p>
             <a:pPr fontAlgn="auto">
@@ -18761,18 +18656,34 @@
                 <a:latin typeface="微软雅黑" panose="020B0503020204020204" pitchFamily="34" charset="-122"/>
                 <a:ea typeface="微软雅黑" panose="020B0503020204020204" pitchFamily="34" charset="-122"/>
               </a:rPr>
-              <a:t>- Open source projects: scikit, pytorch on github.</a:t>
-            </a:r>
-            <a:endParaRPr lang="zh-CN" altLang="en-US" sz="1600" b="1" dirty="0">
-              <a:solidFill>
-                <a:schemeClr val="tx1">
-                  <a:lumMod val="65000"/>
-                  <a:lumOff val="35000"/>
-                </a:schemeClr>
-              </a:solidFill>
-              <a:latin typeface="微软雅黑" panose="020B0503020204020204" pitchFamily="34" charset="-122"/>
-              <a:ea typeface="微软雅黑" panose="020B0503020204020204" pitchFamily="34" charset="-122"/>
-            </a:endParaRPr>
+              <a:t>- </a:t>
+            </a:r>
+            <a:r>
+              <a:rPr lang="en-CA" altLang="zh-CN" sz="1600" b="1" dirty="0">
+                <a:solidFill>
+                  <a:schemeClr val="tx1">
+                    <a:lumMod val="65000"/>
+                    <a:lumOff val="35000"/>
+                  </a:schemeClr>
+                </a:solidFill>
+                <a:latin typeface="微软雅黑" panose="020B0503020204020204" pitchFamily="34" charset="-122"/>
+                <a:ea typeface="微软雅黑" panose="020B0503020204020204" pitchFamily="34" charset="-122"/>
+              </a:rPr>
+              <a:t>Open-source</a:t>
+            </a:r>
+            <a:r>
+              <a:rPr lang="zh-CN" altLang="en-US" sz="1600" b="1" dirty="0">
+                <a:solidFill>
+                  <a:schemeClr val="tx1">
+                    <a:lumMod val="65000"/>
+                    <a:lumOff val="35000"/>
+                  </a:schemeClr>
+                </a:solidFill>
+                <a:latin typeface="微软雅黑" panose="020B0503020204020204" pitchFamily="34" charset="-122"/>
+                <a:ea typeface="微软雅黑" panose="020B0503020204020204" pitchFamily="34" charset="-122"/>
+              </a:rPr>
+              <a:t> projects: scikit, pytorch on github.</a:t>
+            </a:r>
           </a:p>
         </p:txBody>
       </p:sp>
@@ -18819,6 +18730,7 @@
           <a:bodyPr rot="0" spcFirstLastPara="0" vertOverflow="overflow" horzOverflow="overflow" vert="horz" wrap="square" lIns="91440" tIns="45720" rIns="91440" bIns="45720" numCol="1" spcCol="0" rtlCol="0" fromWordArt="0" anchor="ctr" anchorCtr="0" forceAA="0" compatLnSpc="1">
             <a:noAutofit/>
           </a:bodyPr>
+          <a:lstStyle/>
           <a:p>
             <a:pPr algn="ctr"/>
             <a:endParaRPr lang="en-US" sz="2800" dirty="0">
@@ -18850,6 +18762,7 @@
           <a:bodyPr wrap="square" lIns="36000" rIns="36000" rtlCol="0">
             <a:spAutoFit/>
           </a:bodyPr>
+          <a:lstStyle/>
           <a:p>
             <a:pPr fontAlgn="auto">
               <a:lnSpc>
@@ -18869,16 +18782,6 @@
               </a:rPr>
               <a:t>Setup of development environment</a:t>
             </a:r>
-            <a:endParaRPr lang="zh-CN" altLang="en-US" sz="2000" b="1" dirty="0">
-              <a:solidFill>
-                <a:schemeClr val="tx1">
-                  <a:lumMod val="65000"/>
-                  <a:lumOff val="35000"/>
-                </a:schemeClr>
-              </a:solidFill>
-              <a:latin typeface="微软雅黑" panose="020B0503020204020204" pitchFamily="34" charset="-122"/>
-              <a:ea typeface="微软雅黑" panose="020B0503020204020204" pitchFamily="34" charset="-122"/>
-            </a:endParaRPr>
           </a:p>
           <a:p>
             <a:pPr fontAlgn="auto">
@@ -18914,25 +18817,21 @@
                 <a:latin typeface="微软雅黑" panose="020B0503020204020204" pitchFamily="34" charset="-122"/>
                 <a:ea typeface="微软雅黑" panose="020B0503020204020204" pitchFamily="34" charset="-122"/>
               </a:rPr>
-              <a:t>- python, python libraries such as numpy, grphviz</a:t>
-            </a:r>
-            <a:endParaRPr lang="zh-CN" altLang="en-US" sz="1600" b="1" dirty="0">
-              <a:solidFill>
-                <a:schemeClr val="tx1">
-                  <a:lumMod val="65000"/>
-                  <a:lumOff val="35000"/>
-                </a:schemeClr>
-              </a:solidFill>
-              <a:latin typeface="微软雅黑" panose="020B0503020204020204" pitchFamily="34" charset="-122"/>
-              <a:ea typeface="微软雅黑" panose="020B0503020204020204" pitchFamily="34" charset="-122"/>
-            </a:endParaRPr>
-          </a:p>
-          <a:p>
-            <a:pPr fontAlgn="auto">
-              <a:lnSpc>
-                <a:spcPct val="150000"/>
-              </a:lnSpc>
-            </a:pPr>
+              <a:t>- </a:t>
+            </a:r>
+            <a:r>
+              <a:rPr lang="en-CA" altLang="zh-CN" sz="1600" b="1" dirty="0">
+                <a:solidFill>
+                  <a:schemeClr val="tx1">
+                    <a:lumMod val="65000"/>
+                    <a:lumOff val="35000"/>
+                  </a:schemeClr>
+                </a:solidFill>
+                <a:latin typeface="微软雅黑" panose="020B0503020204020204" pitchFamily="34" charset="-122"/>
+                <a:ea typeface="微软雅黑" panose="020B0503020204020204" pitchFamily="34" charset="-122"/>
+              </a:rPr>
+              <a:t>P</a:t>
+            </a:r>
             <a:r>
               <a:rPr lang="zh-CN" altLang="en-US" sz="1600" b="1" dirty="0">
                 <a:solidFill>
@@ -18944,18 +18843,132 @@
                 <a:latin typeface="微软雅黑" panose="020B0503020204020204" pitchFamily="34" charset="-122"/>
                 <a:ea typeface="微软雅黑" panose="020B0503020204020204" pitchFamily="34" charset="-122"/>
               </a:rPr>
-              <a:t>- download the dataset from kaggle</a:t>
-            </a:r>
-            <a:endParaRPr lang="zh-CN" altLang="en-US" sz="1600" b="1" dirty="0">
-              <a:solidFill>
-                <a:schemeClr val="tx1">
-                  <a:lumMod val="65000"/>
-                  <a:lumOff val="35000"/>
-                </a:schemeClr>
-              </a:solidFill>
-              <a:latin typeface="微软雅黑" panose="020B0503020204020204" pitchFamily="34" charset="-122"/>
-              <a:ea typeface="微软雅黑" panose="020B0503020204020204" pitchFamily="34" charset="-122"/>
-            </a:endParaRPr>
+              <a:t>ython, </a:t>
+            </a:r>
+            <a:r>
+              <a:rPr lang="en-CA" altLang="zh-CN" sz="1600" b="1" dirty="0">
+                <a:solidFill>
+                  <a:schemeClr val="tx1">
+                    <a:lumMod val="65000"/>
+                    <a:lumOff val="35000"/>
+                  </a:schemeClr>
+                </a:solidFill>
+                <a:latin typeface="微软雅黑" panose="020B0503020204020204" pitchFamily="34" charset="-122"/>
+                <a:ea typeface="微软雅黑" panose="020B0503020204020204" pitchFamily="34" charset="-122"/>
+              </a:rPr>
+              <a:t>P</a:t>
+            </a:r>
+            <a:r>
+              <a:rPr lang="zh-CN" altLang="en-US" sz="1600" b="1" dirty="0">
+                <a:solidFill>
+                  <a:schemeClr val="tx1">
+                    <a:lumMod val="65000"/>
+                    <a:lumOff val="35000"/>
+                  </a:schemeClr>
+                </a:solidFill>
+                <a:latin typeface="微软雅黑" panose="020B0503020204020204" pitchFamily="34" charset="-122"/>
+                <a:ea typeface="微软雅黑" panose="020B0503020204020204" pitchFamily="34" charset="-122"/>
+              </a:rPr>
+              <a:t>ython libraries such as </a:t>
+            </a:r>
+            <a:r>
+              <a:rPr lang="en-CA" altLang="zh-CN" sz="1600" b="1" dirty="0">
+                <a:solidFill>
+                  <a:schemeClr val="tx1">
+                    <a:lumMod val="65000"/>
+                    <a:lumOff val="35000"/>
+                  </a:schemeClr>
+                </a:solidFill>
+                <a:latin typeface="微软雅黑" panose="020B0503020204020204" pitchFamily="34" charset="-122"/>
+                <a:ea typeface="微软雅黑" panose="020B0503020204020204" pitchFamily="34" charset="-122"/>
+              </a:rPr>
+              <a:t>N</a:t>
+            </a:r>
+            <a:r>
+              <a:rPr lang="zh-CN" altLang="en-US" sz="1600" b="1" dirty="0">
+                <a:solidFill>
+                  <a:schemeClr val="tx1">
+                    <a:lumMod val="65000"/>
+                    <a:lumOff val="35000"/>
+                  </a:schemeClr>
+                </a:solidFill>
+                <a:latin typeface="微软雅黑" panose="020B0503020204020204" pitchFamily="34" charset="-122"/>
+                <a:ea typeface="微软雅黑" panose="020B0503020204020204" pitchFamily="34" charset="-122"/>
+              </a:rPr>
+              <a:t>umpy, </a:t>
+            </a:r>
+            <a:r>
+              <a:rPr lang="en-CA" altLang="zh-CN" sz="1600" b="1" dirty="0">
+                <a:solidFill>
+                  <a:schemeClr val="tx1">
+                    <a:lumMod val="65000"/>
+                    <a:lumOff val="35000"/>
+                  </a:schemeClr>
+                </a:solidFill>
+                <a:latin typeface="微软雅黑" panose="020B0503020204020204" pitchFamily="34" charset="-122"/>
+                <a:ea typeface="微软雅黑" panose="020B0503020204020204" pitchFamily="34" charset="-122"/>
+              </a:rPr>
+              <a:t>G</a:t>
+            </a:r>
+            <a:r>
+              <a:rPr lang="zh-CN" altLang="en-US" sz="1600" b="1" dirty="0">
+                <a:solidFill>
+                  <a:schemeClr val="tx1">
+                    <a:lumMod val="65000"/>
+                    <a:lumOff val="35000"/>
+                  </a:schemeClr>
+                </a:solidFill>
+                <a:latin typeface="微软雅黑" panose="020B0503020204020204" pitchFamily="34" charset="-122"/>
+                <a:ea typeface="微软雅黑" panose="020B0503020204020204" pitchFamily="34" charset="-122"/>
+              </a:rPr>
+              <a:t>rphviz</a:t>
+            </a:r>
+          </a:p>
+          <a:p>
+            <a:pPr fontAlgn="auto">
+              <a:lnSpc>
+                <a:spcPct val="150000"/>
+              </a:lnSpc>
+            </a:pPr>
+            <a:r>
+              <a:rPr lang="zh-CN" altLang="en-US" sz="1600" b="1" dirty="0">
+                <a:solidFill>
+                  <a:schemeClr val="tx1">
+                    <a:lumMod val="65000"/>
+                    <a:lumOff val="35000"/>
+                  </a:schemeClr>
+                </a:solidFill>
+                <a:latin typeface="微软雅黑" panose="020B0503020204020204" pitchFamily="34" charset="-122"/>
+                <a:ea typeface="微软雅黑" panose="020B0503020204020204" pitchFamily="34" charset="-122"/>
+              </a:rPr>
+              <a:t>- </a:t>
+            </a:r>
+            <a:r>
+              <a:rPr lang="en-CA" altLang="zh-CN" sz="1600" b="1" dirty="0">
+                <a:solidFill>
+                  <a:schemeClr val="tx1">
+                    <a:lumMod val="65000"/>
+                    <a:lumOff val="35000"/>
+                  </a:schemeClr>
+                </a:solidFill>
+                <a:latin typeface="微软雅黑" panose="020B0503020204020204" pitchFamily="34" charset="-122"/>
+                <a:ea typeface="微软雅黑" panose="020B0503020204020204" pitchFamily="34" charset="-122"/>
+              </a:rPr>
+              <a:t>D</a:t>
+            </a:r>
+            <a:r>
+              <a:rPr lang="zh-CN" altLang="en-US" sz="1600" b="1" dirty="0">
+                <a:solidFill>
+                  <a:schemeClr val="tx1">
+                    <a:lumMod val="65000"/>
+                    <a:lumOff val="35000"/>
+                  </a:schemeClr>
+                </a:solidFill>
+                <a:latin typeface="微软雅黑" panose="020B0503020204020204" pitchFamily="34" charset="-122"/>
+                <a:ea typeface="微软雅黑" panose="020B0503020204020204" pitchFamily="34" charset="-122"/>
+              </a:rPr>
+              <a:t>ownload the dataset from kaggle</a:t>
+            </a:r>
           </a:p>
           <a:p>
             <a:pPr fontAlgn="auto">
@@ -18976,16 +18989,6 @@
               </a:rPr>
               <a:t>- UI, design an interacting tool</a:t>
             </a:r>
-            <a:endParaRPr lang="zh-CN" altLang="en-US" sz="1600" b="1" dirty="0">
-              <a:solidFill>
-                <a:schemeClr val="tx1">
-                  <a:lumMod val="65000"/>
-                  <a:lumOff val="35000"/>
-                </a:schemeClr>
-              </a:solidFill>
-              <a:latin typeface="微软雅黑" panose="020B0503020204020204" pitchFamily="34" charset="-122"/>
-              <a:ea typeface="微软雅黑" panose="020B0503020204020204" pitchFamily="34" charset="-122"/>
-            </a:endParaRPr>
           </a:p>
         </p:txBody>
       </p:sp>
@@ -19032,6 +19035,7 @@
           <a:bodyPr rot="0" spcFirstLastPara="0" vertOverflow="overflow" horzOverflow="overflow" vert="horz" wrap="square" lIns="91440" tIns="45720" rIns="91440" bIns="45720" numCol="1" spcCol="0" rtlCol="0" fromWordArt="0" anchor="ctr" anchorCtr="0" forceAA="0" compatLnSpc="1">
             <a:noAutofit/>
           </a:bodyPr>
+          <a:lstStyle/>
           <a:p>
             <a:pPr algn="ctr"/>
             <a:endParaRPr lang="en-US" sz="2800" dirty="0">
@@ -19168,13 +19172,13 @@
   <p:clrMapOvr>
     <a:masterClrMapping/>
   </p:clrMapOvr>
-  <mc:AlternateContent xmlns:mc="http://schemas.openxmlformats.org/markup-compatibility/2006">
-    <mc:Choice xmlns:p14="http://schemas.microsoft.com/office/powerpoint/2010/main" Requires="p14">
+  <mc:AlternateContent xmlns:mc="http://schemas.openxmlformats.org/markup-compatibility/2006" xmlns:p14="http://schemas.microsoft.com/office/powerpoint/2010/main">
+    <mc:Choice Requires="p14">
       <p:transition p14:dur="10">
         <p14:gallery dir="l"/>
       </p:transition>
     </mc:Choice>
-    <mc:Fallback>
+    <mc:Fallback xmlns="">
       <p:transition>
         <p:fade/>
       </p:transition>
@@ -19650,7 +19654,7 @@
 </file>
 
 <file path=ppt/tags/tag1.xml><?xml version="1.0" encoding="utf-8"?>
-<p:tagLst xmlns:p="http://schemas.openxmlformats.org/presentationml/2006/main">
+<p:tagLst xmlns:a="http://schemas.openxmlformats.org/drawingml/2006/main" xmlns:r="http://schemas.openxmlformats.org/officeDocument/2006/relationships" xmlns:p="http://schemas.openxmlformats.org/presentationml/2006/main">
   <p:tag name="ISPRING_PRESENTATION_TITLE" val="PowerPoint 演示文稿"/>
   <p:tag name="COMMONDATA" val="eyJoZGlkIjoiNDBlNDFkNzVkMzJkZjExNDZiYTJkNTYxNjQzZmVhMTMifQ=="/>
 </p:tagLst>
@@ -19907,6 +19911,8 @@
       </a:bgFillStyleLst>
     </a:fmtScheme>
   </a:themeElements>
+  <a:objectDefaults/>
+  <a:extraClrSchemeLst/>
   <a:extLst>
     <a:ext uri="{05A4C25C-085E-4340-85A3-A5531E510DB2}">
       <thm15:themeFamily xmlns:thm15="http://schemas.microsoft.com/office/thememl/2012/main" name="Office Theme" id="{62F939B6-93AF-4DB8-9C6B-D6C7DFDC589F}" vid="{4A3C46E8-61CC-4603-A589-7422A47A8E4A}"/>
@@ -20166,6 +20172,8 @@
       </a:bgFillStyleLst>
     </a:fmtScheme>
   </a:themeElements>
+  <a:objectDefaults/>
+  <a:extraClrSchemeLst/>
   <a:extLst>
     <a:ext uri="{05A4C25C-085E-4340-85A3-A5531E510DB2}">
       <thm15:themeFamily xmlns:thm15="http://schemas.microsoft.com/office/thememl/2012/main" name="Office Theme" id="{62F939B6-93AF-4DB8-9C6B-D6C7DFDC589F}" vid="{4A3C46E8-61CC-4603-A589-7422A47A8E4A}"/>
@@ -20425,6 +20433,8 @@
       </a:bgFillStyleLst>
     </a:fmtScheme>
   </a:themeElements>
+  <a:objectDefaults/>
+  <a:extraClrSchemeLst/>
   <a:extLst>
     <a:ext uri="{05A4C25C-085E-4340-85A3-A5531E510DB2}">
       <thm15:themeFamily xmlns:thm15="http://schemas.microsoft.com/office/thememl/2012/main" name="Office Theme" id="{62F939B6-93AF-4DB8-9C6B-D6C7DFDC589F}" vid="{4A3C46E8-61CC-4603-A589-7422A47A8E4A}"/>

--- a/presentation.pptx
+++ b/presentation.pptx
@@ -13439,7 +13439,46 @@
                 <a:latin typeface="微软雅黑" panose="020B0503020204020204" pitchFamily="34" charset="-122"/>
                 <a:ea typeface="微软雅黑" panose="020B0503020204020204" pitchFamily="34" charset="-122"/>
               </a:rPr>
-              <a:t>he generalization ability is weak, as the rules are domain-specific, and the rules between different domins are generally not applicable to each other</a:t>
+              <a:t>he generalization ability is weak, as the rules are domain-specific, and the rules between different dom</a:t>
+            </a:r>
+            <a:r>
+              <a:rPr lang="en-CA" altLang="zh-CN" sz="1600">
+                <a:solidFill>
+                  <a:schemeClr val="tx1">
+                    <a:lumMod val="65000"/>
+                    <a:lumOff val="35000"/>
+                  </a:schemeClr>
+                </a:solidFill>
+                <a:latin typeface="微软雅黑" panose="020B0503020204020204" pitchFamily="34" charset="-122"/>
+                <a:ea typeface="微软雅黑" panose="020B0503020204020204" pitchFamily="34" charset="-122"/>
+              </a:rPr>
+              <a:t>a</a:t>
+            </a:r>
+            <a:r>
+              <a:rPr lang="zh-CN" altLang="en-US" sz="1600">
+                <a:solidFill>
+                  <a:schemeClr val="tx1">
+                    <a:lumMod val="65000"/>
+                    <a:lumOff val="35000"/>
+                  </a:schemeClr>
+                </a:solidFill>
+                <a:latin typeface="微软雅黑" panose="020B0503020204020204" pitchFamily="34" charset="-122"/>
+                <a:ea typeface="微软雅黑" panose="020B0503020204020204" pitchFamily="34" charset="-122"/>
+              </a:rPr>
+              <a:t>i</a:t>
+            </a:r>
+            <a:r>
+              <a:rPr lang="zh-CN" altLang="en-US" sz="1600" dirty="0">
+                <a:solidFill>
+                  <a:schemeClr val="tx1">
+                    <a:lumMod val="65000"/>
+                    <a:lumOff val="35000"/>
+                  </a:schemeClr>
+                </a:solidFill>
+                <a:latin typeface="微软雅黑" panose="020B0503020204020204" pitchFamily="34" charset="-122"/>
+                <a:ea typeface="微软雅黑" panose="020B0503020204020204" pitchFamily="34" charset="-122"/>
+              </a:rPr>
+              <a:t>ns are generally not applicable to each other</a:t>
             </a:r>
           </a:p>
         </p:txBody>
@@ -16029,20 +16068,7 @@
                 <a:latin typeface="微软雅黑" panose="020B0503020204020204" pitchFamily="34" charset="-122"/>
                 <a:ea typeface="微软雅黑" panose="020B0503020204020204" pitchFamily="34" charset="-122"/>
               </a:rPr>
-              <a:t>whether a credit card user </a:t>
-            </a:r>
-            <a:r>
-              <a:rPr lang="en-CA" altLang="zh-CN" sz="1600" b="1">
-                <a:solidFill>
-                  <a:schemeClr val="tx1">
-                    <a:lumMod val="65000"/>
-                    <a:lumOff val="35000"/>
-                  </a:schemeClr>
-                </a:solidFill>
-                <a:latin typeface="微软雅黑" panose="020B0503020204020204" pitchFamily="34" charset="-122"/>
-                <a:ea typeface="微软雅黑" panose="020B0503020204020204" pitchFamily="34" charset="-122"/>
-              </a:rPr>
-              <a:t>will default.</a:t>
+              <a:t>whether a credit card user will default.</a:t>
             </a:r>
             <a:endParaRPr lang="zh-CN" altLang="en-US" sz="1600" b="1" dirty="0">
               <a:solidFill>

--- a/presentation.pptx
+++ b/presentation.pptx
@@ -211,7 +211,7 @@
           <a:p>
             <a:fld id="{D9C8FC51-CCFD-4D5D-AC41-6BB322F8FED2}" type="datetimeFigureOut">
               <a:rPr lang="zh-CN" altLang="en-US" smtClean="0"/>
-              <a:t>2022/10/2</a:t>
+              <a:t>2022/10/3</a:t>
             </a:fld>
             <a:endParaRPr lang="zh-CN" altLang="en-US"/>
           </a:p>
@@ -1378,7 +1378,29 @@
           <a:bodyPr/>
           <a:lstStyle/>
           <a:p>
-            <a:endParaRPr lang="zh-CN" altLang="en-US"/>
+            <a:r>
+              <a:rPr lang="en-CA" altLang="zh-CN" dirty="0"/>
+              <a:t>SVM: Support Vector Machine, </a:t>
+            </a:r>
+          </a:p>
+          <a:p>
+            <a:r>
+              <a:rPr lang="en-CA" altLang="zh-CN" dirty="0" err="1"/>
+              <a:t>PyTorch</a:t>
+            </a:r>
+            <a:r>
+              <a:rPr lang="en-CA" altLang="zh-CN" dirty="0"/>
+              <a:t>, </a:t>
+            </a:r>
+            <a:r>
+              <a:rPr lang="en-CA" altLang="zh-CN" dirty="0" err="1"/>
+              <a:t>sciekit</a:t>
+            </a:r>
+            <a:r>
+              <a:rPr lang="en-CA" altLang="zh-CN" dirty="0"/>
+              <a:t>, open source ML framework</a:t>
+            </a:r>
+            <a:endParaRPr lang="zh-CN" altLang="en-US" dirty="0"/>
           </a:p>
         </p:txBody>
       </p:sp>
@@ -1542,7 +1564,7 @@
           <a:p>
             <a:fld id="{E14E9F95-E2F7-4766-B6BF-7FE381588EF6}" type="datetimeFigureOut">
               <a:rPr lang="zh-CN" altLang="en-US" smtClean="0"/>
-              <a:t>2022/10/2</a:t>
+              <a:t>2022/10/3</a:t>
             </a:fld>
             <a:endParaRPr lang="zh-CN" altLang="en-US"/>
           </a:p>
@@ -1717,7 +1739,7 @@
           <a:p>
             <a:fld id="{E14E9F95-E2F7-4766-B6BF-7FE381588EF6}" type="datetimeFigureOut">
               <a:rPr lang="zh-CN" altLang="en-US" smtClean="0"/>
-              <a:t>2022/10/2</a:t>
+              <a:t>2022/10/3</a:t>
             </a:fld>
             <a:endParaRPr lang="zh-CN" altLang="en-US"/>
           </a:p>
@@ -1902,7 +1924,7 @@
           <a:p>
             <a:fld id="{E14E9F95-E2F7-4766-B6BF-7FE381588EF6}" type="datetimeFigureOut">
               <a:rPr lang="zh-CN" altLang="en-US" smtClean="0"/>
-              <a:t>2022/10/2</a:t>
+              <a:t>2022/10/3</a:t>
             </a:fld>
             <a:endParaRPr lang="zh-CN" altLang="en-US"/>
           </a:p>
@@ -3197,7 +3219,7 @@
           <a:p>
             <a:fld id="{E14E9F95-E2F7-4766-B6BF-7FE381588EF6}" type="datetimeFigureOut">
               <a:rPr lang="zh-CN" altLang="en-US" smtClean="0"/>
-              <a:t>2022/10/2</a:t>
+              <a:t>2022/10/3</a:t>
             </a:fld>
             <a:endParaRPr lang="zh-CN" altLang="en-US"/>
           </a:p>
@@ -3372,7 +3394,7 @@
           <a:p>
             <a:fld id="{E14E9F95-E2F7-4766-B6BF-7FE381588EF6}" type="datetimeFigureOut">
               <a:rPr lang="zh-CN" altLang="en-US" smtClean="0"/>
-              <a:t>2022/10/2</a:t>
+              <a:t>2022/10/3</a:t>
             </a:fld>
             <a:endParaRPr lang="zh-CN" altLang="en-US"/>
           </a:p>
@@ -3624,7 +3646,7 @@
           <a:p>
             <a:fld id="{E14E9F95-E2F7-4766-B6BF-7FE381588EF6}" type="datetimeFigureOut">
               <a:rPr lang="zh-CN" altLang="en-US" smtClean="0"/>
-              <a:t>2022/10/2</a:t>
+              <a:t>2022/10/3</a:t>
             </a:fld>
             <a:endParaRPr lang="zh-CN" altLang="en-US"/>
           </a:p>
@@ -3860,7 +3882,7 @@
           <a:p>
             <a:fld id="{E14E9F95-E2F7-4766-B6BF-7FE381588EF6}" type="datetimeFigureOut">
               <a:rPr lang="zh-CN" altLang="en-US" smtClean="0"/>
-              <a:t>2022/10/2</a:t>
+              <a:t>2022/10/3</a:t>
             </a:fld>
             <a:endParaRPr lang="zh-CN" altLang="en-US"/>
           </a:p>
@@ -4231,7 +4253,7 @@
           <a:p>
             <a:fld id="{E14E9F95-E2F7-4766-B6BF-7FE381588EF6}" type="datetimeFigureOut">
               <a:rPr lang="zh-CN" altLang="en-US" smtClean="0"/>
-              <a:t>2022/10/2</a:t>
+              <a:t>2022/10/3</a:t>
             </a:fld>
             <a:endParaRPr lang="zh-CN" altLang="en-US"/>
           </a:p>
@@ -4355,7 +4377,7 @@
           <a:p>
             <a:fld id="{E14E9F95-E2F7-4766-B6BF-7FE381588EF6}" type="datetimeFigureOut">
               <a:rPr lang="zh-CN" altLang="en-US" smtClean="0"/>
-              <a:t>2022/10/2</a:t>
+              <a:t>2022/10/3</a:t>
             </a:fld>
             <a:endParaRPr lang="zh-CN" altLang="en-US"/>
           </a:p>
@@ -4457,7 +4479,7 @@
           <a:p>
             <a:fld id="{E14E9F95-E2F7-4766-B6BF-7FE381588EF6}" type="datetimeFigureOut">
               <a:rPr lang="zh-CN" altLang="en-US" smtClean="0"/>
-              <a:t>2022/10/2</a:t>
+              <a:t>2022/10/3</a:t>
             </a:fld>
             <a:endParaRPr lang="zh-CN" altLang="en-US"/>
           </a:p>
@@ -4632,7 +4654,7 @@
           <a:p>
             <a:fld id="{E14E9F95-E2F7-4766-B6BF-7FE381588EF6}" type="datetimeFigureOut">
               <a:rPr lang="zh-CN" altLang="en-US" smtClean="0"/>
-              <a:t>2022/10/2</a:t>
+              <a:t>2022/10/3</a:t>
             </a:fld>
             <a:endParaRPr lang="zh-CN" altLang="en-US"/>
           </a:p>
@@ -4914,7 +4936,7 @@
           <a:p>
             <a:fld id="{E14E9F95-E2F7-4766-B6BF-7FE381588EF6}" type="datetimeFigureOut">
               <a:rPr lang="zh-CN" altLang="en-US" smtClean="0"/>
-              <a:t>2022/10/2</a:t>
+              <a:t>2022/10/3</a:t>
             </a:fld>
             <a:endParaRPr lang="zh-CN" altLang="en-US"/>
           </a:p>
@@ -5173,7 +5195,7 @@
           <a:p>
             <a:fld id="{E14E9F95-E2F7-4766-B6BF-7FE381588EF6}" type="datetimeFigureOut">
               <a:rPr lang="zh-CN" altLang="en-US" smtClean="0"/>
-              <a:t>2022/10/2</a:t>
+              <a:t>2022/10/3</a:t>
             </a:fld>
             <a:endParaRPr lang="zh-CN" altLang="en-US"/>
           </a:p>
@@ -5348,7 +5370,7 @@
           <a:p>
             <a:fld id="{E14E9F95-E2F7-4766-B6BF-7FE381588EF6}" type="datetimeFigureOut">
               <a:rPr lang="zh-CN" altLang="en-US" smtClean="0"/>
-              <a:t>2022/10/2</a:t>
+              <a:t>2022/10/3</a:t>
             </a:fld>
             <a:endParaRPr lang="zh-CN" altLang="en-US"/>
           </a:p>
@@ -5533,7 +5555,7 @@
           <a:p>
             <a:fld id="{E14E9F95-E2F7-4766-B6BF-7FE381588EF6}" type="datetimeFigureOut">
               <a:rPr lang="zh-CN" altLang="en-US" smtClean="0"/>
-              <a:t>2022/10/2</a:t>
+              <a:t>2022/10/3</a:t>
             </a:fld>
             <a:endParaRPr lang="zh-CN" altLang="en-US"/>
           </a:p>
@@ -6883,7 +6905,7 @@
           <a:p>
             <a:fld id="{E14E9F95-E2F7-4766-B6BF-7FE381588EF6}" type="datetimeFigureOut">
               <a:rPr lang="zh-CN" altLang="en-US" smtClean="0"/>
-              <a:t>2022/10/2</a:t>
+              <a:t>2022/10/3</a:t>
             </a:fld>
             <a:endParaRPr lang="zh-CN" altLang="en-US"/>
           </a:p>
@@ -7119,7 +7141,7 @@
           <a:p>
             <a:fld id="{E14E9F95-E2F7-4766-B6BF-7FE381588EF6}" type="datetimeFigureOut">
               <a:rPr lang="zh-CN" altLang="en-US" smtClean="0"/>
-              <a:t>2022/10/2</a:t>
+              <a:t>2022/10/3</a:t>
             </a:fld>
             <a:endParaRPr lang="zh-CN" altLang="en-US"/>
           </a:p>
@@ -7490,7 +7512,7 @@
           <a:p>
             <a:fld id="{E14E9F95-E2F7-4766-B6BF-7FE381588EF6}" type="datetimeFigureOut">
               <a:rPr lang="zh-CN" altLang="en-US" smtClean="0"/>
-              <a:t>2022/10/2</a:t>
+              <a:t>2022/10/3</a:t>
             </a:fld>
             <a:endParaRPr lang="zh-CN" altLang="en-US"/>
           </a:p>
@@ -7614,7 +7636,7 @@
           <a:p>
             <a:fld id="{E14E9F95-E2F7-4766-B6BF-7FE381588EF6}" type="datetimeFigureOut">
               <a:rPr lang="zh-CN" altLang="en-US" smtClean="0"/>
-              <a:t>2022/10/2</a:t>
+              <a:t>2022/10/3</a:t>
             </a:fld>
             <a:endParaRPr lang="zh-CN" altLang="en-US"/>
           </a:p>
@@ -7716,7 +7738,7 @@
           <a:p>
             <a:fld id="{E14E9F95-E2F7-4766-B6BF-7FE381588EF6}" type="datetimeFigureOut">
               <a:rPr lang="zh-CN" altLang="en-US" smtClean="0"/>
-              <a:t>2022/10/2</a:t>
+              <a:t>2022/10/3</a:t>
             </a:fld>
             <a:endParaRPr lang="zh-CN" altLang="en-US"/>
           </a:p>
@@ -7998,7 +8020,7 @@
           <a:p>
             <a:fld id="{E14E9F95-E2F7-4766-B6BF-7FE381588EF6}" type="datetimeFigureOut">
               <a:rPr lang="zh-CN" altLang="en-US" smtClean="0"/>
-              <a:t>2022/10/2</a:t>
+              <a:t>2022/10/3</a:t>
             </a:fld>
             <a:endParaRPr lang="zh-CN" altLang="en-US"/>
           </a:p>
@@ -8257,7 +8279,7 @@
           <a:p>
             <a:fld id="{E14E9F95-E2F7-4766-B6BF-7FE381588EF6}" type="datetimeFigureOut">
               <a:rPr lang="zh-CN" altLang="en-US" smtClean="0"/>
-              <a:t>2022/10/2</a:t>
+              <a:t>2022/10/3</a:t>
             </a:fld>
             <a:endParaRPr lang="zh-CN" altLang="en-US"/>
           </a:p>
@@ -8478,7 +8500,7 @@
           <a:p>
             <a:fld id="{E14E9F95-E2F7-4766-B6BF-7FE381588EF6}" type="datetimeFigureOut">
               <a:rPr lang="zh-CN" altLang="en-US" smtClean="0"/>
-              <a:t>2022/10/2</a:t>
+              <a:t>2022/10/3</a:t>
             </a:fld>
             <a:endParaRPr lang="zh-CN" altLang="en-US"/>
           </a:p>
@@ -9027,7 +9049,7 @@
           <a:p>
             <a:fld id="{E14E9F95-E2F7-4766-B6BF-7FE381588EF6}" type="datetimeFigureOut">
               <a:rPr lang="zh-CN" altLang="en-US" smtClean="0"/>
-              <a:t>2022/10/2</a:t>
+              <a:t>2022/10/3</a:t>
             </a:fld>
             <a:endParaRPr lang="zh-CN" altLang="en-US"/>
           </a:p>
@@ -13442,7 +13464,7 @@
               <a:t>he generalization ability is weak, as the rules are domain-specific, and the rules between different dom</a:t>
             </a:r>
             <a:r>
-              <a:rPr lang="en-CA" altLang="zh-CN" sz="1600">
+              <a:rPr lang="en-CA" altLang="zh-CN" sz="1600" dirty="0">
                 <a:solidFill>
                   <a:schemeClr val="tx1">
                     <a:lumMod val="65000"/>
@@ -13455,19 +13477,6 @@
               <a:t>a</a:t>
             </a:r>
             <a:r>
-              <a:rPr lang="zh-CN" altLang="en-US" sz="1600">
-                <a:solidFill>
-                  <a:schemeClr val="tx1">
-                    <a:lumMod val="65000"/>
-                    <a:lumOff val="35000"/>
-                  </a:schemeClr>
-                </a:solidFill>
-                <a:latin typeface="微软雅黑" panose="020B0503020204020204" pitchFamily="34" charset="-122"/>
-                <a:ea typeface="微软雅黑" panose="020B0503020204020204" pitchFamily="34" charset="-122"/>
-              </a:rPr>
-              <a:t>i</a:t>
-            </a:r>
-            <a:r>
               <a:rPr lang="zh-CN" altLang="en-US" sz="1600" dirty="0">
                 <a:solidFill>
                   <a:schemeClr val="tx1">
@@ -13478,7 +13487,7 @@
                 <a:latin typeface="微软雅黑" panose="020B0503020204020204" pitchFamily="34" charset="-122"/>
                 <a:ea typeface="微软雅黑" panose="020B0503020204020204" pitchFamily="34" charset="-122"/>
               </a:rPr>
-              <a:t>ns are generally not applicable to each other</a:t>
+              <a:t>ins are generally not applicable to each other</a:t>
             </a:r>
           </a:p>
         </p:txBody>
@@ -17102,7 +17111,7 @@
         <p:spPr>
           <a:xfrm>
             <a:off x="2909570" y="1167765"/>
-            <a:ext cx="8070850" cy="3834511"/>
+            <a:ext cx="8070850" cy="3465179"/>
           </a:xfrm>
           <a:prstGeom prst="rect">
             <a:avLst/>
@@ -17205,7 +17214,20 @@
                 <a:latin typeface="微软雅黑" panose="020B0503020204020204" pitchFamily="34" charset="-122"/>
                 <a:ea typeface="微软雅黑" panose="020B0503020204020204" pitchFamily="34" charset="-122"/>
               </a:rPr>
-              <a:t>    - I am a data analyst at a credit card company. When evaluating the credit rating of an account, I need to calculate the maximum loan repayment ability based on the consumption records of various dimensions of the account to reduce the situation of being unable to repay the debt. </a:t>
+              <a:t>    - I am a data analyst at a credit card company. When evaluating the credit rating of an account, I need to be able to reproduce the results and install the </a:t>
+            </a:r>
+            <a:r>
+              <a:rPr lang="en-US" altLang="zh-CN" sz="1600" b="1">
+                <a:solidFill>
+                  <a:schemeClr val="tx1">
+                    <a:lumMod val="65000"/>
+                    <a:lumOff val="35000"/>
+                  </a:schemeClr>
+                </a:solidFill>
+                <a:latin typeface="微软雅黑" panose="020B0503020204020204" pitchFamily="34" charset="-122"/>
+                <a:ea typeface="微软雅黑" panose="020B0503020204020204" pitchFamily="34" charset="-122"/>
+              </a:rPr>
+              <a:t>application in a simple manner.</a:t>
             </a:r>
             <a:endParaRPr lang="zh-CN" altLang="en-US" sz="1600" b="1" dirty="0">
               <a:solidFill>

--- a/presentation.pptx
+++ b/presentation.pptx
@@ -211,7 +211,7 @@
           <a:p>
             <a:fld id="{D9C8FC51-CCFD-4D5D-AC41-6BB322F8FED2}" type="datetimeFigureOut">
               <a:rPr lang="zh-CN" altLang="en-US" smtClean="0"/>
-              <a:t>2022/10/3</a:t>
+              <a:t>2022-10-03</a:t>
             </a:fld>
             <a:endParaRPr lang="zh-CN" altLang="en-US"/>
           </a:p>
@@ -1564,7 +1564,7 @@
           <a:p>
             <a:fld id="{E14E9F95-E2F7-4766-B6BF-7FE381588EF6}" type="datetimeFigureOut">
               <a:rPr lang="zh-CN" altLang="en-US" smtClean="0"/>
-              <a:t>2022/10/3</a:t>
+              <a:t>2022-10-03</a:t>
             </a:fld>
             <a:endParaRPr lang="zh-CN" altLang="en-US"/>
           </a:p>
@@ -1739,7 +1739,7 @@
           <a:p>
             <a:fld id="{E14E9F95-E2F7-4766-B6BF-7FE381588EF6}" type="datetimeFigureOut">
               <a:rPr lang="zh-CN" altLang="en-US" smtClean="0"/>
-              <a:t>2022/10/3</a:t>
+              <a:t>2022-10-03</a:t>
             </a:fld>
             <a:endParaRPr lang="zh-CN" altLang="en-US"/>
           </a:p>
@@ -1924,7 +1924,7 @@
           <a:p>
             <a:fld id="{E14E9F95-E2F7-4766-B6BF-7FE381588EF6}" type="datetimeFigureOut">
               <a:rPr lang="zh-CN" altLang="en-US" smtClean="0"/>
-              <a:t>2022/10/3</a:t>
+              <a:t>2022-10-03</a:t>
             </a:fld>
             <a:endParaRPr lang="zh-CN" altLang="en-US"/>
           </a:p>
@@ -3219,7 +3219,7 @@
           <a:p>
             <a:fld id="{E14E9F95-E2F7-4766-B6BF-7FE381588EF6}" type="datetimeFigureOut">
               <a:rPr lang="zh-CN" altLang="en-US" smtClean="0"/>
-              <a:t>2022/10/3</a:t>
+              <a:t>2022-10-03</a:t>
             </a:fld>
             <a:endParaRPr lang="zh-CN" altLang="en-US"/>
           </a:p>
@@ -3394,7 +3394,7 @@
           <a:p>
             <a:fld id="{E14E9F95-E2F7-4766-B6BF-7FE381588EF6}" type="datetimeFigureOut">
               <a:rPr lang="zh-CN" altLang="en-US" smtClean="0"/>
-              <a:t>2022/10/3</a:t>
+              <a:t>2022-10-03</a:t>
             </a:fld>
             <a:endParaRPr lang="zh-CN" altLang="en-US"/>
           </a:p>
@@ -3646,7 +3646,7 @@
           <a:p>
             <a:fld id="{E14E9F95-E2F7-4766-B6BF-7FE381588EF6}" type="datetimeFigureOut">
               <a:rPr lang="zh-CN" altLang="en-US" smtClean="0"/>
-              <a:t>2022/10/3</a:t>
+              <a:t>2022-10-03</a:t>
             </a:fld>
             <a:endParaRPr lang="zh-CN" altLang="en-US"/>
           </a:p>
@@ -3882,7 +3882,7 @@
           <a:p>
             <a:fld id="{E14E9F95-E2F7-4766-B6BF-7FE381588EF6}" type="datetimeFigureOut">
               <a:rPr lang="zh-CN" altLang="en-US" smtClean="0"/>
-              <a:t>2022/10/3</a:t>
+              <a:t>2022-10-03</a:t>
             </a:fld>
             <a:endParaRPr lang="zh-CN" altLang="en-US"/>
           </a:p>
@@ -4253,7 +4253,7 @@
           <a:p>
             <a:fld id="{E14E9F95-E2F7-4766-B6BF-7FE381588EF6}" type="datetimeFigureOut">
               <a:rPr lang="zh-CN" altLang="en-US" smtClean="0"/>
-              <a:t>2022/10/3</a:t>
+              <a:t>2022-10-03</a:t>
             </a:fld>
             <a:endParaRPr lang="zh-CN" altLang="en-US"/>
           </a:p>
@@ -4377,7 +4377,7 @@
           <a:p>
             <a:fld id="{E14E9F95-E2F7-4766-B6BF-7FE381588EF6}" type="datetimeFigureOut">
               <a:rPr lang="zh-CN" altLang="en-US" smtClean="0"/>
-              <a:t>2022/10/3</a:t>
+              <a:t>2022-10-03</a:t>
             </a:fld>
             <a:endParaRPr lang="zh-CN" altLang="en-US"/>
           </a:p>
@@ -4479,7 +4479,7 @@
           <a:p>
             <a:fld id="{E14E9F95-E2F7-4766-B6BF-7FE381588EF6}" type="datetimeFigureOut">
               <a:rPr lang="zh-CN" altLang="en-US" smtClean="0"/>
-              <a:t>2022/10/3</a:t>
+              <a:t>2022-10-03</a:t>
             </a:fld>
             <a:endParaRPr lang="zh-CN" altLang="en-US"/>
           </a:p>
@@ -4654,7 +4654,7 @@
           <a:p>
             <a:fld id="{E14E9F95-E2F7-4766-B6BF-7FE381588EF6}" type="datetimeFigureOut">
               <a:rPr lang="zh-CN" altLang="en-US" smtClean="0"/>
-              <a:t>2022/10/3</a:t>
+              <a:t>2022-10-03</a:t>
             </a:fld>
             <a:endParaRPr lang="zh-CN" altLang="en-US"/>
           </a:p>
@@ -4936,7 +4936,7 @@
           <a:p>
             <a:fld id="{E14E9F95-E2F7-4766-B6BF-7FE381588EF6}" type="datetimeFigureOut">
               <a:rPr lang="zh-CN" altLang="en-US" smtClean="0"/>
-              <a:t>2022/10/3</a:t>
+              <a:t>2022-10-03</a:t>
             </a:fld>
             <a:endParaRPr lang="zh-CN" altLang="en-US"/>
           </a:p>
@@ -5195,7 +5195,7 @@
           <a:p>
             <a:fld id="{E14E9F95-E2F7-4766-B6BF-7FE381588EF6}" type="datetimeFigureOut">
               <a:rPr lang="zh-CN" altLang="en-US" smtClean="0"/>
-              <a:t>2022/10/3</a:t>
+              <a:t>2022-10-03</a:t>
             </a:fld>
             <a:endParaRPr lang="zh-CN" altLang="en-US"/>
           </a:p>
@@ -5370,7 +5370,7 @@
           <a:p>
             <a:fld id="{E14E9F95-E2F7-4766-B6BF-7FE381588EF6}" type="datetimeFigureOut">
               <a:rPr lang="zh-CN" altLang="en-US" smtClean="0"/>
-              <a:t>2022/10/3</a:t>
+              <a:t>2022-10-03</a:t>
             </a:fld>
             <a:endParaRPr lang="zh-CN" altLang="en-US"/>
           </a:p>
@@ -5555,7 +5555,7 @@
           <a:p>
             <a:fld id="{E14E9F95-E2F7-4766-B6BF-7FE381588EF6}" type="datetimeFigureOut">
               <a:rPr lang="zh-CN" altLang="en-US" smtClean="0"/>
-              <a:t>2022/10/3</a:t>
+              <a:t>2022-10-03</a:t>
             </a:fld>
             <a:endParaRPr lang="zh-CN" altLang="en-US"/>
           </a:p>
@@ -6905,7 +6905,7 @@
           <a:p>
             <a:fld id="{E14E9F95-E2F7-4766-B6BF-7FE381588EF6}" type="datetimeFigureOut">
               <a:rPr lang="zh-CN" altLang="en-US" smtClean="0"/>
-              <a:t>2022/10/3</a:t>
+              <a:t>2022-10-03</a:t>
             </a:fld>
             <a:endParaRPr lang="zh-CN" altLang="en-US"/>
           </a:p>
@@ -7141,7 +7141,7 @@
           <a:p>
             <a:fld id="{E14E9F95-E2F7-4766-B6BF-7FE381588EF6}" type="datetimeFigureOut">
               <a:rPr lang="zh-CN" altLang="en-US" smtClean="0"/>
-              <a:t>2022/10/3</a:t>
+              <a:t>2022-10-03</a:t>
             </a:fld>
             <a:endParaRPr lang="zh-CN" altLang="en-US"/>
           </a:p>
@@ -7512,7 +7512,7 @@
           <a:p>
             <a:fld id="{E14E9F95-E2F7-4766-B6BF-7FE381588EF6}" type="datetimeFigureOut">
               <a:rPr lang="zh-CN" altLang="en-US" smtClean="0"/>
-              <a:t>2022/10/3</a:t>
+              <a:t>2022-10-03</a:t>
             </a:fld>
             <a:endParaRPr lang="zh-CN" altLang="en-US"/>
           </a:p>
@@ -7636,7 +7636,7 @@
           <a:p>
             <a:fld id="{E14E9F95-E2F7-4766-B6BF-7FE381588EF6}" type="datetimeFigureOut">
               <a:rPr lang="zh-CN" altLang="en-US" smtClean="0"/>
-              <a:t>2022/10/3</a:t>
+              <a:t>2022-10-03</a:t>
             </a:fld>
             <a:endParaRPr lang="zh-CN" altLang="en-US"/>
           </a:p>
@@ -7738,7 +7738,7 @@
           <a:p>
             <a:fld id="{E14E9F95-E2F7-4766-B6BF-7FE381588EF6}" type="datetimeFigureOut">
               <a:rPr lang="zh-CN" altLang="en-US" smtClean="0"/>
-              <a:t>2022/10/3</a:t>
+              <a:t>2022-10-03</a:t>
             </a:fld>
             <a:endParaRPr lang="zh-CN" altLang="en-US"/>
           </a:p>
@@ -8020,7 +8020,7 @@
           <a:p>
             <a:fld id="{E14E9F95-E2F7-4766-B6BF-7FE381588EF6}" type="datetimeFigureOut">
               <a:rPr lang="zh-CN" altLang="en-US" smtClean="0"/>
-              <a:t>2022/10/3</a:t>
+              <a:t>2022-10-03</a:t>
             </a:fld>
             <a:endParaRPr lang="zh-CN" altLang="en-US"/>
           </a:p>
@@ -8279,7 +8279,7 @@
           <a:p>
             <a:fld id="{E14E9F95-E2F7-4766-B6BF-7FE381588EF6}" type="datetimeFigureOut">
               <a:rPr lang="zh-CN" altLang="en-US" smtClean="0"/>
-              <a:t>2022/10/3</a:t>
+              <a:t>2022-10-03</a:t>
             </a:fld>
             <a:endParaRPr lang="zh-CN" altLang="en-US"/>
           </a:p>
@@ -8500,7 +8500,7 @@
           <a:p>
             <a:fld id="{E14E9F95-E2F7-4766-B6BF-7FE381588EF6}" type="datetimeFigureOut">
               <a:rPr lang="zh-CN" altLang="en-US" smtClean="0"/>
-              <a:t>2022/10/3</a:t>
+              <a:t>2022-10-03</a:t>
             </a:fld>
             <a:endParaRPr lang="zh-CN" altLang="en-US"/>
           </a:p>
@@ -9049,7 +9049,7 @@
           <a:p>
             <a:fld id="{E14E9F95-E2F7-4766-B6BF-7FE381588EF6}" type="datetimeFigureOut">
               <a:rPr lang="zh-CN" altLang="en-US" smtClean="0"/>
-              <a:t>2022/10/3</a:t>
+              <a:t>2022-10-03</a:t>
             </a:fld>
             <a:endParaRPr lang="zh-CN" altLang="en-US"/>
           </a:p>
@@ -17111,7 +17111,7 @@
         <p:spPr>
           <a:xfrm>
             <a:off x="2909570" y="1167765"/>
-            <a:ext cx="8070850" cy="3465179"/>
+            <a:ext cx="8070850" cy="3834511"/>
           </a:xfrm>
           <a:prstGeom prst="rect">
             <a:avLst/>
@@ -17141,6 +17141,98 @@
                 <a:ea typeface="微软雅黑" panose="020B0503020204020204" pitchFamily="34" charset="-122"/>
               </a:rPr>
               <a:t> MVP and MVP user stories</a:t>
+            </a:r>
+          </a:p>
+          <a:p>
+            <a:pPr fontAlgn="auto">
+              <a:lnSpc>
+                <a:spcPct val="150000"/>
+              </a:lnSpc>
+            </a:pPr>
+            <a:r>
+              <a:rPr lang="en-US" altLang="zh-CN" sz="1600" b="1" dirty="0">
+                <a:solidFill>
+                  <a:schemeClr val="tx1">
+                    <a:lumMod val="65000"/>
+                    <a:lumOff val="35000"/>
+                  </a:schemeClr>
+                </a:solidFill>
+                <a:latin typeface="微软雅黑" panose="020B0503020204020204" pitchFamily="34" charset="-122"/>
+                <a:ea typeface="微软雅黑" panose="020B0503020204020204" pitchFamily="34" charset="-122"/>
+              </a:rPr>
+              <a:t>    - The </a:t>
+            </a:r>
+            <a:r>
+              <a:rPr lang="en-US" altLang="zh-CN" sz="1600" b="1" dirty="0" err="1">
+                <a:solidFill>
+                  <a:schemeClr val="tx1">
+                    <a:lumMod val="65000"/>
+                    <a:lumOff val="35000"/>
+                  </a:schemeClr>
+                </a:solidFill>
+                <a:latin typeface="微软雅黑" panose="020B0503020204020204" pitchFamily="34" charset="-122"/>
+                <a:ea typeface="微软雅黑" panose="020B0503020204020204" pitchFamily="34" charset="-122"/>
+              </a:rPr>
+              <a:t>mvp</a:t>
+            </a:r>
+            <a:r>
+              <a:rPr lang="en-US" altLang="zh-CN" sz="1600" b="1" dirty="0">
+                <a:solidFill>
+                  <a:schemeClr val="tx1">
+                    <a:lumMod val="65000"/>
+                    <a:lumOff val="35000"/>
+                  </a:schemeClr>
+                </a:solidFill>
+                <a:latin typeface="微软雅黑" panose="020B0503020204020204" pitchFamily="34" charset="-122"/>
+                <a:ea typeface="微软雅黑" panose="020B0503020204020204" pitchFamily="34" charset="-122"/>
+              </a:rPr>
+              <a:t> is a software that can input users’ data and output prediction of the </a:t>
+            </a:r>
+            <a:r>
+              <a:rPr lang="en-US" altLang="zh-CN" sz="1600" b="1" dirty="0" err="1">
+                <a:solidFill>
+                  <a:schemeClr val="tx1">
+                    <a:lumMod val="65000"/>
+                    <a:lumOff val="35000"/>
+                  </a:schemeClr>
+                </a:solidFill>
+                <a:latin typeface="微软雅黑" panose="020B0503020204020204" pitchFamily="34" charset="-122"/>
+                <a:ea typeface="微软雅黑" panose="020B0503020204020204" pitchFamily="34" charset="-122"/>
+              </a:rPr>
+              <a:t>defalt</a:t>
+            </a:r>
+            <a:r>
+              <a:rPr lang="en-US" altLang="zh-CN" sz="1600" b="1" dirty="0">
+                <a:solidFill>
+                  <a:schemeClr val="tx1">
+                    <a:lumMod val="65000"/>
+                    <a:lumOff val="35000"/>
+                  </a:schemeClr>
+                </a:solidFill>
+                <a:latin typeface="微软雅黑" panose="020B0503020204020204" pitchFamily="34" charset="-122"/>
+                <a:ea typeface="微软雅黑" panose="020B0503020204020204" pitchFamily="34" charset="-122"/>
+              </a:rPr>
+              <a:t> of the user given a specific time span. </a:t>
+            </a:r>
+          </a:p>
+          <a:p>
+            <a:pPr fontAlgn="auto">
+              <a:lnSpc>
+                <a:spcPct val="150000"/>
+              </a:lnSpc>
+            </a:pPr>
+            <a:r>
+              <a:rPr lang="en-US" altLang="zh-CN" sz="1600" b="1" dirty="0">
+                <a:solidFill>
+                  <a:schemeClr val="tx1">
+                    <a:lumMod val="65000"/>
+                    <a:lumOff val="35000"/>
+                  </a:schemeClr>
+                </a:solidFill>
+                <a:latin typeface="微软雅黑" panose="020B0503020204020204" pitchFamily="34" charset="-122"/>
+                <a:ea typeface="微软雅黑" panose="020B0503020204020204" pitchFamily="34" charset="-122"/>
+              </a:rPr>
+              <a:t>    - Machine learning is used for credit default prediction. The machine learning model adds time-series behavioral data and anonymous customer profile information to improve the accuracy of credit default prediction.</a:t>
             </a:r>
           </a:p>
           <a:p>
@@ -17177,57 +17269,7 @@
                 <a:latin typeface="微软雅黑" panose="020B0503020204020204" pitchFamily="34" charset="-122"/>
                 <a:ea typeface="微软雅黑" panose="020B0503020204020204" pitchFamily="34" charset="-122"/>
               </a:rPr>
-              <a:t>    - Machine learning is used for credit default prediction. The machine learning model adds time-series behavioral data and anonymous customer profile information to improve the accuracy of credit default prediction.</a:t>
-            </a:r>
-          </a:p>
-          <a:p>
-            <a:pPr fontAlgn="auto">
-              <a:lnSpc>
-                <a:spcPct val="150000"/>
-              </a:lnSpc>
-            </a:pPr>
-            <a:endParaRPr lang="en-US" altLang="zh-CN" sz="1600" b="1" dirty="0">
-              <a:solidFill>
-                <a:schemeClr val="tx1">
-                  <a:lumMod val="65000"/>
-                  <a:lumOff val="35000"/>
-                </a:schemeClr>
-              </a:solidFill>
-              <a:latin typeface="微软雅黑" panose="020B0503020204020204" pitchFamily="34" charset="-122"/>
-              <a:ea typeface="微软雅黑" panose="020B0503020204020204" pitchFamily="34" charset="-122"/>
-            </a:endParaRPr>
-          </a:p>
-          <a:p>
-            <a:pPr fontAlgn="auto">
-              <a:lnSpc>
-                <a:spcPct val="150000"/>
-              </a:lnSpc>
-            </a:pPr>
-            <a:r>
-              <a:rPr lang="en-US" altLang="zh-CN" sz="1600" b="1" dirty="0">
-                <a:solidFill>
-                  <a:schemeClr val="tx1">
-                    <a:lumMod val="65000"/>
-                    <a:lumOff val="35000"/>
-                  </a:schemeClr>
-                </a:solidFill>
-                <a:latin typeface="微软雅黑" panose="020B0503020204020204" pitchFamily="34" charset="-122"/>
-                <a:ea typeface="微软雅黑" panose="020B0503020204020204" pitchFamily="34" charset="-122"/>
-              </a:rPr>
-              <a:t>    - I am a data analyst at a credit card company. When evaluating the credit rating of an account, I need to be able to reproduce the results and install the </a:t>
-            </a:r>
-            <a:r>
-              <a:rPr lang="en-US" altLang="zh-CN" sz="1600" b="1">
-                <a:solidFill>
-                  <a:schemeClr val="tx1">
-                    <a:lumMod val="65000"/>
-                    <a:lumOff val="35000"/>
-                  </a:schemeClr>
-                </a:solidFill>
-                <a:latin typeface="微软雅黑" panose="020B0503020204020204" pitchFamily="34" charset="-122"/>
-                <a:ea typeface="微软雅黑" panose="020B0503020204020204" pitchFamily="34" charset="-122"/>
-              </a:rPr>
-              <a:t>application in a simple manner.</a:t>
+              <a:t>    - I am a data analyst at a credit card company. When evaluating the credit rating of an account, I need to be able to reproduce the results and install the application in a simple manner.</a:t>
             </a:r>
             <a:endParaRPr lang="zh-CN" altLang="en-US" sz="1600" b="1" dirty="0">
               <a:solidFill>
